--- a/Week 6 - Bigger Picture - Iteroperability - Beyond introduction to Programming Solution/PowerPoint Presentations/Week_6_Part_3_Beyond_Introduction_to_Programming_Solution.pptx
+++ b/Week 6 - Bigger Picture - Iteroperability - Beyond introduction to Programming Solution/PowerPoint Presentations/Week_6_Part_3_Beyond_Introduction_to_Programming_Solution.pptx
@@ -222,7 +222,7 @@
           <a:p>
             <a:fld id="{C0DB4203-FCE6-4DB9-8B82-6DDA69D645A0}" type="datetimeFigureOut">
               <a:rPr lang="en-ZA" smtClean="0"/>
-              <a:t>2023/05/09</a:t>
+              <a:t>23 May 2023</a:t>
             </a:fld>
             <a:endParaRPr lang="en-ZA"/>
           </a:p>
@@ -4114,363 +4114,592 @@
           </a:p>
         </p:txBody>
       </p:sp>
-      <p:sp>
-        <p:nvSpPr>
-          <p:cNvPr id="3" name="Content Placeholder 2">
-            <a:extLst>
-              <a:ext uri="{FF2B5EF4-FFF2-40B4-BE49-F238E27FC236}">
-                <a16:creationId xmlns:a16="http://schemas.microsoft.com/office/drawing/2014/main" id="{2973925E-A732-6BBA-E3F4-6F3FB54599AA}"/>
-              </a:ext>
-            </a:extLst>
-          </p:cNvPr>
-          <p:cNvSpPr>
-            <a:spLocks noGrp="1"/>
-          </p:cNvSpPr>
-          <p:nvPr>
-            <p:ph idx="1"/>
-          </p:nvPr>
-        </p:nvSpPr>
-        <p:spPr>
-          <a:xfrm>
-            <a:off x="465023" y="1276983"/>
-            <a:ext cx="8229600" cy="5112000"/>
-          </a:xfrm>
-        </p:spPr>
-        <p:txBody>
-          <a:bodyPr>
-            <a:noAutofit/>
-          </a:bodyPr>
-          <a:lstStyle/>
-          <a:p>
-            <a:pPr marL="0" indent="0">
-              <a:lnSpc>
-                <a:spcPct val="107000"/>
-              </a:lnSpc>
-              <a:spcBef>
-                <a:spcPts val="1050"/>
-              </a:spcBef>
-              <a:spcAft>
-                <a:spcPts val="1050"/>
-              </a:spcAft>
-              <a:buNone/>
-            </a:pPr>
-            <a:r>
-              <a:rPr kumimoji="0" lang="en-GB" altLang="en-US" sz="1800" b="0" i="0" u="none" strike="noStrike" cap="none" normalizeH="0" baseline="0" dirty="0">
-                <a:ln>
-                  <a:noFill/>
-                </a:ln>
-                <a:solidFill>
-                  <a:schemeClr val="tx1"/>
-                </a:solidFill>
-                <a:effectLst/>
-                <a:latin typeface="Helvetica" panose="020B0604020202020204" pitchFamily="34" charset="0"/>
-                <a:ea typeface="Times New Roman" panose="02020603050405020304" pitchFamily="18" charset="0"/>
-                <a:cs typeface="Times New Roman" panose="02020603050405020304" pitchFamily="18" charset="0"/>
-              </a:rPr>
-              <a:t>Let us try out the Solve Symbolic Equation task for the equation              , solving for the variable </a:t>
-            </a:r>
-            <a:r>
-              <a:rPr kumimoji="0" lang="en-GB" altLang="en-US" sz="1800" b="0" i="0" u="none" strike="noStrike" cap="none" normalizeH="0" baseline="0" dirty="0">
-                <a:ln>
-                  <a:noFill/>
-                </a:ln>
-                <a:solidFill>
-                  <a:schemeClr val="tx1"/>
-                </a:solidFill>
-                <a:effectLst/>
-                <a:latin typeface="Consolas" panose="020B0609020204030204" pitchFamily="49" charset="0"/>
-                <a:ea typeface="Times New Roman" panose="02020603050405020304" pitchFamily="18" charset="0"/>
-                <a:cs typeface="Times New Roman" panose="02020603050405020304" pitchFamily="18" charset="0"/>
-              </a:rPr>
-              <a:t>x</a:t>
-            </a:r>
-            <a:r>
-              <a:rPr kumimoji="0" lang="en-GB" altLang="en-US" sz="1800" b="0" i="0" u="none" strike="noStrike" cap="none" normalizeH="0" baseline="0" dirty="0">
-                <a:ln>
-                  <a:noFill/>
-                </a:ln>
-                <a:solidFill>
-                  <a:schemeClr val="tx1"/>
-                </a:solidFill>
-                <a:effectLst/>
-                <a:latin typeface="Helvetica" panose="020B0604020202020204" pitchFamily="34" charset="0"/>
-                <a:ea typeface="Times New Roman" panose="02020603050405020304" pitchFamily="18" charset="0"/>
-                <a:cs typeface="Times New Roman" panose="02020603050405020304" pitchFamily="18" charset="0"/>
-              </a:rPr>
-              <a:t>.</a:t>
-            </a:r>
-            <a:r>
-              <a:rPr kumimoji="0" lang="en-ZA" altLang="en-US" sz="1800" b="0" i="0" u="none" strike="noStrike" cap="none" normalizeH="0" baseline="0" dirty="0">
-                <a:ln>
-                  <a:noFill/>
-                </a:ln>
-                <a:solidFill>
-                  <a:schemeClr val="tx1"/>
-                </a:solidFill>
-                <a:effectLst/>
-              </a:rPr>
-              <a:t> </a:t>
-            </a:r>
-            <a:endParaRPr kumimoji="0" lang="en-GB" altLang="en-US" sz="1800" b="0" i="0" u="none" strike="noStrike" cap="none" normalizeH="0" baseline="0" dirty="0">
-              <a:ln>
-                <a:noFill/>
-              </a:ln>
-              <a:solidFill>
-                <a:schemeClr val="tx1"/>
-              </a:solidFill>
-              <a:effectLst/>
-              <a:latin typeface="Arial" panose="020B0604020202020204" pitchFamily="34" charset="0"/>
-            </a:endParaRPr>
-          </a:p>
-          <a:p>
-            <a:pPr marL="180975" lvl="1" indent="0">
-              <a:lnSpc>
-                <a:spcPts val="1400"/>
-              </a:lnSpc>
-              <a:spcBef>
-                <a:spcPts val="700"/>
-              </a:spcBef>
-              <a:buNone/>
-            </a:pPr>
-            <a:r>
-              <a:rPr lang="en-GB" sz="1600" dirty="0" err="1">
-                <a:solidFill>
-                  <a:srgbClr val="000000"/>
-                </a:solidFill>
-                <a:effectLst/>
-                <a:latin typeface="Consolas" panose="020B0609020204030204" pitchFamily="49" charset="0"/>
-                <a:ea typeface="Times New Roman" panose="02020603050405020304" pitchFamily="18" charset="0"/>
-                <a:cs typeface="Times New Roman" panose="02020603050405020304" pitchFamily="18" charset="0"/>
-              </a:rPr>
-              <a:t>syms</a:t>
-            </a:r>
-            <a:r>
-              <a:rPr lang="en-GB" sz="1600" dirty="0">
-                <a:solidFill>
-                  <a:srgbClr val="000000"/>
-                </a:solidFill>
-                <a:effectLst/>
-                <a:latin typeface="Consolas" panose="020B0609020204030204" pitchFamily="49" charset="0"/>
-                <a:ea typeface="Times New Roman" panose="02020603050405020304" pitchFamily="18" charset="0"/>
-                <a:cs typeface="Times New Roman" panose="02020603050405020304" pitchFamily="18" charset="0"/>
-              </a:rPr>
-              <a:t> </a:t>
-            </a:r>
-            <a:r>
-              <a:rPr lang="en-GB" sz="1600" dirty="0">
-                <a:solidFill>
-                  <a:srgbClr val="A709F5"/>
-                </a:solidFill>
-                <a:effectLst/>
-                <a:latin typeface="Consolas" panose="020B0609020204030204" pitchFamily="49" charset="0"/>
-                <a:ea typeface="Times New Roman" panose="02020603050405020304" pitchFamily="18" charset="0"/>
-                <a:cs typeface="Times New Roman" panose="02020603050405020304" pitchFamily="18" charset="0"/>
-              </a:rPr>
-              <a:t>x</a:t>
-            </a:r>
-            <a:endParaRPr lang="en-ZA" sz="1600" dirty="0">
-              <a:effectLst/>
-              <a:latin typeface="Consolas" panose="020B0609020204030204" pitchFamily="49" charset="0"/>
-              <a:ea typeface="Times New Roman" panose="02020603050405020304" pitchFamily="18" charset="0"/>
-              <a:cs typeface="Times New Roman" panose="02020603050405020304" pitchFamily="18" charset="0"/>
-            </a:endParaRPr>
-          </a:p>
-          <a:p>
-            <a:pPr marL="180975" lvl="1" indent="0">
-              <a:lnSpc>
-                <a:spcPts val="1400"/>
-              </a:lnSpc>
-              <a:buNone/>
-            </a:pPr>
-            <a:r>
-              <a:rPr lang="en-GB" sz="1600" dirty="0" err="1">
-                <a:solidFill>
-                  <a:srgbClr val="000000"/>
-                </a:solidFill>
-                <a:effectLst/>
-                <a:latin typeface="Consolas" panose="020B0609020204030204" pitchFamily="49" charset="0"/>
-                <a:ea typeface="Times New Roman" panose="02020603050405020304" pitchFamily="18" charset="0"/>
-                <a:cs typeface="Times New Roman" panose="02020603050405020304" pitchFamily="18" charset="0"/>
-              </a:rPr>
-              <a:t>eqn</a:t>
-            </a:r>
-            <a:r>
-              <a:rPr lang="en-GB" sz="1600" dirty="0">
-                <a:solidFill>
-                  <a:srgbClr val="000000"/>
-                </a:solidFill>
-                <a:effectLst/>
-                <a:latin typeface="Consolas" panose="020B0609020204030204" pitchFamily="49" charset="0"/>
-                <a:ea typeface="Times New Roman" panose="02020603050405020304" pitchFamily="18" charset="0"/>
-                <a:cs typeface="Times New Roman" panose="02020603050405020304" pitchFamily="18" charset="0"/>
-              </a:rPr>
-              <a:t> = 3*x^2 == 27;</a:t>
-            </a:r>
-            <a:endParaRPr lang="en-ZA" sz="1600" dirty="0">
-              <a:effectLst/>
-              <a:latin typeface="Consolas" panose="020B0609020204030204" pitchFamily="49" charset="0"/>
-              <a:ea typeface="Times New Roman" panose="02020603050405020304" pitchFamily="18" charset="0"/>
-              <a:cs typeface="Times New Roman" panose="02020603050405020304" pitchFamily="18" charset="0"/>
-            </a:endParaRPr>
-          </a:p>
-          <a:p>
-            <a:pPr marL="180975" lvl="1" indent="0">
-              <a:lnSpc>
-                <a:spcPts val="1400"/>
-              </a:lnSpc>
-              <a:buNone/>
-            </a:pPr>
-            <a:r>
-              <a:rPr lang="en-GB" sz="1600" dirty="0">
-                <a:solidFill>
-                  <a:srgbClr val="008013"/>
-                </a:solidFill>
-                <a:effectLst/>
-                <a:latin typeface="Consolas" panose="020B0609020204030204" pitchFamily="49" charset="0"/>
-                <a:ea typeface="Times New Roman" panose="02020603050405020304" pitchFamily="18" charset="0"/>
-                <a:cs typeface="Times New Roman" panose="02020603050405020304" pitchFamily="18" charset="0"/>
-              </a:rPr>
-              <a:t>% Compute analytic solution of a symbolic equation</a:t>
-            </a:r>
-            <a:endParaRPr lang="en-ZA" sz="1600" dirty="0">
-              <a:effectLst/>
-              <a:latin typeface="Consolas" panose="020B0609020204030204" pitchFamily="49" charset="0"/>
-              <a:ea typeface="Times New Roman" panose="02020603050405020304" pitchFamily="18" charset="0"/>
-              <a:cs typeface="Times New Roman" panose="02020603050405020304" pitchFamily="18" charset="0"/>
-            </a:endParaRPr>
-          </a:p>
-          <a:p>
-            <a:pPr marL="180975" lvl="1" indent="0">
-              <a:lnSpc>
-                <a:spcPts val="1400"/>
-              </a:lnSpc>
-              <a:buNone/>
-            </a:pPr>
-            <a:r>
-              <a:rPr lang="en-GB" sz="1600" dirty="0">
-                <a:solidFill>
-                  <a:srgbClr val="000000"/>
-                </a:solidFill>
-                <a:effectLst/>
-                <a:latin typeface="Consolas" panose="020B0609020204030204" pitchFamily="49" charset="0"/>
-                <a:ea typeface="Times New Roman" panose="02020603050405020304" pitchFamily="18" charset="0"/>
-                <a:cs typeface="Times New Roman" panose="02020603050405020304" pitchFamily="18" charset="0"/>
-              </a:rPr>
-              <a:t>solution = solve(</a:t>
-            </a:r>
-            <a:r>
-              <a:rPr lang="en-GB" sz="1600" dirty="0" err="1">
-                <a:solidFill>
-                  <a:srgbClr val="000000"/>
-                </a:solidFill>
-                <a:effectLst/>
-                <a:latin typeface="Consolas" panose="020B0609020204030204" pitchFamily="49" charset="0"/>
-                <a:ea typeface="Times New Roman" panose="02020603050405020304" pitchFamily="18" charset="0"/>
-                <a:cs typeface="Times New Roman" panose="02020603050405020304" pitchFamily="18" charset="0"/>
-              </a:rPr>
-              <a:t>eqn,x</a:t>
-            </a:r>
-            <a:r>
-              <a:rPr lang="en-GB" sz="1600" dirty="0">
-                <a:solidFill>
-                  <a:srgbClr val="000000"/>
-                </a:solidFill>
-                <a:effectLst/>
-                <a:latin typeface="Consolas" panose="020B0609020204030204" pitchFamily="49" charset="0"/>
-                <a:ea typeface="Times New Roman" panose="02020603050405020304" pitchFamily="18" charset="0"/>
-                <a:cs typeface="Times New Roman" panose="02020603050405020304" pitchFamily="18" charset="0"/>
-              </a:rPr>
-              <a:t>);</a:t>
-            </a:r>
-            <a:endParaRPr lang="en-ZA" sz="1600" dirty="0">
-              <a:latin typeface="Consolas" panose="020B0609020204030204" pitchFamily="49" charset="0"/>
-              <a:ea typeface="Times New Roman" panose="02020603050405020304" pitchFamily="18" charset="0"/>
-              <a:cs typeface="Times New Roman" panose="02020603050405020304" pitchFamily="18" charset="0"/>
-            </a:endParaRPr>
-          </a:p>
-          <a:p>
-            <a:pPr marL="180975" lvl="1" indent="0">
-              <a:lnSpc>
-                <a:spcPts val="1400"/>
-              </a:lnSpc>
-              <a:buNone/>
-            </a:pPr>
-            <a:r>
-              <a:rPr lang="en-GB" sz="1600" dirty="0">
-                <a:solidFill>
-                  <a:srgbClr val="008013"/>
-                </a:solidFill>
-                <a:effectLst/>
-                <a:latin typeface="Consolas" panose="020B0609020204030204" pitchFamily="49" charset="0"/>
-                <a:ea typeface="Times New Roman" panose="02020603050405020304" pitchFamily="18" charset="0"/>
-                <a:cs typeface="Times New Roman" panose="02020603050405020304" pitchFamily="18" charset="0"/>
-              </a:rPr>
-              <a:t>% Display symbolic solution returned by solve</a:t>
-            </a:r>
-            <a:endParaRPr lang="en-ZA" sz="1600" dirty="0">
-              <a:solidFill>
-                <a:srgbClr val="008013"/>
-              </a:solidFill>
-              <a:effectLst/>
-              <a:latin typeface="Consolas" panose="020B0609020204030204" pitchFamily="49" charset="0"/>
-              <a:ea typeface="Times New Roman" panose="02020603050405020304" pitchFamily="18" charset="0"/>
-              <a:cs typeface="Times New Roman" panose="02020603050405020304" pitchFamily="18" charset="0"/>
-            </a:endParaRPr>
-          </a:p>
-          <a:p>
-            <a:pPr marL="180975" lvl="1" indent="0">
-              <a:lnSpc>
-                <a:spcPts val="1400"/>
-              </a:lnSpc>
-              <a:spcAft>
-                <a:spcPts val="700"/>
-              </a:spcAft>
-              <a:buNone/>
-            </a:pPr>
-            <a:r>
-              <a:rPr lang="en-GB" sz="1600" dirty="0" err="1">
-                <a:effectLst/>
-                <a:latin typeface="Helvetica" panose="020B0604020202020204" pitchFamily="34" charset="0"/>
-                <a:ea typeface="Times New Roman" panose="02020603050405020304" pitchFamily="18" charset="0"/>
-                <a:cs typeface="Times New Roman" panose="02020603050405020304" pitchFamily="18" charset="0"/>
-              </a:rPr>
-              <a:t>displaySymSolution</a:t>
-            </a:r>
-            <a:r>
-              <a:rPr lang="en-GB" sz="1600" dirty="0">
-                <a:effectLst/>
-                <a:latin typeface="Helvetica" panose="020B0604020202020204" pitchFamily="34" charset="0"/>
-                <a:ea typeface="Times New Roman" panose="02020603050405020304" pitchFamily="18" charset="0"/>
-                <a:cs typeface="Times New Roman" panose="02020603050405020304" pitchFamily="18" charset="0"/>
-              </a:rPr>
-              <a:t>(solution);</a:t>
-            </a:r>
-          </a:p>
-          <a:p>
-            <a:pPr marL="457200" lvl="1" indent="-190500">
-              <a:buNone/>
-            </a:pPr>
-            <a:r>
-              <a:rPr lang="en-GB" sz="1400" dirty="0">
-                <a:solidFill>
-                  <a:srgbClr val="404040"/>
-                </a:solidFill>
-                <a:effectLst/>
-                <a:latin typeface="Consolas" panose="020B0609020204030204" pitchFamily="49" charset="0"/>
-                <a:ea typeface="Times New Roman" panose="02020603050405020304" pitchFamily="18" charset="0"/>
-                <a:cs typeface="Times New Roman" panose="02020603050405020304" pitchFamily="18" charset="0"/>
-              </a:rPr>
-              <a:t>solution =</a:t>
-            </a:r>
-            <a:endParaRPr lang="en-GB" sz="1400" dirty="0">
-              <a:effectLst/>
-              <a:latin typeface="Helvetica" panose="020B0604020202020204" pitchFamily="34" charset="0"/>
-              <a:ea typeface="Times New Roman" panose="02020603050405020304" pitchFamily="18" charset="0"/>
-              <a:cs typeface="Times New Roman" panose="02020603050405020304" pitchFamily="18" charset="0"/>
-            </a:endParaRPr>
-          </a:p>
-        </p:txBody>
-      </p:sp>
+      <mc:AlternateContent xmlns:mc="http://schemas.openxmlformats.org/markup-compatibility/2006">
+        <mc:Choice xmlns:a14="http://schemas.microsoft.com/office/drawing/2010/main" Requires="a14">
+          <p:sp>
+            <p:nvSpPr>
+              <p:cNvPr id="3" name="Content Placeholder 2">
+                <a:extLst>
+                  <a:ext uri="{FF2B5EF4-FFF2-40B4-BE49-F238E27FC236}">
+                    <a16:creationId xmlns:a16="http://schemas.microsoft.com/office/drawing/2014/main" id="{2973925E-A732-6BBA-E3F4-6F3FB54599AA}"/>
+                  </a:ext>
+                </a:extLst>
+              </p:cNvPr>
+              <p:cNvSpPr>
+                <a:spLocks noGrp="1"/>
+              </p:cNvSpPr>
+              <p:nvPr>
+                <p:ph idx="1"/>
+              </p:nvPr>
+            </p:nvSpPr>
+            <p:spPr>
+              <a:xfrm>
+                <a:off x="465023" y="1276983"/>
+                <a:ext cx="8229600" cy="5112000"/>
+              </a:xfrm>
+            </p:spPr>
+            <p:txBody>
+              <a:bodyPr>
+                <a:noAutofit/>
+              </a:bodyPr>
+              <a:lstStyle/>
+              <a:p>
+                <a:pPr marL="0" indent="0">
+                  <a:lnSpc>
+                    <a:spcPct val="107000"/>
+                  </a:lnSpc>
+                  <a:spcBef>
+                    <a:spcPts val="1050"/>
+                  </a:spcBef>
+                  <a:spcAft>
+                    <a:spcPts val="1050"/>
+                  </a:spcAft>
+                  <a:buNone/>
+                </a:pPr>
+                <a:r>
+                  <a:rPr kumimoji="0" lang="en-GB" altLang="en-US" sz="1800" b="0" i="0" u="none" strike="noStrike" cap="none" normalizeH="0" baseline="0" dirty="0">
+                    <a:ln>
+                      <a:noFill/>
+                    </a:ln>
+                    <a:solidFill>
+                      <a:schemeClr val="tx1"/>
+                    </a:solidFill>
+                    <a:effectLst/>
+                    <a:latin typeface="Helvetica" panose="020B0604020202020204" pitchFamily="34" charset="0"/>
+                    <a:ea typeface="Times New Roman" panose="02020603050405020304" pitchFamily="18" charset="0"/>
+                    <a:cs typeface="Times New Roman" panose="02020603050405020304" pitchFamily="18" charset="0"/>
+                  </a:rPr>
+                  <a:t>Let us try out the Solve Symbolic Equation task for the equation </a:t>
+                </a:r>
+                <a14:m>
+                  <m:oMath xmlns:m="http://schemas.openxmlformats.org/officeDocument/2006/math">
+                    <m:sSup>
+                      <m:sSupPr>
+                        <m:ctrlPr>
+                          <a:rPr kumimoji="0" lang="en-GB" altLang="en-US" sz="1800" b="0" i="1" u="none" strike="noStrike" cap="none" normalizeH="0" baseline="0" smtClean="0">
+                            <a:ln>
+                              <a:noFill/>
+                            </a:ln>
+                            <a:solidFill>
+                              <a:schemeClr val="tx1"/>
+                            </a:solidFill>
+                            <a:effectLst/>
+                            <a:latin typeface="Cambria Math" panose="02040503050406030204" pitchFamily="18" charset="0"/>
+                            <a:cs typeface="Times New Roman" panose="02020603050405020304" pitchFamily="18" charset="0"/>
+                          </a:rPr>
+                        </m:ctrlPr>
+                      </m:sSupPr>
+                      <m:e>
+                        <m:r>
+                          <a:rPr kumimoji="0" lang="en-US" altLang="en-US" sz="1800" b="0" i="1" u="none" strike="noStrike" cap="none" normalizeH="0" baseline="0" smtClean="0">
+                            <a:ln>
+                              <a:noFill/>
+                            </a:ln>
+                            <a:solidFill>
+                              <a:schemeClr val="tx1"/>
+                            </a:solidFill>
+                            <a:effectLst/>
+                            <a:latin typeface="Cambria Math" panose="02040503050406030204" pitchFamily="18" charset="0"/>
+                            <a:cs typeface="Times New Roman" panose="02020603050405020304" pitchFamily="18" charset="0"/>
+                          </a:rPr>
+                          <m:t>3</m:t>
+                        </m:r>
+                        <m:r>
+                          <a:rPr kumimoji="0" lang="en-US" altLang="en-US" sz="1800" b="0" i="1" u="none" strike="noStrike" cap="none" normalizeH="0" baseline="0" smtClean="0">
+                            <a:ln>
+                              <a:noFill/>
+                            </a:ln>
+                            <a:solidFill>
+                              <a:schemeClr val="tx1"/>
+                            </a:solidFill>
+                            <a:effectLst/>
+                            <a:latin typeface="Cambria Math" panose="02040503050406030204" pitchFamily="18" charset="0"/>
+                            <a:cs typeface="Times New Roman" panose="02020603050405020304" pitchFamily="18" charset="0"/>
+                          </a:rPr>
+                          <m:t>𝑥</m:t>
+                        </m:r>
+                      </m:e>
+                      <m:sup>
+                        <m:r>
+                          <a:rPr kumimoji="0" lang="en-US" altLang="en-US" sz="1800" b="0" i="1" u="none" strike="noStrike" cap="none" normalizeH="0" baseline="0" smtClean="0">
+                            <a:ln>
+                              <a:noFill/>
+                            </a:ln>
+                            <a:solidFill>
+                              <a:schemeClr val="tx1"/>
+                            </a:solidFill>
+                            <a:effectLst/>
+                            <a:latin typeface="Cambria Math" panose="02040503050406030204" pitchFamily="18" charset="0"/>
+                            <a:cs typeface="Times New Roman" panose="02020603050405020304" pitchFamily="18" charset="0"/>
+                          </a:rPr>
+                          <m:t>2</m:t>
+                        </m:r>
+                      </m:sup>
+                    </m:sSup>
+                    <m:r>
+                      <a:rPr kumimoji="0" lang="en-US" altLang="en-US" sz="1800" b="0" i="1" u="none" strike="noStrike" cap="none" normalizeH="0" baseline="0" smtClean="0">
+                        <a:ln>
+                          <a:noFill/>
+                        </a:ln>
+                        <a:solidFill>
+                          <a:schemeClr val="tx1"/>
+                        </a:solidFill>
+                        <a:effectLst/>
+                        <a:latin typeface="Cambria Math" panose="02040503050406030204" pitchFamily="18" charset="0"/>
+                        <a:cs typeface="Times New Roman" panose="02020603050405020304" pitchFamily="18" charset="0"/>
+                      </a:rPr>
+                      <m:t>=27,</m:t>
+                    </m:r>
+                  </m:oMath>
+                </a14:m>
+                <a:r>
+                  <a:rPr kumimoji="0" lang="en-GB" altLang="en-US" sz="1800" b="0" i="0" u="none" strike="noStrike" cap="none" normalizeH="0" baseline="0" dirty="0">
+                    <a:ln>
+                      <a:noFill/>
+                    </a:ln>
+                    <a:solidFill>
+                      <a:schemeClr val="tx1"/>
+                    </a:solidFill>
+                    <a:effectLst/>
+                    <a:latin typeface="Helvetica" panose="020B0604020202020204" pitchFamily="34" charset="0"/>
+                    <a:ea typeface="Times New Roman" panose="02020603050405020304" pitchFamily="18" charset="0"/>
+                    <a:cs typeface="Times New Roman" panose="02020603050405020304" pitchFamily="18" charset="0"/>
+                  </a:rPr>
+                  <a:t>          solving for the variable </a:t>
+                </a:r>
+                <a:r>
+                  <a:rPr kumimoji="0" lang="en-GB" altLang="en-US" sz="1800" b="0" i="0" u="none" strike="noStrike" cap="none" normalizeH="0" baseline="0" dirty="0">
+                    <a:ln>
+                      <a:noFill/>
+                    </a:ln>
+                    <a:solidFill>
+                      <a:schemeClr val="tx1"/>
+                    </a:solidFill>
+                    <a:effectLst/>
+                    <a:latin typeface="Consolas" panose="020B0609020204030204" pitchFamily="49" charset="0"/>
+                    <a:ea typeface="Times New Roman" panose="02020603050405020304" pitchFamily="18" charset="0"/>
+                    <a:cs typeface="Times New Roman" panose="02020603050405020304" pitchFamily="18" charset="0"/>
+                  </a:rPr>
+                  <a:t>x</a:t>
+                </a:r>
+                <a:r>
+                  <a:rPr kumimoji="0" lang="en-GB" altLang="en-US" sz="1800" b="0" i="0" u="none" strike="noStrike" cap="none" normalizeH="0" baseline="0" dirty="0">
+                    <a:ln>
+                      <a:noFill/>
+                    </a:ln>
+                    <a:solidFill>
+                      <a:schemeClr val="tx1"/>
+                    </a:solidFill>
+                    <a:effectLst/>
+                    <a:latin typeface="Helvetica" panose="020B0604020202020204" pitchFamily="34" charset="0"/>
+                    <a:ea typeface="Times New Roman" panose="02020603050405020304" pitchFamily="18" charset="0"/>
+                    <a:cs typeface="Times New Roman" panose="02020603050405020304" pitchFamily="18" charset="0"/>
+                  </a:rPr>
+                  <a:t>.</a:t>
+                </a:r>
+                <a:r>
+                  <a:rPr kumimoji="0" lang="en-ZA" altLang="en-US" sz="1800" b="0" i="0" u="none" strike="noStrike" cap="none" normalizeH="0" baseline="0" dirty="0">
+                    <a:ln>
+                      <a:noFill/>
+                    </a:ln>
+                    <a:solidFill>
+                      <a:schemeClr val="tx1"/>
+                    </a:solidFill>
+                    <a:effectLst/>
+                  </a:rPr>
+                  <a:t> </a:t>
+                </a:r>
+                <a:endParaRPr kumimoji="0" lang="en-GB" altLang="en-US" sz="1800" b="0" i="0" u="none" strike="noStrike" cap="none" normalizeH="0" baseline="0" dirty="0">
+                  <a:ln>
+                    <a:noFill/>
+                  </a:ln>
+                  <a:solidFill>
+                    <a:schemeClr val="tx1"/>
+                  </a:solidFill>
+                  <a:effectLst/>
+                  <a:latin typeface="Arial" panose="020B0604020202020204" pitchFamily="34" charset="0"/>
+                </a:endParaRPr>
+              </a:p>
+              <a:p>
+                <a:pPr marL="180975" lvl="1" indent="0">
+                  <a:lnSpc>
+                    <a:spcPts val="1400"/>
+                  </a:lnSpc>
+                  <a:spcBef>
+                    <a:spcPts val="700"/>
+                  </a:spcBef>
+                  <a:buNone/>
+                </a:pPr>
+                <a:r>
+                  <a:rPr lang="en-GB" sz="1600" dirty="0" err="1">
+                    <a:solidFill>
+                      <a:srgbClr val="000000"/>
+                    </a:solidFill>
+                    <a:effectLst/>
+                    <a:latin typeface="Consolas" panose="020B0609020204030204" pitchFamily="49" charset="0"/>
+                    <a:ea typeface="Times New Roman" panose="02020603050405020304" pitchFamily="18" charset="0"/>
+                    <a:cs typeface="Times New Roman" panose="02020603050405020304" pitchFamily="18" charset="0"/>
+                  </a:rPr>
+                  <a:t>syms</a:t>
+                </a:r>
+                <a:r>
+                  <a:rPr lang="en-GB" sz="1600" dirty="0">
+                    <a:solidFill>
+                      <a:srgbClr val="000000"/>
+                    </a:solidFill>
+                    <a:effectLst/>
+                    <a:latin typeface="Consolas" panose="020B0609020204030204" pitchFamily="49" charset="0"/>
+                    <a:ea typeface="Times New Roman" panose="02020603050405020304" pitchFamily="18" charset="0"/>
+                    <a:cs typeface="Times New Roman" panose="02020603050405020304" pitchFamily="18" charset="0"/>
+                  </a:rPr>
+                  <a:t> </a:t>
+                </a:r>
+                <a:r>
+                  <a:rPr lang="en-GB" sz="1600" dirty="0">
+                    <a:solidFill>
+                      <a:srgbClr val="A709F5"/>
+                    </a:solidFill>
+                    <a:effectLst/>
+                    <a:latin typeface="Consolas" panose="020B0609020204030204" pitchFamily="49" charset="0"/>
+                    <a:ea typeface="Times New Roman" panose="02020603050405020304" pitchFamily="18" charset="0"/>
+                    <a:cs typeface="Times New Roman" panose="02020603050405020304" pitchFamily="18" charset="0"/>
+                  </a:rPr>
+                  <a:t>x</a:t>
+                </a:r>
+                <a:endParaRPr lang="en-ZA" sz="1600" dirty="0">
+                  <a:effectLst/>
+                  <a:latin typeface="Consolas" panose="020B0609020204030204" pitchFamily="49" charset="0"/>
+                  <a:ea typeface="Times New Roman" panose="02020603050405020304" pitchFamily="18" charset="0"/>
+                  <a:cs typeface="Times New Roman" panose="02020603050405020304" pitchFamily="18" charset="0"/>
+                </a:endParaRPr>
+              </a:p>
+              <a:p>
+                <a:pPr marL="180975" lvl="1" indent="0">
+                  <a:lnSpc>
+                    <a:spcPts val="1400"/>
+                  </a:lnSpc>
+                  <a:buNone/>
+                </a:pPr>
+                <a:r>
+                  <a:rPr lang="en-GB" sz="1600" dirty="0" err="1">
+                    <a:solidFill>
+                      <a:srgbClr val="000000"/>
+                    </a:solidFill>
+                    <a:effectLst/>
+                    <a:latin typeface="Consolas" panose="020B0609020204030204" pitchFamily="49" charset="0"/>
+                    <a:ea typeface="Times New Roman" panose="02020603050405020304" pitchFamily="18" charset="0"/>
+                    <a:cs typeface="Times New Roman" panose="02020603050405020304" pitchFamily="18" charset="0"/>
+                  </a:rPr>
+                  <a:t>eqn</a:t>
+                </a:r>
+                <a:r>
+                  <a:rPr lang="en-GB" sz="1600" dirty="0">
+                    <a:solidFill>
+                      <a:srgbClr val="000000"/>
+                    </a:solidFill>
+                    <a:effectLst/>
+                    <a:latin typeface="Consolas" panose="020B0609020204030204" pitchFamily="49" charset="0"/>
+                    <a:ea typeface="Times New Roman" panose="02020603050405020304" pitchFamily="18" charset="0"/>
+                    <a:cs typeface="Times New Roman" panose="02020603050405020304" pitchFamily="18" charset="0"/>
+                  </a:rPr>
+                  <a:t> = 3*x^2 == 27;</a:t>
+                </a:r>
+                <a:endParaRPr lang="en-ZA" sz="1600" dirty="0">
+                  <a:effectLst/>
+                  <a:latin typeface="Consolas" panose="020B0609020204030204" pitchFamily="49" charset="0"/>
+                  <a:ea typeface="Times New Roman" panose="02020603050405020304" pitchFamily="18" charset="0"/>
+                  <a:cs typeface="Times New Roman" panose="02020603050405020304" pitchFamily="18" charset="0"/>
+                </a:endParaRPr>
+              </a:p>
+              <a:p>
+                <a:pPr marL="180975" lvl="1" indent="0">
+                  <a:lnSpc>
+                    <a:spcPts val="1400"/>
+                  </a:lnSpc>
+                  <a:buNone/>
+                </a:pPr>
+                <a:r>
+                  <a:rPr lang="en-GB" sz="1600" dirty="0">
+                    <a:solidFill>
+                      <a:srgbClr val="008013"/>
+                    </a:solidFill>
+                    <a:effectLst/>
+                    <a:latin typeface="Consolas" panose="020B0609020204030204" pitchFamily="49" charset="0"/>
+                    <a:ea typeface="Times New Roman" panose="02020603050405020304" pitchFamily="18" charset="0"/>
+                    <a:cs typeface="Times New Roman" panose="02020603050405020304" pitchFamily="18" charset="0"/>
+                  </a:rPr>
+                  <a:t>% Compute analytic solution of a symbolic equation</a:t>
+                </a:r>
+                <a:endParaRPr lang="en-ZA" sz="1600" dirty="0">
+                  <a:effectLst/>
+                  <a:latin typeface="Consolas" panose="020B0609020204030204" pitchFamily="49" charset="0"/>
+                  <a:ea typeface="Times New Roman" panose="02020603050405020304" pitchFamily="18" charset="0"/>
+                  <a:cs typeface="Times New Roman" panose="02020603050405020304" pitchFamily="18" charset="0"/>
+                </a:endParaRPr>
+              </a:p>
+              <a:p>
+                <a:pPr marL="180975" lvl="1" indent="0">
+                  <a:lnSpc>
+                    <a:spcPts val="1400"/>
+                  </a:lnSpc>
+                  <a:buNone/>
+                </a:pPr>
+                <a:r>
+                  <a:rPr lang="en-GB" sz="1600" dirty="0">
+                    <a:solidFill>
+                      <a:srgbClr val="000000"/>
+                    </a:solidFill>
+                    <a:effectLst/>
+                    <a:latin typeface="Consolas" panose="020B0609020204030204" pitchFamily="49" charset="0"/>
+                    <a:ea typeface="Times New Roman" panose="02020603050405020304" pitchFamily="18" charset="0"/>
+                    <a:cs typeface="Times New Roman" panose="02020603050405020304" pitchFamily="18" charset="0"/>
+                  </a:rPr>
+                  <a:t>solution = solve(</a:t>
+                </a:r>
+                <a:r>
+                  <a:rPr lang="en-GB" sz="1600" dirty="0" err="1">
+                    <a:solidFill>
+                      <a:srgbClr val="000000"/>
+                    </a:solidFill>
+                    <a:effectLst/>
+                    <a:latin typeface="Consolas" panose="020B0609020204030204" pitchFamily="49" charset="0"/>
+                    <a:ea typeface="Times New Roman" panose="02020603050405020304" pitchFamily="18" charset="0"/>
+                    <a:cs typeface="Times New Roman" panose="02020603050405020304" pitchFamily="18" charset="0"/>
+                  </a:rPr>
+                  <a:t>eqn,x</a:t>
+                </a:r>
+                <a:r>
+                  <a:rPr lang="en-GB" sz="1600" dirty="0">
+                    <a:solidFill>
+                      <a:srgbClr val="000000"/>
+                    </a:solidFill>
+                    <a:effectLst/>
+                    <a:latin typeface="Consolas" panose="020B0609020204030204" pitchFamily="49" charset="0"/>
+                    <a:ea typeface="Times New Roman" panose="02020603050405020304" pitchFamily="18" charset="0"/>
+                    <a:cs typeface="Times New Roman" panose="02020603050405020304" pitchFamily="18" charset="0"/>
+                  </a:rPr>
+                  <a:t>);</a:t>
+                </a:r>
+                <a:endParaRPr lang="en-ZA" sz="1600" dirty="0">
+                  <a:latin typeface="Consolas" panose="020B0609020204030204" pitchFamily="49" charset="0"/>
+                  <a:ea typeface="Times New Roman" panose="02020603050405020304" pitchFamily="18" charset="0"/>
+                  <a:cs typeface="Times New Roman" panose="02020603050405020304" pitchFamily="18" charset="0"/>
+                </a:endParaRPr>
+              </a:p>
+              <a:p>
+                <a:pPr marL="180975" lvl="1" indent="0">
+                  <a:lnSpc>
+                    <a:spcPts val="1400"/>
+                  </a:lnSpc>
+                  <a:buNone/>
+                </a:pPr>
+                <a:r>
+                  <a:rPr lang="en-GB" sz="1600" dirty="0">
+                    <a:solidFill>
+                      <a:srgbClr val="008013"/>
+                    </a:solidFill>
+                    <a:effectLst/>
+                    <a:latin typeface="Consolas" panose="020B0609020204030204" pitchFamily="49" charset="0"/>
+                    <a:ea typeface="Times New Roman" panose="02020603050405020304" pitchFamily="18" charset="0"/>
+                    <a:cs typeface="Times New Roman" panose="02020603050405020304" pitchFamily="18" charset="0"/>
+                  </a:rPr>
+                  <a:t>% Display symbolic solution returned by solve</a:t>
+                </a:r>
+                <a:endParaRPr lang="en-ZA" sz="1600" dirty="0">
+                  <a:solidFill>
+                    <a:srgbClr val="008013"/>
+                  </a:solidFill>
+                  <a:effectLst/>
+                  <a:latin typeface="Consolas" panose="020B0609020204030204" pitchFamily="49" charset="0"/>
+                  <a:ea typeface="Times New Roman" panose="02020603050405020304" pitchFamily="18" charset="0"/>
+                  <a:cs typeface="Times New Roman" panose="02020603050405020304" pitchFamily="18" charset="0"/>
+                </a:endParaRPr>
+              </a:p>
+              <a:p>
+                <a:pPr marL="180975" lvl="1" indent="0">
+                  <a:lnSpc>
+                    <a:spcPts val="1400"/>
+                  </a:lnSpc>
+                  <a:spcAft>
+                    <a:spcPts val="700"/>
+                  </a:spcAft>
+                  <a:buNone/>
+                </a:pPr>
+                <a:r>
+                  <a:rPr lang="en-GB" sz="1600" dirty="0" err="1">
+                    <a:effectLst/>
+                    <a:latin typeface="Helvetica" panose="020B0604020202020204" pitchFamily="34" charset="0"/>
+                    <a:ea typeface="Times New Roman" panose="02020603050405020304" pitchFamily="18" charset="0"/>
+                    <a:cs typeface="Times New Roman" panose="02020603050405020304" pitchFamily="18" charset="0"/>
+                  </a:rPr>
+                  <a:t>displaySymSolution</a:t>
+                </a:r>
+                <a:r>
+                  <a:rPr lang="en-GB" sz="1600" dirty="0">
+                    <a:effectLst/>
+                    <a:latin typeface="Helvetica" panose="020B0604020202020204" pitchFamily="34" charset="0"/>
+                    <a:ea typeface="Times New Roman" panose="02020603050405020304" pitchFamily="18" charset="0"/>
+                    <a:cs typeface="Times New Roman" panose="02020603050405020304" pitchFamily="18" charset="0"/>
+                  </a:rPr>
+                  <a:t>(solution);</a:t>
+                </a:r>
+              </a:p>
+              <a:p>
+                <a:pPr marL="457200" lvl="1" indent="-190500">
+                  <a:buNone/>
+                </a:pPr>
+                <a:r>
+                  <a:rPr lang="en-GB" sz="1600" dirty="0">
+                    <a:solidFill>
+                      <a:srgbClr val="404040"/>
+                    </a:solidFill>
+                    <a:effectLst/>
+                    <a:latin typeface="Consolas" panose="020B0609020204030204" pitchFamily="49" charset="0"/>
+                    <a:ea typeface="Times New Roman" panose="02020603050405020304" pitchFamily="18" charset="0"/>
+                    <a:cs typeface="Times New Roman" panose="02020603050405020304" pitchFamily="18" charset="0"/>
+                  </a:rPr>
+                  <a:t>solution = </a:t>
+                </a:r>
+                <a14:m>
+                  <m:oMath xmlns:m="http://schemas.openxmlformats.org/officeDocument/2006/math">
+                    <m:d>
+                      <m:dPr>
+                        <m:ctrlPr>
+                          <a:rPr lang="en-GB" sz="1600" i="1" smtClean="0">
+                            <a:solidFill>
+                              <a:srgbClr val="404040"/>
+                            </a:solidFill>
+                            <a:effectLst/>
+                            <a:latin typeface="Cambria Math" panose="02040503050406030204" pitchFamily="18" charset="0"/>
+                            <a:cs typeface="Times New Roman" panose="02020603050405020304" pitchFamily="18" charset="0"/>
+                          </a:rPr>
+                        </m:ctrlPr>
+                      </m:dPr>
+                      <m:e>
+                        <m:m>
+                          <m:mPr>
+                            <m:mcs>
+                              <m:mc>
+                                <m:mcPr>
+                                  <m:count m:val="1"/>
+                                  <m:mcJc m:val="center"/>
+                                </m:mcPr>
+                              </m:mc>
+                            </m:mcs>
+                            <m:ctrlPr>
+                              <a:rPr lang="en-GB" sz="1600" i="1" smtClean="0">
+                                <a:solidFill>
+                                  <a:srgbClr val="404040"/>
+                                </a:solidFill>
+                                <a:effectLst/>
+                                <a:latin typeface="Cambria Math" panose="02040503050406030204" pitchFamily="18" charset="0"/>
+                                <a:cs typeface="Times New Roman" panose="02020603050405020304" pitchFamily="18" charset="0"/>
+                              </a:rPr>
+                            </m:ctrlPr>
+                          </m:mPr>
+                          <m:mr>
+                            <m:e>
+                              <m:r>
+                                <m:rPr>
+                                  <m:brk m:alnAt="7"/>
+                                </m:rPr>
+                                <a:rPr lang="en-US" sz="1600" b="0" i="1" smtClean="0">
+                                  <a:solidFill>
+                                    <a:srgbClr val="404040"/>
+                                  </a:solidFill>
+                                  <a:effectLst/>
+                                  <a:latin typeface="Cambria Math" panose="02040503050406030204" pitchFamily="18" charset="0"/>
+                                  <a:cs typeface="Times New Roman" panose="02020603050405020304" pitchFamily="18" charset="0"/>
+                                </a:rPr>
+                                <m:t>−</m:t>
+                              </m:r>
+                              <m:r>
+                                <a:rPr lang="en-US" sz="1600" b="0" i="1" smtClean="0">
+                                  <a:solidFill>
+                                    <a:srgbClr val="404040"/>
+                                  </a:solidFill>
+                                  <a:effectLst/>
+                                  <a:latin typeface="Cambria Math" panose="02040503050406030204" pitchFamily="18" charset="0"/>
+                                  <a:cs typeface="Times New Roman" panose="02020603050405020304" pitchFamily="18" charset="0"/>
+                                </a:rPr>
+                                <m:t>3</m:t>
+                              </m:r>
+                            </m:e>
+                          </m:mr>
+                          <m:mr>
+                            <m:e>
+                              <m:r>
+                                <a:rPr lang="en-US" sz="1600" b="0" i="1" smtClean="0">
+                                  <a:solidFill>
+                                    <a:srgbClr val="404040"/>
+                                  </a:solidFill>
+                                  <a:effectLst/>
+                                  <a:latin typeface="Cambria Math" panose="02040503050406030204" pitchFamily="18" charset="0"/>
+                                  <a:cs typeface="Times New Roman" panose="02020603050405020304" pitchFamily="18" charset="0"/>
+                                </a:rPr>
+                                <m:t>3</m:t>
+                              </m:r>
+                            </m:e>
+                          </m:mr>
+                        </m:m>
+                      </m:e>
+                    </m:d>
+                  </m:oMath>
+                </a14:m>
+                <a:endParaRPr lang="en-GB" sz="1600" dirty="0">
+                  <a:effectLst/>
+                  <a:latin typeface="Helvetica" panose="020B0604020202020204" pitchFamily="34" charset="0"/>
+                  <a:ea typeface="Times New Roman" panose="02020603050405020304" pitchFamily="18" charset="0"/>
+                  <a:cs typeface="Times New Roman" panose="02020603050405020304" pitchFamily="18" charset="0"/>
+                </a:endParaRPr>
+              </a:p>
+            </p:txBody>
+          </p:sp>
+        </mc:Choice>
+        <mc:Fallback>
+          <p:sp>
+            <p:nvSpPr>
+              <p:cNvPr id="3" name="Content Placeholder 2">
+                <a:extLst>
+                  <a:ext uri="{FF2B5EF4-FFF2-40B4-BE49-F238E27FC236}">
+                    <a16:creationId xmlns:a16="http://schemas.microsoft.com/office/drawing/2014/main" id="{2973925E-A732-6BBA-E3F4-6F3FB54599AA}"/>
+                  </a:ext>
+                </a:extLst>
+              </p:cNvPr>
+              <p:cNvSpPr>
+                <a:spLocks noGrp="1" noRot="1" noChangeAspect="1" noMove="1" noResize="1" noEditPoints="1" noAdjustHandles="1" noChangeArrowheads="1" noChangeShapeType="1" noTextEdit="1"/>
+              </p:cNvSpPr>
+              <p:nvPr>
+                <p:ph idx="1"/>
+              </p:nvPr>
+            </p:nvSpPr>
+            <p:spPr>
+              <a:xfrm>
+                <a:off x="465023" y="1276983"/>
+                <a:ext cx="8229600" cy="5112000"/>
+              </a:xfrm>
+              <a:blipFill>
+                <a:blip r:embed="rId2"/>
+                <a:stretch>
+                  <a:fillRect l="-593" t="-596"/>
+                </a:stretch>
+              </a:blipFill>
+            </p:spPr>
+            <p:txBody>
+              <a:bodyPr/>
+              <a:lstStyle/>
+              <a:p>
+                <a:r>
+                  <a:rPr lang="en-ZA">
+                    <a:noFill/>
+                  </a:rPr>
+                  <a:t> </a:t>
+                </a:r>
+              </a:p>
+            </p:txBody>
+          </p:sp>
+        </mc:Fallback>
+      </mc:AlternateContent>
       <p:sp>
         <p:nvSpPr>
           <p:cNvPr id="4" name="Date Placeholder 3">
@@ -4563,57 +4792,11 @@
       </p:sp>
       <p:pic>
         <p:nvPicPr>
-          <p:cNvPr id="20" name="Untitled">
-            <a:extLst>
-              <a:ext uri="{FF2B5EF4-FFF2-40B4-BE49-F238E27FC236}">
-                <a16:creationId xmlns:a16="http://schemas.microsoft.com/office/drawing/2014/main" id="{2EB14F97-F91F-AD3F-D851-9926EADED48F}"/>
-              </a:ext>
-            </a:extLst>
-          </p:cNvPr>
-          <p:cNvPicPr>
-            <a:picLocks noChangeAspect="1" noChangeArrowheads="1"/>
-          </p:cNvPicPr>
-          <p:nvPr/>
-        </p:nvPicPr>
-        <p:blipFill>
-          <a:blip r:embed="rId2">
-            <a:extLst>
-              <a:ext uri="{28A0092B-C50C-407E-A947-70E740481C1C}">
-                <a14:useLocalDpi xmlns:a14="http://schemas.microsoft.com/office/drawing/2010/main" val="0"/>
-              </a:ext>
-            </a:extLst>
-          </a:blip>
-          <a:srcRect/>
-          <a:stretch>
-            <a:fillRect/>
-          </a:stretch>
-        </p:blipFill>
-        <p:spPr bwMode="auto">
-          <a:xfrm>
-            <a:off x="7070184" y="1307826"/>
-            <a:ext cx="848547" cy="282849"/>
-          </a:xfrm>
-          <a:prstGeom prst="rect">
-            <a:avLst/>
-          </a:prstGeom>
-          <a:noFill/>
-          <a:extLst>
-            <a:ext uri="{909E8E84-426E-40DD-AFC4-6F175D3DCCD1}">
-              <a14:hiddenFill xmlns:a14="http://schemas.microsoft.com/office/drawing/2010/main">
-                <a:solidFill>
-                  <a:srgbClr val="FFFFFF"/>
-                </a:solidFill>
-              </a14:hiddenFill>
-            </a:ext>
-          </a:extLst>
-        </p:spPr>
-      </p:pic>
-      <p:pic>
-        <p:nvPicPr>
-          <p:cNvPr id="21" name="Picture 20">
-            <a:extLst>
-              <a:ext uri="{FF2B5EF4-FFF2-40B4-BE49-F238E27FC236}">
-                <a16:creationId xmlns:a16="http://schemas.microsoft.com/office/drawing/2014/main" id="{311EC1CE-F489-4FF7-3490-E132505CA257}"/>
+          <p:cNvPr id="7" name="Graphic 6" descr="Chevron arrows with solid fill">
+            <a:hlinkClick r:id="rId3" action="ppaction://hlinksldjump"/>
+            <a:extLst>
+              <a:ext uri="{FF2B5EF4-FFF2-40B4-BE49-F238E27FC236}">
+                <a16:creationId xmlns:a16="http://schemas.microsoft.com/office/drawing/2014/main" id="{B6C76453-01ED-5C03-05F2-E8ACE60E8E36}"/>
               </a:ext>
             </a:extLst>
           </p:cNvPr>
@@ -4623,55 +4806,13 @@
           <p:nvPr/>
         </p:nvPicPr>
         <p:blipFill>
-          <a:blip r:embed="rId3" cstate="print">
+          <a:blip r:embed="rId4">
             <a:extLst>
               <a:ext uri="{28A0092B-C50C-407E-A947-70E740481C1C}">
                 <a14:useLocalDpi xmlns:a14="http://schemas.microsoft.com/office/drawing/2010/main" val="0"/>
               </a:ext>
-            </a:extLst>
-          </a:blip>
-          <a:srcRect/>
-          <a:stretch>
-            <a:fillRect/>
-          </a:stretch>
-        </p:blipFill>
-        <p:spPr bwMode="auto">
-          <a:xfrm>
-            <a:off x="871586" y="3909183"/>
-            <a:ext cx="516923" cy="504000"/>
-          </a:xfrm>
-          <a:prstGeom prst="rect">
-            <a:avLst/>
-          </a:prstGeom>
-          <a:noFill/>
-          <a:ln>
-            <a:noFill/>
-          </a:ln>
-        </p:spPr>
-      </p:pic>
-      <p:pic>
-        <p:nvPicPr>
-          <p:cNvPr id="7" name="Graphic 6" descr="Chevron arrows with solid fill">
-            <a:hlinkClick r:id="rId4" action="ppaction://hlinksldjump"/>
-            <a:extLst>
-              <a:ext uri="{FF2B5EF4-FFF2-40B4-BE49-F238E27FC236}">
-                <a16:creationId xmlns:a16="http://schemas.microsoft.com/office/drawing/2014/main" id="{B6C76453-01ED-5C03-05F2-E8ACE60E8E36}"/>
-              </a:ext>
-            </a:extLst>
-          </p:cNvPr>
-          <p:cNvPicPr>
-            <a:picLocks noChangeAspect="1"/>
-          </p:cNvPicPr>
-          <p:nvPr/>
-        </p:nvPicPr>
-        <p:blipFill>
-          <a:blip r:embed="rId5">
-            <a:extLst>
-              <a:ext uri="{28A0092B-C50C-407E-A947-70E740481C1C}">
-                <a14:useLocalDpi xmlns:a14="http://schemas.microsoft.com/office/drawing/2010/main" val="0"/>
-              </a:ext>
               <a:ext uri="{96DAC541-7B7A-43D3-8B79-37D633B846F1}">
-                <asvg:svgBlip xmlns:asvg="http://schemas.microsoft.com/office/drawing/2016/SVG/main" r:embed="rId6"/>
+                <asvg:svgBlip xmlns:asvg="http://schemas.microsoft.com/office/drawing/2016/SVG/main" r:embed="rId5"/>
               </a:ext>
             </a:extLst>
           </a:blip>
@@ -4773,210 +4914,343 @@
           </a:p>
         </p:txBody>
       </p:sp>
-      <p:sp>
-        <p:nvSpPr>
-          <p:cNvPr id="3" name="Content Placeholder 2">
-            <a:extLst>
-              <a:ext uri="{FF2B5EF4-FFF2-40B4-BE49-F238E27FC236}">
-                <a16:creationId xmlns:a16="http://schemas.microsoft.com/office/drawing/2014/main" id="{2973925E-A732-6BBA-E3F4-6F3FB54599AA}"/>
-              </a:ext>
-            </a:extLst>
-          </p:cNvPr>
-          <p:cNvSpPr>
-            <a:spLocks noGrp="1"/>
-          </p:cNvSpPr>
-          <p:nvPr>
-            <p:ph idx="1"/>
-          </p:nvPr>
-        </p:nvSpPr>
-        <p:spPr>
-          <a:xfrm>
-            <a:off x="465023" y="1276983"/>
-            <a:ext cx="8229600" cy="5112000"/>
-          </a:xfrm>
-        </p:spPr>
-        <p:txBody>
-          <a:bodyPr>
-            <a:noAutofit/>
-          </a:bodyPr>
-          <a:lstStyle/>
-          <a:p>
-            <a:pPr marL="0" indent="0" algn="just">
-              <a:lnSpc>
-                <a:spcPct val="107000"/>
-              </a:lnSpc>
-              <a:spcBef>
-                <a:spcPts val="1050"/>
-              </a:spcBef>
-              <a:spcAft>
-                <a:spcPts val="1050"/>
-              </a:spcAft>
-              <a:buNone/>
-            </a:pPr>
-            <a:r>
-              <a:rPr lang="en-GB" sz="1800" dirty="0">
-                <a:effectLst/>
-                <a:latin typeface="Helvetica" panose="020B0604020202020204" pitchFamily="34" charset="0"/>
-                <a:ea typeface="Times New Roman" panose="02020603050405020304" pitchFamily="18" charset="0"/>
-                <a:cs typeface="Times New Roman" panose="02020603050405020304" pitchFamily="18" charset="0"/>
-              </a:rPr>
-              <a:t>Note: You can always check what code was executed by clicking on the dropdown arrow in the middle of the task interface, above the provided solution. i.e. this task executed the following commands to achieve the output we were supplied. </a:t>
-            </a:r>
-            <a:endParaRPr lang="en-ZA" sz="1800" dirty="0">
-              <a:effectLst/>
-              <a:latin typeface="Helvetica" panose="020B0604020202020204" pitchFamily="34" charset="0"/>
-              <a:ea typeface="Times New Roman" panose="02020603050405020304" pitchFamily="18" charset="0"/>
-              <a:cs typeface="Times New Roman" panose="02020603050405020304" pitchFamily="18" charset="0"/>
-            </a:endParaRPr>
-          </a:p>
-          <a:p>
-            <a:pPr marL="492125" lvl="1" indent="-311150" algn="just">
-              <a:lnSpc>
-                <a:spcPts val="1400"/>
-              </a:lnSpc>
-              <a:spcBef>
-                <a:spcPts val="700"/>
-              </a:spcBef>
-              <a:buNone/>
-            </a:pPr>
-            <a:r>
-              <a:rPr lang="en-GB" sz="1800" dirty="0">
-                <a:solidFill>
-                  <a:srgbClr val="000000"/>
-                </a:solidFill>
-                <a:effectLst/>
-                <a:latin typeface="Consolas" panose="020B0609020204030204" pitchFamily="49" charset="0"/>
-                <a:ea typeface="Times New Roman" panose="02020603050405020304" pitchFamily="18" charset="0"/>
-                <a:cs typeface="Times New Roman" panose="02020603050405020304" pitchFamily="18" charset="0"/>
-              </a:rPr>
-              <a:t>solution = solve(</a:t>
-            </a:r>
-            <a:r>
-              <a:rPr lang="en-GB" sz="1800" dirty="0" err="1">
-                <a:solidFill>
-                  <a:srgbClr val="000000"/>
-                </a:solidFill>
-                <a:effectLst/>
-                <a:latin typeface="Consolas" panose="020B0609020204030204" pitchFamily="49" charset="0"/>
-                <a:ea typeface="Times New Roman" panose="02020603050405020304" pitchFamily="18" charset="0"/>
-                <a:cs typeface="Times New Roman" panose="02020603050405020304" pitchFamily="18" charset="0"/>
-              </a:rPr>
-              <a:t>eqn,x</a:t>
-            </a:r>
-            <a:r>
-              <a:rPr lang="en-GB" sz="1800" dirty="0">
-                <a:solidFill>
-                  <a:srgbClr val="000000"/>
-                </a:solidFill>
-                <a:effectLst/>
-                <a:latin typeface="Consolas" panose="020B0609020204030204" pitchFamily="49" charset="0"/>
-                <a:ea typeface="Times New Roman" panose="02020603050405020304" pitchFamily="18" charset="0"/>
-                <a:cs typeface="Times New Roman" panose="02020603050405020304" pitchFamily="18" charset="0"/>
-              </a:rPr>
-              <a:t>);</a:t>
-            </a:r>
-            <a:endParaRPr lang="en-ZA" sz="1800" dirty="0">
-              <a:effectLst/>
-              <a:latin typeface="Consolas" panose="020B0609020204030204" pitchFamily="49" charset="0"/>
-              <a:ea typeface="Times New Roman" panose="02020603050405020304" pitchFamily="18" charset="0"/>
-              <a:cs typeface="Times New Roman" panose="02020603050405020304" pitchFamily="18" charset="0"/>
-            </a:endParaRPr>
-          </a:p>
-          <a:p>
-            <a:pPr marL="492125" lvl="1" indent="-311150" algn="just">
-              <a:lnSpc>
-                <a:spcPts val="1400"/>
-              </a:lnSpc>
-              <a:buNone/>
-            </a:pPr>
-            <a:r>
-              <a:rPr lang="en-GB" sz="1800" dirty="0">
-                <a:solidFill>
-                  <a:srgbClr val="008013"/>
-                </a:solidFill>
-                <a:effectLst/>
-                <a:latin typeface="Consolas" panose="020B0609020204030204" pitchFamily="49" charset="0"/>
-                <a:ea typeface="Times New Roman" panose="02020603050405020304" pitchFamily="18" charset="0"/>
-                <a:cs typeface="Times New Roman" panose="02020603050405020304" pitchFamily="18" charset="0"/>
-              </a:rPr>
-              <a:t>% Display symbolic solution returned by solve</a:t>
-            </a:r>
-            <a:endParaRPr lang="en-ZA" sz="1800" dirty="0">
-              <a:effectLst/>
-              <a:latin typeface="Consolas" panose="020B0609020204030204" pitchFamily="49" charset="0"/>
-              <a:ea typeface="Times New Roman" panose="02020603050405020304" pitchFamily="18" charset="0"/>
-              <a:cs typeface="Times New Roman" panose="02020603050405020304" pitchFamily="18" charset="0"/>
-            </a:endParaRPr>
-          </a:p>
-          <a:p>
-            <a:pPr marL="492125" lvl="1" indent="-311150" algn="just">
-              <a:lnSpc>
-                <a:spcPts val="1400"/>
-              </a:lnSpc>
-              <a:spcAft>
-                <a:spcPts val="700"/>
-              </a:spcAft>
-              <a:buNone/>
-            </a:pPr>
-            <a:r>
-              <a:rPr lang="en-GB" sz="1800" dirty="0" err="1">
-                <a:solidFill>
-                  <a:srgbClr val="000000"/>
-                </a:solidFill>
-                <a:effectLst/>
-                <a:latin typeface="Consolas" panose="020B0609020204030204" pitchFamily="49" charset="0"/>
-                <a:ea typeface="Times New Roman" panose="02020603050405020304" pitchFamily="18" charset="0"/>
-                <a:cs typeface="Times New Roman" panose="02020603050405020304" pitchFamily="18" charset="0"/>
-              </a:rPr>
-              <a:t>displaySymSolution</a:t>
-            </a:r>
-            <a:r>
-              <a:rPr lang="en-GB" sz="1800" dirty="0">
-                <a:solidFill>
-                  <a:srgbClr val="000000"/>
-                </a:solidFill>
-                <a:effectLst/>
-                <a:latin typeface="Consolas" panose="020B0609020204030204" pitchFamily="49" charset="0"/>
-                <a:ea typeface="Times New Roman" panose="02020603050405020304" pitchFamily="18" charset="0"/>
-                <a:cs typeface="Times New Roman" panose="02020603050405020304" pitchFamily="18" charset="0"/>
-              </a:rPr>
-              <a:t>(solution);</a:t>
-            </a:r>
-            <a:endParaRPr lang="en-ZA" sz="1800" dirty="0">
-              <a:effectLst/>
-              <a:latin typeface="Consolas" panose="020B0609020204030204" pitchFamily="49" charset="0"/>
-              <a:ea typeface="Times New Roman" panose="02020603050405020304" pitchFamily="18" charset="0"/>
-              <a:cs typeface="Times New Roman" panose="02020603050405020304" pitchFamily="18" charset="0"/>
-            </a:endParaRPr>
-          </a:p>
-          <a:p>
-            <a:pPr marL="492125" lvl="1" indent="-311150" algn="just">
-              <a:lnSpc>
-                <a:spcPct val="107000"/>
-              </a:lnSpc>
-              <a:buNone/>
-            </a:pPr>
-            <a:r>
-              <a:rPr lang="en-GB" sz="1800" dirty="0">
-                <a:solidFill>
-                  <a:srgbClr val="404040"/>
-                </a:solidFill>
-                <a:effectLst/>
-                <a:latin typeface="Consolas" panose="020B0609020204030204" pitchFamily="49" charset="0"/>
-                <a:ea typeface="Times New Roman" panose="02020603050405020304" pitchFamily="18" charset="0"/>
-                <a:cs typeface="Times New Roman" panose="02020603050405020304" pitchFamily="18" charset="0"/>
-              </a:rPr>
-              <a:t>solution = </a:t>
-            </a:r>
-            <a:endParaRPr lang="en-ZA" sz="1800" dirty="0">
-              <a:effectLst/>
-              <a:latin typeface="Helvetica" panose="020B0604020202020204" pitchFamily="34" charset="0"/>
-              <a:ea typeface="Times New Roman" panose="02020603050405020304" pitchFamily="18" charset="0"/>
-              <a:cs typeface="Times New Roman" panose="02020603050405020304" pitchFamily="18" charset="0"/>
-            </a:endParaRPr>
-          </a:p>
-        </p:txBody>
-      </p:sp>
+      <mc:AlternateContent xmlns:mc="http://schemas.openxmlformats.org/markup-compatibility/2006">
+        <mc:Choice xmlns:a14="http://schemas.microsoft.com/office/drawing/2010/main" Requires="a14">
+          <p:sp>
+            <p:nvSpPr>
+              <p:cNvPr id="3" name="Content Placeholder 2">
+                <a:extLst>
+                  <a:ext uri="{FF2B5EF4-FFF2-40B4-BE49-F238E27FC236}">
+                    <a16:creationId xmlns:a16="http://schemas.microsoft.com/office/drawing/2014/main" id="{2973925E-A732-6BBA-E3F4-6F3FB54599AA}"/>
+                  </a:ext>
+                </a:extLst>
+              </p:cNvPr>
+              <p:cNvSpPr>
+                <a:spLocks noGrp="1"/>
+              </p:cNvSpPr>
+              <p:nvPr>
+                <p:ph idx="1"/>
+              </p:nvPr>
+            </p:nvSpPr>
+            <p:spPr>
+              <a:xfrm>
+                <a:off x="465023" y="1276983"/>
+                <a:ext cx="8229600" cy="5112000"/>
+              </a:xfrm>
+            </p:spPr>
+            <p:txBody>
+              <a:bodyPr>
+                <a:noAutofit/>
+              </a:bodyPr>
+              <a:lstStyle/>
+              <a:p>
+                <a:pPr marL="0" indent="0" algn="just">
+                  <a:lnSpc>
+                    <a:spcPct val="107000"/>
+                  </a:lnSpc>
+                  <a:spcBef>
+                    <a:spcPts val="1050"/>
+                  </a:spcBef>
+                  <a:spcAft>
+                    <a:spcPts val="1050"/>
+                  </a:spcAft>
+                  <a:buNone/>
+                </a:pPr>
+                <a:r>
+                  <a:rPr lang="en-GB" sz="1800" dirty="0">
+                    <a:effectLst/>
+                    <a:latin typeface="Helvetica" panose="020B0604020202020204" pitchFamily="34" charset="0"/>
+                    <a:ea typeface="Times New Roman" panose="02020603050405020304" pitchFamily="18" charset="0"/>
+                    <a:cs typeface="Times New Roman" panose="02020603050405020304" pitchFamily="18" charset="0"/>
+                  </a:rPr>
+                  <a:t>Note: You can always check what code was executed by clicking on the dropdown arrow in the middle of the task interface, above the provided solution. i.e., this task executed the following commands to achieve the output we were supplied. </a:t>
+                </a:r>
+                <a:endParaRPr lang="en-ZA" sz="1800" dirty="0">
+                  <a:effectLst/>
+                  <a:latin typeface="Helvetica" panose="020B0604020202020204" pitchFamily="34" charset="0"/>
+                  <a:ea typeface="Times New Roman" panose="02020603050405020304" pitchFamily="18" charset="0"/>
+                  <a:cs typeface="Times New Roman" panose="02020603050405020304" pitchFamily="18" charset="0"/>
+                </a:endParaRPr>
+              </a:p>
+              <a:p>
+                <a:pPr marL="492125" lvl="1" indent="-311150" algn="just">
+                  <a:lnSpc>
+                    <a:spcPts val="1400"/>
+                  </a:lnSpc>
+                  <a:spcBef>
+                    <a:spcPts val="700"/>
+                  </a:spcBef>
+                  <a:buNone/>
+                </a:pPr>
+                <a:r>
+                  <a:rPr lang="en-GB" sz="1800" dirty="0">
+                    <a:solidFill>
+                      <a:srgbClr val="000000"/>
+                    </a:solidFill>
+                    <a:effectLst/>
+                    <a:latin typeface="Consolas" panose="020B0609020204030204" pitchFamily="49" charset="0"/>
+                    <a:ea typeface="Times New Roman" panose="02020603050405020304" pitchFamily="18" charset="0"/>
+                    <a:cs typeface="Times New Roman" panose="02020603050405020304" pitchFamily="18" charset="0"/>
+                  </a:rPr>
+                  <a:t>solution = solve(</a:t>
+                </a:r>
+                <a:r>
+                  <a:rPr lang="en-GB" sz="1800" dirty="0" err="1">
+                    <a:solidFill>
+                      <a:srgbClr val="000000"/>
+                    </a:solidFill>
+                    <a:effectLst/>
+                    <a:latin typeface="Consolas" panose="020B0609020204030204" pitchFamily="49" charset="0"/>
+                    <a:ea typeface="Times New Roman" panose="02020603050405020304" pitchFamily="18" charset="0"/>
+                    <a:cs typeface="Times New Roman" panose="02020603050405020304" pitchFamily="18" charset="0"/>
+                  </a:rPr>
+                  <a:t>eqn,x</a:t>
+                </a:r>
+                <a:r>
+                  <a:rPr lang="en-GB" sz="1800" dirty="0">
+                    <a:solidFill>
+                      <a:srgbClr val="000000"/>
+                    </a:solidFill>
+                    <a:effectLst/>
+                    <a:latin typeface="Consolas" panose="020B0609020204030204" pitchFamily="49" charset="0"/>
+                    <a:ea typeface="Times New Roman" panose="02020603050405020304" pitchFamily="18" charset="0"/>
+                    <a:cs typeface="Times New Roman" panose="02020603050405020304" pitchFamily="18" charset="0"/>
+                  </a:rPr>
+                  <a:t>);</a:t>
+                </a:r>
+                <a:endParaRPr lang="en-ZA" sz="1800" dirty="0">
+                  <a:effectLst/>
+                  <a:latin typeface="Consolas" panose="020B0609020204030204" pitchFamily="49" charset="0"/>
+                  <a:ea typeface="Times New Roman" panose="02020603050405020304" pitchFamily="18" charset="0"/>
+                  <a:cs typeface="Times New Roman" panose="02020603050405020304" pitchFamily="18" charset="0"/>
+                </a:endParaRPr>
+              </a:p>
+              <a:p>
+                <a:pPr marL="492125" lvl="1" indent="-311150" algn="just">
+                  <a:lnSpc>
+                    <a:spcPts val="1400"/>
+                  </a:lnSpc>
+                  <a:buNone/>
+                </a:pPr>
+                <a:r>
+                  <a:rPr lang="en-GB" sz="1800" dirty="0">
+                    <a:solidFill>
+                      <a:srgbClr val="008013"/>
+                    </a:solidFill>
+                    <a:effectLst/>
+                    <a:latin typeface="Consolas" panose="020B0609020204030204" pitchFamily="49" charset="0"/>
+                    <a:ea typeface="Times New Roman" panose="02020603050405020304" pitchFamily="18" charset="0"/>
+                    <a:cs typeface="Times New Roman" panose="02020603050405020304" pitchFamily="18" charset="0"/>
+                  </a:rPr>
+                  <a:t>% Display symbolic solution returned by solve</a:t>
+                </a:r>
+                <a:endParaRPr lang="en-ZA" sz="1800" dirty="0">
+                  <a:effectLst/>
+                  <a:latin typeface="Consolas" panose="020B0609020204030204" pitchFamily="49" charset="0"/>
+                  <a:ea typeface="Times New Roman" panose="02020603050405020304" pitchFamily="18" charset="0"/>
+                  <a:cs typeface="Times New Roman" panose="02020603050405020304" pitchFamily="18" charset="0"/>
+                </a:endParaRPr>
+              </a:p>
+              <a:p>
+                <a:pPr marL="492125" lvl="1" indent="-311150" algn="just">
+                  <a:lnSpc>
+                    <a:spcPts val="1400"/>
+                  </a:lnSpc>
+                  <a:spcAft>
+                    <a:spcPts val="700"/>
+                  </a:spcAft>
+                  <a:buNone/>
+                </a:pPr>
+                <a:r>
+                  <a:rPr lang="en-GB" sz="1800" dirty="0" err="1">
+                    <a:solidFill>
+                      <a:srgbClr val="000000"/>
+                    </a:solidFill>
+                    <a:effectLst/>
+                    <a:latin typeface="Consolas" panose="020B0609020204030204" pitchFamily="49" charset="0"/>
+                    <a:ea typeface="Times New Roman" panose="02020603050405020304" pitchFamily="18" charset="0"/>
+                    <a:cs typeface="Times New Roman" panose="02020603050405020304" pitchFamily="18" charset="0"/>
+                  </a:rPr>
+                  <a:t>displaySymSolution</a:t>
+                </a:r>
+                <a:r>
+                  <a:rPr lang="en-GB" sz="1800" dirty="0">
+                    <a:solidFill>
+                      <a:srgbClr val="000000"/>
+                    </a:solidFill>
+                    <a:effectLst/>
+                    <a:latin typeface="Consolas" panose="020B0609020204030204" pitchFamily="49" charset="0"/>
+                    <a:ea typeface="Times New Roman" panose="02020603050405020304" pitchFamily="18" charset="0"/>
+                    <a:cs typeface="Times New Roman" panose="02020603050405020304" pitchFamily="18" charset="0"/>
+                  </a:rPr>
+                  <a:t>(solution);</a:t>
+                </a:r>
+                <a:endParaRPr lang="en-ZA" sz="1800" dirty="0">
+                  <a:effectLst/>
+                  <a:latin typeface="Consolas" panose="020B0609020204030204" pitchFamily="49" charset="0"/>
+                  <a:ea typeface="Times New Roman" panose="02020603050405020304" pitchFamily="18" charset="0"/>
+                  <a:cs typeface="Times New Roman" panose="02020603050405020304" pitchFamily="18" charset="0"/>
+                </a:endParaRPr>
+              </a:p>
+              <a:p>
+                <a:pPr marL="492125" lvl="1" indent="-311150" algn="just">
+                  <a:lnSpc>
+                    <a:spcPct val="107000"/>
+                  </a:lnSpc>
+                  <a:buNone/>
+                </a:pPr>
+                <a:r>
+                  <a:rPr lang="en-GB" sz="1600" dirty="0">
+                    <a:solidFill>
+                      <a:srgbClr val="404040"/>
+                    </a:solidFill>
+                    <a:effectLst/>
+                    <a:latin typeface="Consolas" panose="020B0609020204030204" pitchFamily="49" charset="0"/>
+                    <a:ea typeface="Times New Roman" panose="02020603050405020304" pitchFamily="18" charset="0"/>
+                    <a:cs typeface="Times New Roman" panose="02020603050405020304" pitchFamily="18" charset="0"/>
+                  </a:rPr>
+                  <a:t>solution = </a:t>
+                </a:r>
+                <a14:m>
+                  <m:oMath xmlns:m="http://schemas.openxmlformats.org/officeDocument/2006/math">
+                    <m:d>
+                      <m:dPr>
+                        <m:ctrlPr>
+                          <a:rPr lang="en-GB" sz="1600" i="1" smtClean="0">
+                            <a:solidFill>
+                              <a:srgbClr val="404040"/>
+                            </a:solidFill>
+                            <a:effectLst/>
+                            <a:latin typeface="Cambria Math" panose="02040503050406030204" pitchFamily="18" charset="0"/>
+                            <a:cs typeface="Times New Roman" panose="02020603050405020304" pitchFamily="18" charset="0"/>
+                          </a:rPr>
+                        </m:ctrlPr>
+                      </m:dPr>
+                      <m:e>
+                        <m:m>
+                          <m:mPr>
+                            <m:mcs>
+                              <m:mc>
+                                <m:mcPr>
+                                  <m:count m:val="1"/>
+                                  <m:mcJc m:val="center"/>
+                                </m:mcPr>
+                              </m:mc>
+                            </m:mcs>
+                            <m:ctrlPr>
+                              <a:rPr lang="en-GB" sz="1600" i="1" smtClean="0">
+                                <a:solidFill>
+                                  <a:srgbClr val="404040"/>
+                                </a:solidFill>
+                                <a:effectLst/>
+                                <a:latin typeface="Cambria Math" panose="02040503050406030204" pitchFamily="18" charset="0"/>
+                                <a:cs typeface="Times New Roman" panose="02020603050405020304" pitchFamily="18" charset="0"/>
+                              </a:rPr>
+                            </m:ctrlPr>
+                          </m:mPr>
+                          <m:mr>
+                            <m:e>
+                              <m:r>
+                                <m:rPr>
+                                  <m:brk m:alnAt="7"/>
+                                </m:rPr>
+                                <a:rPr lang="en-US" sz="1600" b="0" i="1" smtClean="0">
+                                  <a:solidFill>
+                                    <a:srgbClr val="404040"/>
+                                  </a:solidFill>
+                                  <a:effectLst/>
+                                  <a:latin typeface="Cambria Math" panose="02040503050406030204" pitchFamily="18" charset="0"/>
+                                  <a:cs typeface="Times New Roman" panose="02020603050405020304" pitchFamily="18" charset="0"/>
+                                </a:rPr>
+                                <m:t>−</m:t>
+                              </m:r>
+                              <m:r>
+                                <a:rPr lang="en-US" sz="1600" b="0" i="1" smtClean="0">
+                                  <a:solidFill>
+                                    <a:srgbClr val="404040"/>
+                                  </a:solidFill>
+                                  <a:effectLst/>
+                                  <a:latin typeface="Cambria Math" panose="02040503050406030204" pitchFamily="18" charset="0"/>
+                                  <a:cs typeface="Times New Roman" panose="02020603050405020304" pitchFamily="18" charset="0"/>
+                                </a:rPr>
+                                <m:t>3</m:t>
+                              </m:r>
+                            </m:e>
+                          </m:mr>
+                          <m:mr>
+                            <m:e>
+                              <m:r>
+                                <a:rPr lang="en-US" sz="1600" b="0" i="1" smtClean="0">
+                                  <a:solidFill>
+                                    <a:srgbClr val="404040"/>
+                                  </a:solidFill>
+                                  <a:effectLst/>
+                                  <a:latin typeface="Cambria Math" panose="02040503050406030204" pitchFamily="18" charset="0"/>
+                                  <a:cs typeface="Times New Roman" panose="02020603050405020304" pitchFamily="18" charset="0"/>
+                                </a:rPr>
+                                <m:t>3</m:t>
+                              </m:r>
+                            </m:e>
+                          </m:mr>
+                        </m:m>
+                      </m:e>
+                    </m:d>
+                  </m:oMath>
+                </a14:m>
+                <a:endParaRPr lang="en-ZA" sz="1600" dirty="0">
+                  <a:effectLst/>
+                  <a:latin typeface="Helvetica" panose="020B0604020202020204" pitchFamily="34" charset="0"/>
+                  <a:ea typeface="Times New Roman" panose="02020603050405020304" pitchFamily="18" charset="0"/>
+                  <a:cs typeface="Times New Roman" panose="02020603050405020304" pitchFamily="18" charset="0"/>
+                </a:endParaRPr>
+              </a:p>
+            </p:txBody>
+          </p:sp>
+        </mc:Choice>
+        <mc:Fallback>
+          <p:sp>
+            <p:nvSpPr>
+              <p:cNvPr id="3" name="Content Placeholder 2">
+                <a:extLst>
+                  <a:ext uri="{FF2B5EF4-FFF2-40B4-BE49-F238E27FC236}">
+                    <a16:creationId xmlns:a16="http://schemas.microsoft.com/office/drawing/2014/main" id="{2973925E-A732-6BBA-E3F4-6F3FB54599AA}"/>
+                  </a:ext>
+                </a:extLst>
+              </p:cNvPr>
+              <p:cNvSpPr>
+                <a:spLocks noGrp="1" noRot="1" noChangeAspect="1" noMove="1" noResize="1" noEditPoints="1" noAdjustHandles="1" noChangeArrowheads="1" noChangeShapeType="1" noTextEdit="1"/>
+              </p:cNvSpPr>
+              <p:nvPr>
+                <p:ph idx="1"/>
+              </p:nvPr>
+            </p:nvSpPr>
+            <p:spPr>
+              <a:xfrm>
+                <a:off x="465023" y="1276983"/>
+                <a:ext cx="8229600" cy="5112000"/>
+              </a:xfrm>
+              <a:blipFill>
+                <a:blip r:embed="rId2"/>
+                <a:stretch>
+                  <a:fillRect l="-593" t="-596" r="-667"/>
+                </a:stretch>
+              </a:blipFill>
+            </p:spPr>
+            <p:txBody>
+              <a:bodyPr/>
+              <a:lstStyle/>
+              <a:p>
+                <a:r>
+                  <a:rPr lang="en-ZA">
+                    <a:noFill/>
+                  </a:rPr>
+                  <a:t> </a:t>
+                </a:r>
+              </a:p>
+            </p:txBody>
+          </p:sp>
+        </mc:Fallback>
+      </mc:AlternateContent>
       <p:sp>
         <p:nvSpPr>
           <p:cNvPr id="4" name="Date Placeholder 3">
@@ -5069,10 +5343,11 @@
       </p:sp>
       <p:pic>
         <p:nvPicPr>
-          <p:cNvPr id="10" name="Picture 9">
-            <a:extLst>
-              <a:ext uri="{FF2B5EF4-FFF2-40B4-BE49-F238E27FC236}">
-                <a16:creationId xmlns:a16="http://schemas.microsoft.com/office/drawing/2014/main" id="{0BFEAF51-A32B-C17B-500F-681C46345AB8}"/>
+          <p:cNvPr id="7" name="Graphic 6" descr="Chevron arrows with solid fill">
+            <a:hlinkClick r:id="rId3" action="ppaction://hlinksldjump"/>
+            <a:extLst>
+              <a:ext uri="{FF2B5EF4-FFF2-40B4-BE49-F238E27FC236}">
+                <a16:creationId xmlns:a16="http://schemas.microsoft.com/office/drawing/2014/main" id="{95F20FC5-2987-F815-9FA2-2B5D0AB30EA2}"/>
               </a:ext>
             </a:extLst>
           </p:cNvPr>
@@ -5082,102 +5357,13 @@
           <p:nvPr/>
         </p:nvPicPr>
         <p:blipFill>
-          <a:blip r:embed="rId2" cstate="print">
+          <a:blip r:embed="rId4">
             <a:extLst>
               <a:ext uri="{28A0092B-C50C-407E-A947-70E740481C1C}">
                 <a14:useLocalDpi xmlns:a14="http://schemas.microsoft.com/office/drawing/2010/main" val="0"/>
               </a:ext>
-            </a:extLst>
-          </a:blip>
-          <a:srcRect/>
-          <a:stretch>
-            <a:fillRect/>
-          </a:stretch>
-        </p:blipFill>
-        <p:spPr bwMode="auto">
-          <a:xfrm>
-            <a:off x="785861" y="3832983"/>
-            <a:ext cx="516923" cy="504000"/>
-          </a:xfrm>
-          <a:prstGeom prst="rect">
-            <a:avLst/>
-          </a:prstGeom>
-          <a:noFill/>
-          <a:ln>
-            <a:noFill/>
-          </a:ln>
-        </p:spPr>
-      </p:pic>
-      <p:pic>
-        <p:nvPicPr>
-          <p:cNvPr id="20" name="Untitled">
-            <a:extLst>
-              <a:ext uri="{FF2B5EF4-FFF2-40B4-BE49-F238E27FC236}">
-                <a16:creationId xmlns:a16="http://schemas.microsoft.com/office/drawing/2014/main" id="{2EB14F97-F91F-AD3F-D851-9926EADED48F}"/>
-              </a:ext>
-            </a:extLst>
-          </p:cNvPr>
-          <p:cNvPicPr>
-            <a:picLocks noChangeAspect="1" noChangeArrowheads="1"/>
-          </p:cNvPicPr>
-          <p:nvPr/>
-        </p:nvPicPr>
-        <p:blipFill>
-          <a:blip r:embed="rId3">
-            <a:extLst>
-              <a:ext uri="{28A0092B-C50C-407E-A947-70E740481C1C}">
-                <a14:useLocalDpi xmlns:a14="http://schemas.microsoft.com/office/drawing/2010/main" val="0"/>
-              </a:ext>
-            </a:extLst>
-          </a:blip>
-          <a:srcRect/>
-          <a:stretch>
-            <a:fillRect/>
-          </a:stretch>
-        </p:blipFill>
-        <p:spPr bwMode="auto">
-          <a:xfrm>
-            <a:off x="7070184" y="1307826"/>
-            <a:ext cx="848547" cy="282849"/>
-          </a:xfrm>
-          <a:prstGeom prst="rect">
-            <a:avLst/>
-          </a:prstGeom>
-          <a:noFill/>
-          <a:extLst>
-            <a:ext uri="{909E8E84-426E-40DD-AFC4-6F175D3DCCD1}">
-              <a14:hiddenFill xmlns:a14="http://schemas.microsoft.com/office/drawing/2010/main">
-                <a:solidFill>
-                  <a:srgbClr val="FFFFFF"/>
-                </a:solidFill>
-              </a14:hiddenFill>
-            </a:ext>
-          </a:extLst>
-        </p:spPr>
-      </p:pic>
-      <p:pic>
-        <p:nvPicPr>
-          <p:cNvPr id="7" name="Graphic 6" descr="Chevron arrows with solid fill">
-            <a:hlinkClick r:id="rId4" action="ppaction://hlinksldjump"/>
-            <a:extLst>
-              <a:ext uri="{FF2B5EF4-FFF2-40B4-BE49-F238E27FC236}">
-                <a16:creationId xmlns:a16="http://schemas.microsoft.com/office/drawing/2014/main" id="{95F20FC5-2987-F815-9FA2-2B5D0AB30EA2}"/>
-              </a:ext>
-            </a:extLst>
-          </p:cNvPr>
-          <p:cNvPicPr>
-            <a:picLocks noChangeAspect="1"/>
-          </p:cNvPicPr>
-          <p:nvPr/>
-        </p:nvPicPr>
-        <p:blipFill>
-          <a:blip r:embed="rId5">
-            <a:extLst>
-              <a:ext uri="{28A0092B-C50C-407E-A947-70E740481C1C}">
-                <a14:useLocalDpi xmlns:a14="http://schemas.microsoft.com/office/drawing/2010/main" val="0"/>
-              </a:ext>
               <a:ext uri="{96DAC541-7B7A-43D3-8B79-37D633B846F1}">
-                <asvg:svgBlip xmlns:asvg="http://schemas.microsoft.com/office/drawing/2016/SVG/main" r:embed="rId6"/>
+                <asvg:svgBlip xmlns:asvg="http://schemas.microsoft.com/office/drawing/2016/SVG/main" r:embed="rId5"/>
               </a:ext>
             </a:extLst>
           </a:blip>
@@ -5309,7 +5495,7 @@
           <a:p>
             <a:pPr marL="0" indent="0" algn="just">
               <a:lnSpc>
-                <a:spcPct val="107000"/>
+                <a:spcPct val="100000"/>
               </a:lnSpc>
               <a:spcBef>
                 <a:spcPts val="1050"/>
@@ -5320,7 +5506,7 @@
               <a:buNone/>
             </a:pPr>
             <a:r>
-              <a:rPr lang="en-GB" sz="1800" dirty="0">
+              <a:rPr lang="en-GB" sz="1600" dirty="0">
                 <a:effectLst/>
                 <a:latin typeface="Helvetica" panose="020B0604020202020204" pitchFamily="34" charset="0"/>
                 <a:ea typeface="Times New Roman" panose="02020603050405020304" pitchFamily="18" charset="0"/>
@@ -5329,7 +5515,7 @@
               <a:t>Object-oriented programming is a design approach that enables you to programmatically define structures called </a:t>
             </a:r>
             <a:r>
-              <a:rPr lang="en-GB" sz="1800" i="1" dirty="0">
+              <a:rPr lang="en-GB" sz="1600" i="1" dirty="0">
                 <a:effectLst/>
                 <a:latin typeface="Helvetica" panose="020B0604020202020204" pitchFamily="34" charset="0"/>
                 <a:ea typeface="Times New Roman" panose="02020603050405020304" pitchFamily="18" charset="0"/>
@@ -5338,7 +5524,7 @@
               <a:t>objects</a:t>
             </a:r>
             <a:r>
-              <a:rPr lang="en-GB" sz="1800" dirty="0">
+              <a:rPr lang="en-GB" sz="1600" dirty="0">
                 <a:effectLst/>
                 <a:latin typeface="Helvetica" panose="020B0604020202020204" pitchFamily="34" charset="0"/>
                 <a:ea typeface="Times New Roman" panose="02020603050405020304" pitchFamily="18" charset="0"/>
@@ -5346,7 +5532,7 @@
               </a:rPr>
               <a:t> that combine data (properties) together with functions that operate on that data (methods). In MATLAB, you can create objects that model the behaviour of devices and systems in the real world. Those objects can then be used as building blocks in applications used to simulate and analyse complex systems.</a:t>
             </a:r>
-            <a:endParaRPr lang="en-ZA" sz="1800" dirty="0">
+            <a:endParaRPr lang="en-ZA" sz="1600" dirty="0">
               <a:effectLst/>
               <a:latin typeface="Helvetica" panose="020B0604020202020204" pitchFamily="34" charset="0"/>
               <a:ea typeface="Times New Roman" panose="02020603050405020304" pitchFamily="18" charset="0"/>
@@ -5356,7 +5542,7 @@
           <a:p>
             <a:pPr marL="0" indent="0" algn="just">
               <a:lnSpc>
-                <a:spcPct val="107000"/>
+                <a:spcPct val="100000"/>
               </a:lnSpc>
               <a:spcBef>
                 <a:spcPts val="1050"/>
@@ -5367,7 +5553,7 @@
               <a:buNone/>
             </a:pPr>
             <a:r>
-              <a:rPr lang="en-GB" sz="1800" dirty="0">
+              <a:rPr lang="en-GB" sz="1600" dirty="0">
                 <a:effectLst/>
                 <a:latin typeface="Helvetica" panose="020B0604020202020204" pitchFamily="34" charset="0"/>
                 <a:ea typeface="Times New Roman" panose="02020603050405020304" pitchFamily="18" charset="0"/>
@@ -5375,7 +5561,7 @@
               </a:rPr>
               <a:t> </a:t>
             </a:r>
-            <a:endParaRPr lang="en-ZA" sz="1800" dirty="0">
+            <a:endParaRPr lang="en-ZA" sz="1600" dirty="0">
               <a:effectLst/>
               <a:latin typeface="Helvetica" panose="020B0604020202020204" pitchFamily="34" charset="0"/>
               <a:ea typeface="Times New Roman" panose="02020603050405020304" pitchFamily="18" charset="0"/>
@@ -5384,10 +5570,13 @@
           </a:p>
           <a:p>
             <a:pPr marL="0" indent="0" algn="just">
+              <a:lnSpc>
+                <a:spcPct val="100000"/>
+              </a:lnSpc>
               <a:buNone/>
             </a:pPr>
             <a:r>
-              <a:rPr lang="en-GB" sz="1800" dirty="0">
+              <a:rPr lang="en-GB" sz="1600" dirty="0">
                 <a:effectLst/>
                 <a:latin typeface="Helvetica" panose="020B0604020202020204" pitchFamily="34" charset="0"/>
                 <a:ea typeface="Times New Roman" panose="02020603050405020304" pitchFamily="18" charset="0"/>
@@ -5396,7 +5585,7 @@
               <a:t>A Class in MATLAB follows a particular convention that needs to be followed when creating your own Class. A quick and convenient way for creating a new class is to autogenerate a Class template by navigating to the </a:t>
             </a:r>
             <a:r>
-              <a:rPr lang="en-GB" sz="1800" i="1" dirty="0">
+              <a:rPr lang="en-GB" sz="1600" i="1" dirty="0">
                 <a:effectLst/>
                 <a:latin typeface="Helvetica" panose="020B0604020202020204" pitchFamily="34" charset="0"/>
                 <a:ea typeface="Times New Roman" panose="02020603050405020304" pitchFamily="18" charset="0"/>
@@ -5405,7 +5594,7 @@
               <a:t>Home tab</a:t>
             </a:r>
             <a:r>
-              <a:rPr lang="en-GB" sz="1800" dirty="0">
+              <a:rPr lang="en-GB" sz="1600" dirty="0">
                 <a:effectLst/>
                 <a:latin typeface="Helvetica" panose="020B0604020202020204" pitchFamily="34" charset="0"/>
                 <a:ea typeface="Times New Roman" panose="02020603050405020304" pitchFamily="18" charset="0"/>
@@ -5414,7 +5603,7 @@
               <a:t> in the Toolstrip, selecting </a:t>
             </a:r>
             <a:r>
-              <a:rPr lang="en-GB" sz="1800" i="1" dirty="0">
+              <a:rPr lang="en-GB" sz="1600" i="1" dirty="0">
                 <a:effectLst/>
                 <a:latin typeface="Helvetica" panose="020B0604020202020204" pitchFamily="34" charset="0"/>
                 <a:ea typeface="Times New Roman" panose="02020603050405020304" pitchFamily="18" charset="0"/>
@@ -5423,7 +5612,7 @@
               <a:t>New</a:t>
             </a:r>
             <a:r>
-              <a:rPr lang="en-GB" sz="1800" dirty="0">
+              <a:rPr lang="en-GB" sz="1600" dirty="0">
                 <a:effectLst/>
                 <a:latin typeface="Helvetica" panose="020B0604020202020204" pitchFamily="34" charset="0"/>
                 <a:ea typeface="Times New Roman" panose="02020603050405020304" pitchFamily="18" charset="0"/>
@@ -5432,7 +5621,7 @@
               <a:t>, and then either a </a:t>
             </a:r>
             <a:r>
-              <a:rPr lang="en-GB" sz="1800" i="1" dirty="0">
+              <a:rPr lang="en-GB" sz="1600" i="1" dirty="0">
                 <a:effectLst/>
                 <a:latin typeface="Helvetica" panose="020B0604020202020204" pitchFamily="34" charset="0"/>
                 <a:ea typeface="Times New Roman" panose="02020603050405020304" pitchFamily="18" charset="0"/>
@@ -5441,7 +5630,7 @@
               <a:t>Class</a:t>
             </a:r>
             <a:r>
-              <a:rPr lang="en-GB" sz="1800" dirty="0">
+              <a:rPr lang="en-GB" sz="1600" dirty="0">
                 <a:effectLst/>
                 <a:latin typeface="Helvetica" panose="020B0604020202020204" pitchFamily="34" charset="0"/>
                 <a:ea typeface="Times New Roman" panose="02020603050405020304" pitchFamily="18" charset="0"/>
@@ -5450,7 +5639,7 @@
               <a:t>, </a:t>
             </a:r>
             <a:r>
-              <a:rPr lang="en-GB" sz="1800" i="1" dirty="0">
+              <a:rPr lang="en-GB" sz="1600" i="1" dirty="0">
                 <a:effectLst/>
                 <a:latin typeface="Helvetica" panose="020B0604020202020204" pitchFamily="34" charset="0"/>
                 <a:ea typeface="Times New Roman" panose="02020603050405020304" pitchFamily="18" charset="0"/>
@@ -5459,7 +5648,7 @@
               <a:t>Test Class</a:t>
             </a:r>
             <a:r>
-              <a:rPr lang="en-GB" sz="1800" dirty="0">
+              <a:rPr lang="en-GB" sz="1600" dirty="0">
                 <a:effectLst/>
                 <a:latin typeface="Helvetica" panose="020B0604020202020204" pitchFamily="34" charset="0"/>
                 <a:ea typeface="Times New Roman" panose="02020603050405020304" pitchFamily="18" charset="0"/>
@@ -5468,7 +5657,7 @@
               <a:t>, and </a:t>
             </a:r>
             <a:r>
-              <a:rPr lang="en-GB" sz="1800" i="1" dirty="0">
+              <a:rPr lang="en-GB" sz="1600" i="1" dirty="0">
                 <a:effectLst/>
                 <a:latin typeface="Helvetica" panose="020B0604020202020204" pitchFamily="34" charset="0"/>
                 <a:ea typeface="Times New Roman" panose="02020603050405020304" pitchFamily="18" charset="0"/>
@@ -5477,7 +5666,7 @@
               <a:t>System Object</a:t>
             </a:r>
             <a:r>
-              <a:rPr lang="en-GB" sz="1800" dirty="0">
+              <a:rPr lang="en-GB" sz="1600" dirty="0">
                 <a:effectLst/>
                 <a:latin typeface="Helvetica" panose="020B0604020202020204" pitchFamily="34" charset="0"/>
                 <a:ea typeface="Times New Roman" panose="02020603050405020304" pitchFamily="18" charset="0"/>
@@ -5485,7 +5674,7 @@
               </a:rPr>
               <a:t> depending on your needs. This workflow is illustrated in the following graphic.</a:t>
             </a:r>
-            <a:endParaRPr lang="en-ZA" sz="1800" dirty="0">
+            <a:endParaRPr lang="en-ZA" sz="1600" dirty="0">
               <a:effectLst/>
               <a:latin typeface="Consolas" panose="020B0609020204030204" pitchFamily="49" charset="0"/>
               <a:ea typeface="Times New Roman" panose="02020603050405020304" pitchFamily="18" charset="0"/>
@@ -6057,7 +6246,7 @@
               <a:buNone/>
             </a:pPr>
             <a:r>
-              <a:rPr lang="en-GB" sz="1500" dirty="0">
+              <a:rPr lang="en-GB" sz="1600" dirty="0">
                 <a:effectLst/>
                 <a:latin typeface="Helvetica" panose="020B0604020202020204" pitchFamily="34" charset="0"/>
                 <a:ea typeface="Times New Roman" panose="02020603050405020304" pitchFamily="18" charset="0"/>
@@ -6066,7 +6255,7 @@
               <a:t>Let us follow the workflow when a </a:t>
             </a:r>
             <a:r>
-              <a:rPr lang="en-GB" sz="1500" i="1" dirty="0">
+              <a:rPr lang="en-GB" sz="1600" i="1" dirty="0">
                 <a:effectLst/>
                 <a:latin typeface="Helvetica" panose="020B0604020202020204" pitchFamily="34" charset="0"/>
                 <a:ea typeface="Times New Roman" panose="02020603050405020304" pitchFamily="18" charset="0"/>
@@ -6075,7 +6264,7 @@
               <a:t>Class</a:t>
             </a:r>
             <a:r>
-              <a:rPr lang="en-GB" sz="1500" dirty="0">
+              <a:rPr lang="en-GB" sz="1600" dirty="0">
                 <a:effectLst/>
                 <a:latin typeface="Helvetica" panose="020B0604020202020204" pitchFamily="34" charset="0"/>
                 <a:ea typeface="Times New Roman" panose="02020603050405020304" pitchFamily="18" charset="0"/>
@@ -6097,7 +6286,7 @@
               </a:spcAft>
               <a:buNone/>
             </a:pPr>
-            <a:endParaRPr lang="en-GB" sz="1500" dirty="0">
+            <a:endParaRPr lang="en-GB" sz="1600" dirty="0">
               <a:effectLst/>
               <a:latin typeface="Helvetica" panose="020B0604020202020204" pitchFamily="34" charset="0"/>
               <a:ea typeface="Times New Roman" panose="02020603050405020304" pitchFamily="18" charset="0"/>
@@ -6117,7 +6306,7 @@
               </a:spcAft>
               <a:buNone/>
             </a:pPr>
-            <a:endParaRPr lang="en-GB" sz="1500" dirty="0">
+            <a:endParaRPr lang="en-GB" sz="1600" dirty="0">
               <a:latin typeface="Helvetica" panose="020B0604020202020204" pitchFamily="34" charset="0"/>
               <a:ea typeface="Times New Roman" panose="02020603050405020304" pitchFamily="18" charset="0"/>
               <a:cs typeface="Times New Roman" panose="02020603050405020304" pitchFamily="18" charset="0"/>
@@ -6136,8 +6325,7 @@
               </a:spcAft>
               <a:buNone/>
             </a:pPr>
-            <a:endParaRPr lang="en-GB" sz="1500" dirty="0">
-              <a:effectLst/>
+            <a:endParaRPr lang="en-GB" sz="1600" dirty="0">
               <a:latin typeface="Helvetica" panose="020B0604020202020204" pitchFamily="34" charset="0"/>
               <a:ea typeface="Times New Roman" panose="02020603050405020304" pitchFamily="18" charset="0"/>
               <a:cs typeface="Times New Roman" panose="02020603050405020304" pitchFamily="18" charset="0"/>
@@ -6156,7 +6344,8 @@
               </a:spcAft>
               <a:buNone/>
             </a:pPr>
-            <a:endParaRPr lang="en-GB" sz="1500" dirty="0">
+            <a:endParaRPr lang="en-GB" sz="100" dirty="0">
+              <a:effectLst/>
               <a:latin typeface="Helvetica" panose="020B0604020202020204" pitchFamily="34" charset="0"/>
               <a:ea typeface="Times New Roman" panose="02020603050405020304" pitchFamily="18" charset="0"/>
               <a:cs typeface="Times New Roman" panose="02020603050405020304" pitchFamily="18" charset="0"/>
@@ -6175,7 +6364,7 @@
               </a:spcAft>
               <a:buNone/>
             </a:pPr>
-            <a:endParaRPr lang="en-GB" sz="1500" dirty="0">
+            <a:endParaRPr lang="en-GB" sz="1400" dirty="0">
               <a:effectLst/>
               <a:latin typeface="Helvetica" panose="020B0604020202020204" pitchFamily="34" charset="0"/>
               <a:ea typeface="Times New Roman" panose="02020603050405020304" pitchFamily="18" charset="0"/>
@@ -6195,7 +6384,7 @@
               </a:spcAft>
               <a:buNone/>
             </a:pPr>
-            <a:endParaRPr lang="en-GB" sz="1500" dirty="0">
+            <a:endParaRPr lang="en-GB" sz="1600" dirty="0">
               <a:effectLst/>
               <a:latin typeface="Helvetica" panose="020B0604020202020204" pitchFamily="34" charset="0"/>
               <a:ea typeface="Times New Roman" panose="02020603050405020304" pitchFamily="18" charset="0"/>
@@ -6215,7 +6404,7 @@
               </a:spcAft>
               <a:buNone/>
             </a:pPr>
-            <a:endParaRPr lang="en-GB" sz="1500" dirty="0">
+            <a:endParaRPr lang="en-GB" sz="1600" dirty="0">
               <a:latin typeface="Helvetica" panose="020B0604020202020204" pitchFamily="34" charset="0"/>
               <a:ea typeface="Times New Roman" panose="02020603050405020304" pitchFamily="18" charset="0"/>
               <a:cs typeface="Times New Roman" panose="02020603050405020304" pitchFamily="18" charset="0"/>
@@ -6235,7 +6424,7 @@
               <a:buNone/>
             </a:pPr>
             <a:r>
-              <a:rPr lang="en-GB" sz="1500" dirty="0">
+              <a:rPr lang="en-GB" sz="1600" dirty="0">
                 <a:effectLst/>
                 <a:latin typeface="Helvetica" panose="020B0604020202020204" pitchFamily="34" charset="0"/>
                 <a:ea typeface="Times New Roman" panose="02020603050405020304" pitchFamily="18" charset="0"/>
@@ -6244,7 +6433,7 @@
               <a:t>Notice that each section has been labelled and a description has been given in green (following a single %). A class can be broken up into two sections; </a:t>
             </a:r>
             <a:r>
-              <a:rPr lang="en-GB" sz="1500" dirty="0">
+              <a:rPr lang="en-GB" sz="1600" dirty="0">
                 <a:effectLst/>
                 <a:latin typeface="Consolas" panose="020B0609020204030204" pitchFamily="49" charset="0"/>
                 <a:ea typeface="Times New Roman" panose="02020603050405020304" pitchFamily="18" charset="0"/>
@@ -6253,7 +6442,7 @@
               <a:t>properties</a:t>
             </a:r>
             <a:r>
-              <a:rPr lang="en-GB" sz="1500" dirty="0">
+              <a:rPr lang="en-GB" sz="1600" dirty="0">
                 <a:effectLst/>
                 <a:latin typeface="Helvetica" panose="020B0604020202020204" pitchFamily="34" charset="0"/>
                 <a:ea typeface="Times New Roman" panose="02020603050405020304" pitchFamily="18" charset="0"/>
@@ -6262,7 +6451,7 @@
               <a:t>, and </a:t>
             </a:r>
             <a:r>
-              <a:rPr lang="en-GB" sz="1500" dirty="0">
+              <a:rPr lang="en-GB" sz="1600" dirty="0">
                 <a:effectLst/>
                 <a:latin typeface="Consolas" panose="020B0609020204030204" pitchFamily="49" charset="0"/>
                 <a:ea typeface="Times New Roman" panose="02020603050405020304" pitchFamily="18" charset="0"/>
@@ -6271,7 +6460,7 @@
               <a:t>methods</a:t>
             </a:r>
             <a:r>
-              <a:rPr lang="en-GB" sz="1500" dirty="0">
+              <a:rPr lang="en-GB" sz="1600" dirty="0">
                 <a:effectLst/>
                 <a:latin typeface="Helvetica" panose="020B0604020202020204" pitchFamily="34" charset="0"/>
                 <a:ea typeface="Times New Roman" panose="02020603050405020304" pitchFamily="18" charset="0"/>
@@ -6279,7 +6468,7 @@
               </a:rPr>
               <a:t>.</a:t>
             </a:r>
-            <a:endParaRPr lang="en-ZA" sz="1500" dirty="0">
+            <a:endParaRPr lang="en-ZA" sz="1600" dirty="0">
               <a:effectLst/>
               <a:latin typeface="Consolas" panose="020B0609020204030204" pitchFamily="49" charset="0"/>
               <a:ea typeface="Times New Roman" panose="02020603050405020304" pitchFamily="18" charset="0"/>
@@ -6406,8 +6595,8 @@
         </p:blipFill>
         <p:spPr>
           <a:xfrm>
-            <a:off x="2296306" y="1894919"/>
-            <a:ext cx="4562939" cy="3780000"/>
+            <a:off x="2296307" y="1894919"/>
+            <a:ext cx="4476025" cy="3708000"/>
           </a:xfrm>
           <a:prstGeom prst="rect">
             <a:avLst/>
@@ -6579,7 +6768,7 @@
               <a:buNone/>
             </a:pPr>
             <a:r>
-              <a:rPr lang="en-GB" sz="1800" dirty="0">
+              <a:rPr lang="en-GB" sz="1600" dirty="0">
                 <a:effectLst/>
                 <a:latin typeface="Helvetica" panose="020B0604020202020204" pitchFamily="34" charset="0"/>
                 <a:ea typeface="Times New Roman" panose="02020603050405020304" pitchFamily="18" charset="0"/>
@@ -6587,7 +6776,7 @@
               </a:rPr>
               <a:t>These can be thought of in the following manner: </a:t>
             </a:r>
-            <a:endParaRPr lang="en-ZA" sz="1800" dirty="0">
+            <a:endParaRPr lang="en-ZA" sz="1600" dirty="0">
               <a:effectLst/>
               <a:latin typeface="Helvetica" panose="020B0604020202020204" pitchFamily="34" charset="0"/>
               <a:ea typeface="Times New Roman" panose="02020603050405020304" pitchFamily="18" charset="0"/>
@@ -6603,7 +6792,7 @@
               <a:buAutoNum type="arabicPeriod"/>
             </a:pPr>
             <a:r>
-              <a:rPr lang="en-GB" sz="1800" b="1" dirty="0">
+              <a:rPr lang="en-GB" sz="1600" b="1" dirty="0">
                 <a:effectLst/>
                 <a:latin typeface="Helvetica" panose="020B0604020202020204" pitchFamily="34" charset="0"/>
                 <a:ea typeface="Times New Roman" panose="02020603050405020304" pitchFamily="18" charset="0"/>
@@ -6612,7 +6801,7 @@
               <a:t>Properties</a:t>
             </a:r>
             <a:r>
-              <a:rPr lang="en-GB" sz="1800" dirty="0">
+              <a:rPr lang="en-GB" sz="1600" dirty="0">
                 <a:effectLst/>
                 <a:latin typeface="Helvetica" panose="020B0604020202020204" pitchFamily="34" charset="0"/>
                 <a:ea typeface="Times New Roman" panose="02020603050405020304" pitchFamily="18" charset="0"/>
@@ -6621,7 +6810,7 @@
               <a:t> are </a:t>
             </a:r>
             <a:r>
-              <a:rPr lang="en-GB" sz="1800" b="1" dirty="0">
+              <a:rPr lang="en-GB" sz="1600" b="1" dirty="0">
                 <a:effectLst/>
                 <a:latin typeface="Helvetica" panose="020B0604020202020204" pitchFamily="34" charset="0"/>
                 <a:ea typeface="Times New Roman" panose="02020603050405020304" pitchFamily="18" charset="0"/>
@@ -6630,7 +6819,7 @@
               <a:t>nouns</a:t>
             </a:r>
             <a:r>
-              <a:rPr lang="en-GB" sz="1800" dirty="0">
+              <a:rPr lang="en-GB" sz="1600" dirty="0">
                 <a:effectLst/>
                 <a:latin typeface="Helvetica" panose="020B0604020202020204" pitchFamily="34" charset="0"/>
                 <a:ea typeface="Times New Roman" panose="02020603050405020304" pitchFamily="18" charset="0"/>
@@ -6638,7 +6827,7 @@
               </a:rPr>
               <a:t> </a:t>
             </a:r>
-            <a:endParaRPr lang="en-ZA" sz="1800" dirty="0">
+            <a:endParaRPr lang="en-ZA" sz="1600" dirty="0">
               <a:effectLst/>
               <a:latin typeface="Helvetica" panose="020B0604020202020204" pitchFamily="34" charset="0"/>
               <a:ea typeface="Times New Roman" panose="02020603050405020304" pitchFamily="18" charset="0"/>
@@ -6654,7 +6843,7 @@
               <a:buAutoNum type="arabicPeriod"/>
             </a:pPr>
             <a:r>
-              <a:rPr lang="en-GB" sz="1800" b="1" dirty="0">
+              <a:rPr lang="en-GB" sz="1600" b="1" dirty="0">
                 <a:effectLst/>
                 <a:latin typeface="Helvetica" panose="020B0604020202020204" pitchFamily="34" charset="0"/>
                 <a:ea typeface="Times New Roman" panose="02020603050405020304" pitchFamily="18" charset="0"/>
@@ -6663,7 +6852,7 @@
               <a:t>Methods</a:t>
             </a:r>
             <a:r>
-              <a:rPr lang="en-GB" sz="1800" dirty="0">
+              <a:rPr lang="en-GB" sz="1600" dirty="0">
                 <a:effectLst/>
                 <a:latin typeface="Helvetica" panose="020B0604020202020204" pitchFamily="34" charset="0"/>
                 <a:ea typeface="Times New Roman" panose="02020603050405020304" pitchFamily="18" charset="0"/>
@@ -6672,7 +6861,7 @@
               <a:t> are </a:t>
             </a:r>
             <a:r>
-              <a:rPr lang="en-GB" sz="1800" b="1" dirty="0">
+              <a:rPr lang="en-GB" sz="1600" b="1" dirty="0">
                 <a:effectLst/>
                 <a:latin typeface="Helvetica" panose="020B0604020202020204" pitchFamily="34" charset="0"/>
                 <a:ea typeface="Times New Roman" panose="02020603050405020304" pitchFamily="18" charset="0"/>
@@ -6680,7 +6869,7 @@
               </a:rPr>
               <a:t>verbs</a:t>
             </a:r>
-            <a:endParaRPr lang="en-ZA" sz="1800" dirty="0">
+            <a:endParaRPr lang="en-ZA" sz="1600" dirty="0">
               <a:effectLst/>
               <a:latin typeface="Helvetica" panose="020B0604020202020204" pitchFamily="34" charset="0"/>
               <a:ea typeface="Times New Roman" panose="02020603050405020304" pitchFamily="18" charset="0"/>
@@ -6944,7 +7133,7 @@
               <a:buNone/>
             </a:pPr>
             <a:r>
-              <a:rPr lang="en-GB" sz="1500" dirty="0">
+              <a:rPr lang="en-GB" sz="1600" dirty="0">
                 <a:effectLst/>
                 <a:latin typeface="Helvetica" panose="020B0604020202020204" pitchFamily="34" charset="0"/>
                 <a:ea typeface="Times New Roman" panose="02020603050405020304" pitchFamily="18" charset="0"/>
@@ -6952,7 +7141,7 @@
               </a:rPr>
               <a:t>Object-Oriented Programming offers the following four major benefits over procedural and functional programming methods: </a:t>
             </a:r>
-            <a:endParaRPr lang="en-ZA" sz="1500" dirty="0">
+            <a:endParaRPr lang="en-ZA" sz="1600" dirty="0">
               <a:effectLst/>
               <a:latin typeface="Helvetica" panose="020B0604020202020204" pitchFamily="34" charset="0"/>
               <a:ea typeface="Times New Roman" panose="02020603050405020304" pitchFamily="18" charset="0"/>
@@ -6968,7 +7157,7 @@
               <a:buAutoNum type="arabicPeriod"/>
             </a:pPr>
             <a:r>
-              <a:rPr lang="en-GB" sz="1500" b="1" dirty="0">
+              <a:rPr lang="en-GB" sz="1600" b="1" dirty="0">
                 <a:effectLst/>
                 <a:latin typeface="Helvetica" panose="020B0604020202020204" pitchFamily="34" charset="0"/>
                 <a:ea typeface="Times New Roman" panose="02020603050405020304" pitchFamily="18" charset="0"/>
@@ -6977,7 +7166,7 @@
               <a:t>Abstraction</a:t>
             </a:r>
             <a:r>
-              <a:rPr lang="en-GB" sz="1500" dirty="0">
+              <a:rPr lang="en-GB" sz="1600" dirty="0">
                 <a:effectLst/>
                 <a:latin typeface="Helvetica" panose="020B0604020202020204" pitchFamily="34" charset="0"/>
                 <a:ea typeface="Times New Roman" panose="02020603050405020304" pitchFamily="18" charset="0"/>
@@ -6985,7 +7174,7 @@
               </a:rPr>
               <a:t> - Simplify your program by using classes that generalise the object types</a:t>
             </a:r>
-            <a:endParaRPr lang="en-ZA" sz="1500" dirty="0">
+            <a:endParaRPr lang="en-ZA" sz="1600" dirty="0">
               <a:effectLst/>
               <a:latin typeface="Helvetica" panose="020B0604020202020204" pitchFamily="34" charset="0"/>
               <a:ea typeface="Times New Roman" panose="02020603050405020304" pitchFamily="18" charset="0"/>
@@ -7001,7 +7190,7 @@
               <a:buAutoNum type="arabicPeriod"/>
             </a:pPr>
             <a:r>
-              <a:rPr lang="en-GB" sz="1500" b="1" dirty="0">
+              <a:rPr lang="en-GB" sz="1600" b="1" dirty="0">
                 <a:effectLst/>
                 <a:latin typeface="Helvetica" panose="020B0604020202020204" pitchFamily="34" charset="0"/>
                 <a:ea typeface="Times New Roman" panose="02020603050405020304" pitchFamily="18" charset="0"/>
@@ -7010,7 +7199,7 @@
               <a:t>Encapsulation</a:t>
             </a:r>
             <a:r>
-              <a:rPr lang="en-GB" sz="1500" dirty="0">
+              <a:rPr lang="en-GB" sz="1600" dirty="0">
                 <a:effectLst/>
                 <a:latin typeface="Helvetica" panose="020B0604020202020204" pitchFamily="34" charset="0"/>
                 <a:ea typeface="Times New Roman" panose="02020603050405020304" pitchFamily="18" charset="0"/>
@@ -7018,7 +7207,7 @@
               </a:rPr>
               <a:t> - Being able to define a scope for a particular object prevents the user of the object from becoming dependent on an implementation details or characteristic (risk of changing or breaking the code)  </a:t>
             </a:r>
-            <a:endParaRPr lang="en-ZA" sz="1500" dirty="0">
+            <a:endParaRPr lang="en-ZA" sz="1600" dirty="0">
               <a:effectLst/>
               <a:latin typeface="Helvetica" panose="020B0604020202020204" pitchFamily="34" charset="0"/>
               <a:ea typeface="Times New Roman" panose="02020603050405020304" pitchFamily="18" charset="0"/>
@@ -7034,7 +7223,7 @@
               <a:buAutoNum type="arabicPeriod"/>
             </a:pPr>
             <a:r>
-              <a:rPr lang="en-GB" sz="1500" b="1" dirty="0">
+              <a:rPr lang="en-GB" sz="1600" b="1" dirty="0">
                 <a:effectLst/>
                 <a:latin typeface="Helvetica" panose="020B0604020202020204" pitchFamily="34" charset="0"/>
                 <a:ea typeface="Times New Roman" panose="02020603050405020304" pitchFamily="18" charset="0"/>
@@ -7043,7 +7232,7 @@
               <a:t>Inheritance</a:t>
             </a:r>
             <a:r>
-              <a:rPr lang="en-GB" sz="1500" dirty="0">
+              <a:rPr lang="en-GB" sz="1600" dirty="0">
                 <a:effectLst/>
                 <a:latin typeface="Helvetica" panose="020B0604020202020204" pitchFamily="34" charset="0"/>
                 <a:ea typeface="Times New Roman" panose="02020603050405020304" pitchFamily="18" charset="0"/>
@@ -7051,7 +7240,7 @@
               </a:rPr>
               <a:t> - Classes can inherit from one another, allowing you to reuse more of your code</a:t>
             </a:r>
-            <a:endParaRPr lang="en-ZA" sz="1500" dirty="0">
+            <a:endParaRPr lang="en-ZA" sz="1600" dirty="0">
               <a:effectLst/>
               <a:latin typeface="Helvetica" panose="020B0604020202020204" pitchFamily="34" charset="0"/>
               <a:ea typeface="Times New Roman" panose="02020603050405020304" pitchFamily="18" charset="0"/>
@@ -7067,7 +7256,7 @@
               <a:buAutoNum type="arabicPeriod"/>
             </a:pPr>
             <a:r>
-              <a:rPr lang="en-GB" sz="1500" b="1" dirty="0">
+              <a:rPr lang="en-GB" sz="1600" b="1" dirty="0">
                 <a:effectLst/>
                 <a:latin typeface="Helvetica" panose="020B0604020202020204" pitchFamily="34" charset="0"/>
                 <a:ea typeface="Times New Roman" panose="02020603050405020304" pitchFamily="18" charset="0"/>
@@ -7076,7 +7265,7 @@
               <a:t>Polymorphism</a:t>
             </a:r>
             <a:r>
-              <a:rPr lang="en-GB" sz="1500" dirty="0">
+              <a:rPr lang="en-GB" sz="1600" dirty="0">
                 <a:effectLst/>
                 <a:latin typeface="Helvetica" panose="020B0604020202020204" pitchFamily="34" charset="0"/>
                 <a:ea typeface="Times New Roman" panose="02020603050405020304" pitchFamily="18" charset="0"/>
@@ -7084,7 +7273,7 @@
               </a:rPr>
               <a:t> - A single class can be used to create multiple objects with ease and flexibility</a:t>
             </a:r>
-            <a:endParaRPr lang="en-ZA" sz="1500" dirty="0">
+            <a:endParaRPr lang="en-ZA" sz="1600" dirty="0">
               <a:effectLst/>
               <a:latin typeface="Helvetica" panose="020B0604020202020204" pitchFamily="34" charset="0"/>
               <a:ea typeface="Times New Roman" panose="02020603050405020304" pitchFamily="18" charset="0"/>
@@ -7094,7 +7283,7 @@
           <a:p>
             <a:pPr algn="just"/>
             <a:r>
-              <a:rPr lang="en-GB" sz="1500" dirty="0">
+              <a:rPr lang="en-GB" sz="1600" dirty="0">
                 <a:effectLst/>
                 <a:latin typeface="Helvetica" panose="020B0604020202020204" pitchFamily="34" charset="0"/>
                 <a:ea typeface="Times New Roman" panose="02020603050405020304" pitchFamily="18" charset="0"/>
@@ -7103,7 +7292,7 @@
               <a:t>For a basic example of OOP in MATLAB, please consult this </a:t>
             </a:r>
             <a:r>
-              <a:rPr lang="en-GB" sz="1500" dirty="0">
+              <a:rPr lang="en-GB" sz="1600" dirty="0">
                 <a:solidFill>
                   <a:srgbClr val="005FCE"/>
                 </a:solidFill>
@@ -7116,7 +7305,7 @@
               <a:t>Technical Article: Introduction to Object-Oriented Programming in MATLAB</a:t>
             </a:r>
             <a:r>
-              <a:rPr lang="en-GB" sz="1500" dirty="0">
+              <a:rPr lang="en-GB" sz="1600" dirty="0">
                 <a:effectLst/>
                 <a:latin typeface="Helvetica" panose="020B0604020202020204" pitchFamily="34" charset="0"/>
                 <a:ea typeface="Times New Roman" panose="02020603050405020304" pitchFamily="18" charset="0"/>
@@ -7125,7 +7314,7 @@
               <a:t>, where tuart McGarrity and Adam </a:t>
             </a:r>
             <a:r>
-              <a:rPr lang="en-GB" sz="1500" dirty="0" err="1">
+              <a:rPr lang="en-GB" sz="1600" dirty="0" err="1">
                 <a:effectLst/>
                 <a:latin typeface="Helvetica" panose="020B0604020202020204" pitchFamily="34" charset="0"/>
                 <a:ea typeface="Times New Roman" panose="02020603050405020304" pitchFamily="18" charset="0"/>
@@ -7134,7 +7323,7 @@
               <a:t>Sifounakis</a:t>
             </a:r>
             <a:r>
-              <a:rPr lang="en-GB" sz="1500" dirty="0">
+              <a:rPr lang="en-GB" sz="1600" dirty="0">
                 <a:effectLst/>
                 <a:latin typeface="Helvetica" panose="020B0604020202020204" pitchFamily="34" charset="0"/>
                 <a:ea typeface="Times New Roman" panose="02020603050405020304" pitchFamily="18" charset="0"/>
@@ -7142,7 +7331,7 @@
               </a:rPr>
               <a:t> cover the OOP workflow development for analysing sensor array data. </a:t>
             </a:r>
-            <a:endParaRPr lang="en-ZA" sz="1500" dirty="0">
+            <a:endParaRPr lang="en-ZA" sz="1600" dirty="0">
               <a:effectLst/>
               <a:latin typeface="Consolas" panose="020B0609020204030204" pitchFamily="49" charset="0"/>
               <a:ea typeface="Times New Roman" panose="02020603050405020304" pitchFamily="18" charset="0"/>
@@ -7397,7 +7586,7 @@
               <a:buNone/>
             </a:pPr>
             <a:r>
-              <a:rPr lang="en-GB" sz="1800" dirty="0">
+              <a:rPr lang="en-GB" sz="1600" dirty="0">
                 <a:effectLst/>
                 <a:latin typeface="Helvetica" panose="020B0604020202020204" pitchFamily="34" charset="0"/>
                 <a:ea typeface="Times New Roman" panose="02020603050405020304" pitchFamily="18" charset="0"/>
@@ -7410,7 +7599,7 @@
             <a:pPr marL="0" indent="0" algn="just">
               <a:buNone/>
             </a:pPr>
-            <a:endParaRPr lang="en-GB" sz="1800" dirty="0">
+            <a:endParaRPr lang="en-GB" sz="1600" dirty="0">
               <a:latin typeface="Helvetica" panose="020B0604020202020204" pitchFamily="34" charset="0"/>
               <a:ea typeface="Times New Roman" panose="02020603050405020304" pitchFamily="18" charset="0"/>
               <a:cs typeface="Times New Roman" panose="02020603050405020304" pitchFamily="18" charset="0"/>
@@ -7421,7 +7610,7 @@
               <a:buNone/>
             </a:pPr>
             <a:r>
-              <a:rPr lang="en-GB" sz="1800" dirty="0">
+              <a:rPr lang="en-GB" sz="1600" dirty="0">
                 <a:effectLst/>
                 <a:latin typeface="Helvetica" panose="020B0604020202020204" pitchFamily="34" charset="0"/>
                 <a:ea typeface="Times New Roman" panose="02020603050405020304" pitchFamily="18" charset="0"/>
@@ -7429,7 +7618,7 @@
               </a:rPr>
               <a:t>To demonstrate how simple this block diagram environment can be leveraged in your workflow, let us consider the implementation of an equation model that converts a temperature in degrees Celsius to degrees Fahrenheit.</a:t>
             </a:r>
-            <a:endParaRPr lang="en-ZA" sz="1800" dirty="0">
+            <a:endParaRPr lang="en-ZA" sz="1600" dirty="0">
               <a:effectLst/>
               <a:latin typeface="Consolas" panose="020B0609020204030204" pitchFamily="49" charset="0"/>
               <a:ea typeface="Times New Roman" panose="02020603050405020304" pitchFamily="18" charset="0"/>
@@ -7686,7 +7875,7 @@
                   <a:buNone/>
                 </a:pPr>
                 <a:r>
-                  <a:rPr lang="en-GB" sz="1800" dirty="0">
+                  <a:rPr lang="en-GB" sz="1600" dirty="0">
                     <a:effectLst/>
                     <a:latin typeface="Helvetica" panose="020B0604020202020204" pitchFamily="34" charset="0"/>
                     <a:ea typeface="Times New Roman" panose="02020603050405020304" pitchFamily="18" charset="0"/>
@@ -7699,7 +7888,7 @@
                 <a:pPr marL="0" indent="0" algn="just">
                   <a:buNone/>
                 </a:pPr>
-                <a:endParaRPr lang="en-GB" sz="1800" dirty="0">
+                <a:endParaRPr lang="en-GB" sz="1600" dirty="0">
                   <a:effectLst/>
                   <a:latin typeface="Helvetica" panose="020B0604020202020204" pitchFamily="34" charset="0"/>
                   <a:ea typeface="Times New Roman" panose="02020603050405020304" pitchFamily="18" charset="0"/>
@@ -7719,7 +7908,7 @@
                       <m:sPre>
                         <m:sPrePr>
                           <m:ctrlPr>
-                            <a:rPr lang="en-ZA" sz="1400" i="1" smtClean="0">
+                            <a:rPr lang="en-ZA" sz="1600" i="1" smtClean="0">
                               <a:effectLst/>
                               <a:latin typeface="Cambria Math" panose="02040503050406030204" pitchFamily="18" charset="0"/>
                               <a:cs typeface="Times New Roman" panose="02020603050405020304" pitchFamily="18" charset="0"/>
@@ -7732,7 +7921,7 @@
                             <m:rPr>
                               <m:sty m:val="p"/>
                             </m:rPr>
-                            <a:rPr lang="en-ZA" sz="2000" b="0" i="0" smtClean="0">
+                            <a:rPr lang="en-ZA" sz="1600" b="0" i="0" smtClean="0">
                               <a:latin typeface="Cambria Math" panose="02040503050406030204" pitchFamily="18" charset="0"/>
                             </a:rPr>
                             <m:t>o</m:t>
@@ -7740,7 +7929,7 @@
                         </m:sup>
                         <m:e>
                           <m:r>
-                            <a:rPr lang="en-ZA" sz="2000" b="0" i="1" smtClean="0">
+                            <a:rPr lang="en-ZA" sz="1600" b="0" i="1" smtClean="0">
                               <a:latin typeface="Cambria Math" panose="02040503050406030204" pitchFamily="18" charset="0"/>
                             </a:rPr>
                             <m:t>𝐹</m:t>
@@ -7748,7 +7937,7 @@
                         </m:e>
                       </m:sPre>
                       <m:r>
-                        <a:rPr lang="en-ZA" sz="2000" b="0" i="1" smtClean="0">
+                        <a:rPr lang="en-ZA" sz="1600" b="0" i="1" smtClean="0">
                           <a:latin typeface="Cambria Math" panose="02040503050406030204" pitchFamily="18" charset="0"/>
                         </a:rPr>
                         <m:t>=32+</m:t>
@@ -7756,7 +7945,7 @@
                       <m:sPre>
                         <m:sPrePr>
                           <m:ctrlPr>
-                            <a:rPr lang="en-ZA" sz="1400" i="1">
+                            <a:rPr lang="en-ZA" sz="1600" i="1">
                               <a:latin typeface="Cambria Math" panose="02040503050406030204" pitchFamily="18" charset="0"/>
                               <a:cs typeface="Times New Roman" panose="02020603050405020304" pitchFamily="18" charset="0"/>
                             </a:rPr>
@@ -7768,7 +7957,7 @@
                             <m:rPr>
                               <m:sty m:val="p"/>
                             </m:rPr>
-                            <a:rPr lang="en-ZA" sz="2000">
+                            <a:rPr lang="en-ZA" sz="1600">
                               <a:latin typeface="Cambria Math" panose="02040503050406030204" pitchFamily="18" charset="0"/>
                             </a:rPr>
                             <m:t>o</m:t>
@@ -7776,7 +7965,7 @@
                         </m:sup>
                         <m:e>
                           <m:r>
-                            <a:rPr lang="en-ZA" sz="2000" b="0" i="1" smtClean="0">
+                            <a:rPr lang="en-ZA" sz="1600" b="0" i="1" smtClean="0">
                               <a:latin typeface="Cambria Math" panose="02040503050406030204" pitchFamily="18" charset="0"/>
                             </a:rPr>
                             <m:t>𝐶</m:t>
@@ -7784,7 +7973,7 @@
                         </m:e>
                       </m:sPre>
                       <m:r>
-                        <a:rPr lang="en-ZA" sz="2000" b="0" i="1" smtClean="0">
+                        <a:rPr lang="en-ZA" sz="1600" b="0" i="1" smtClean="0">
                           <a:latin typeface="Cambria Math" panose="02040503050406030204" pitchFamily="18" charset="0"/>
                         </a:rPr>
                         <m:t>(9/5)</m:t>
@@ -7792,7 +7981,7 @@
                     </m:oMath>
                   </m:oMathPara>
                 </a14:m>
-                <a:endParaRPr lang="en-ZA" sz="1400" dirty="0">
+                <a:endParaRPr lang="en-ZA" sz="1600" dirty="0">
                   <a:effectLst/>
                   <a:latin typeface="Helvetica" panose="020B0604020202020204" pitchFamily="34" charset="0"/>
                   <a:ea typeface="Times New Roman" panose="02020603050405020304" pitchFamily="18" charset="0"/>
@@ -7803,7 +7992,7 @@
                 <a:pPr marL="0" indent="0" algn="just">
                   <a:buNone/>
                 </a:pPr>
-                <a:endParaRPr lang="en-GB" sz="1800" dirty="0">
+                <a:endParaRPr lang="en-GB" sz="1600" dirty="0">
                   <a:latin typeface="Helvetica" panose="020B0604020202020204" pitchFamily="34" charset="0"/>
                   <a:ea typeface="Times New Roman" panose="02020603050405020304" pitchFamily="18" charset="0"/>
                   <a:cs typeface="Times New Roman" panose="02020603050405020304" pitchFamily="18" charset="0"/>
@@ -7814,7 +8003,7 @@
                   <a:buNone/>
                 </a:pPr>
                 <a:r>
-                  <a:rPr lang="en-GB" sz="1800" dirty="0">
+                  <a:rPr lang="en-GB" sz="1600" dirty="0">
                     <a:effectLst/>
                     <a:latin typeface="Helvetica" panose="020B0604020202020204" pitchFamily="34" charset="0"/>
                     <a:ea typeface="Times New Roman" panose="02020603050405020304" pitchFamily="18" charset="0"/>
@@ -7822,7 +8011,7 @@
                   </a:rPr>
                   <a:t>and the Simulink implementation of this has been screenshot in the following image. </a:t>
                 </a:r>
-                <a:endParaRPr lang="en-ZA" sz="1800" dirty="0">
+                <a:endParaRPr lang="en-ZA" sz="1600" dirty="0">
                   <a:effectLst/>
                   <a:latin typeface="Consolas" panose="020B0609020204030204" pitchFamily="49" charset="0"/>
                   <a:ea typeface="Times New Roman" panose="02020603050405020304" pitchFamily="18" charset="0"/>
@@ -7857,7 +8046,7 @@
               <a:blipFill>
                 <a:blip r:embed="rId2"/>
                 <a:stretch>
-                  <a:fillRect l="-593" t="-1073" r="-667"/>
+                  <a:fillRect l="-370" t="-834"/>
                 </a:stretch>
               </a:blipFill>
             </p:spPr>
@@ -8610,7 +8799,7 @@
               <a:buNone/>
             </a:pPr>
             <a:r>
-              <a:rPr lang="en-GB" sz="1800" dirty="0">
+              <a:rPr lang="en-GB" sz="1600" dirty="0">
                 <a:effectLst/>
                 <a:latin typeface="Helvetica" panose="020B0604020202020204" pitchFamily="34" charset="0"/>
                 <a:ea typeface="Times New Roman" panose="02020603050405020304" pitchFamily="18" charset="0"/>
@@ -8619,7 +8808,7 @@
               <a:t>Watch </a:t>
             </a:r>
             <a:r>
-              <a:rPr lang="en-GB" sz="1800" dirty="0">
+              <a:rPr lang="en-GB" sz="1600" dirty="0">
                 <a:solidFill>
                   <a:srgbClr val="005FCE"/>
                 </a:solidFill>
@@ -8632,7 +8821,7 @@
               <a:t>this short video</a:t>
             </a:r>
             <a:r>
-              <a:rPr lang="en-GB" sz="1800" dirty="0">
+              <a:rPr lang="en-GB" sz="1600" dirty="0">
                 <a:effectLst/>
                 <a:latin typeface="Helvetica" panose="020B0604020202020204" pitchFamily="34" charset="0"/>
                 <a:ea typeface="Times New Roman" panose="02020603050405020304" pitchFamily="18" charset="0"/>
@@ -8640,7 +8829,7 @@
               </a:rPr>
               <a:t> for the Simulink overview, and if you want to know more about deployment to hardware, then take a look at the following links: </a:t>
             </a:r>
-            <a:endParaRPr lang="en-ZA" sz="1800" dirty="0">
+            <a:endParaRPr lang="en-ZA" sz="1600" dirty="0">
               <a:effectLst/>
               <a:latin typeface="Helvetica" panose="020B0604020202020204" pitchFamily="34" charset="0"/>
               <a:ea typeface="Times New Roman" panose="02020603050405020304" pitchFamily="18" charset="0"/>
@@ -8656,7 +8845,7 @@
               <a:buChar char=""/>
             </a:pPr>
             <a:r>
-              <a:rPr lang="en-GB" sz="1800" dirty="0">
+              <a:rPr lang="en-GB" sz="1600" dirty="0">
                 <a:solidFill>
                   <a:srgbClr val="005FCE"/>
                 </a:solidFill>
@@ -8668,7 +8857,7 @@
               </a:rPr>
               <a:t>Getting Started with Arduino Hardware</a:t>
             </a:r>
-            <a:endParaRPr lang="en-ZA" sz="1800" dirty="0">
+            <a:endParaRPr lang="en-ZA" sz="1600" dirty="0">
               <a:effectLst/>
               <a:latin typeface="Helvetica" panose="020B0604020202020204" pitchFamily="34" charset="0"/>
               <a:ea typeface="Times New Roman" panose="02020603050405020304" pitchFamily="18" charset="0"/>
@@ -8684,7 +8873,7 @@
               <a:buChar char=""/>
             </a:pPr>
             <a:r>
-              <a:rPr lang="en-GB" sz="1800" dirty="0">
+              <a:rPr lang="en-GB" sz="1600" dirty="0">
                 <a:solidFill>
                   <a:srgbClr val="005FCE"/>
                 </a:solidFill>
@@ -8696,7 +8885,7 @@
               </a:rPr>
               <a:t>Run Model on Arduino Hardware</a:t>
             </a:r>
-            <a:endParaRPr lang="en-ZA" sz="1800" dirty="0">
+            <a:endParaRPr lang="en-ZA" sz="1600" dirty="0">
               <a:effectLst/>
               <a:latin typeface="Helvetica" panose="020B0604020202020204" pitchFamily="34" charset="0"/>
               <a:ea typeface="Times New Roman" panose="02020603050405020304" pitchFamily="18" charset="0"/>
@@ -8712,7 +8901,7 @@
               <a:buChar char=""/>
             </a:pPr>
             <a:r>
-              <a:rPr lang="en-GB" sz="1800" dirty="0">
+              <a:rPr lang="en-GB" sz="1600" dirty="0">
                 <a:solidFill>
                   <a:srgbClr val="005FCE"/>
                 </a:solidFill>
@@ -8725,7 +8914,7 @@
               <a:t>MathWorks </a:t>
             </a:r>
             <a:r>
-              <a:rPr lang="en-GB" sz="1800" dirty="0" err="1">
+              <a:rPr lang="en-GB" sz="1600" dirty="0" err="1">
                 <a:solidFill>
                   <a:srgbClr val="005FCE"/>
                 </a:solidFill>
@@ -8738,7 +8927,7 @@
               <a:t>Minidrone</a:t>
             </a:r>
             <a:r>
-              <a:rPr lang="en-GB" sz="1800" dirty="0">
+              <a:rPr lang="en-GB" sz="1600" dirty="0">
                 <a:solidFill>
                   <a:srgbClr val="005FCE"/>
                 </a:solidFill>
@@ -8750,7 +8939,7 @@
               </a:rPr>
               <a:t> Competitions Page</a:t>
             </a:r>
-            <a:endParaRPr lang="en-ZA" sz="1800" dirty="0">
+            <a:endParaRPr lang="en-ZA" sz="1600" dirty="0">
               <a:effectLst/>
               <a:latin typeface="Helvetica" panose="020B0604020202020204" pitchFamily="34" charset="0"/>
               <a:ea typeface="Times New Roman" panose="02020603050405020304" pitchFamily="18" charset="0"/>
@@ -8766,7 +8955,7 @@
               <a:buChar char=""/>
             </a:pPr>
             <a:r>
-              <a:rPr lang="en-GB" sz="1800" dirty="0">
+              <a:rPr lang="en-GB" sz="1600" dirty="0">
                 <a:solidFill>
                   <a:srgbClr val="005FCE"/>
                 </a:solidFill>
@@ -8779,7 +8968,7 @@
               <a:t>Vehicle </a:t>
             </a:r>
             <a:r>
-              <a:rPr lang="en-GB" sz="1800" dirty="0" err="1">
+              <a:rPr lang="en-GB" sz="1600" dirty="0" err="1">
                 <a:solidFill>
                   <a:srgbClr val="005FCE"/>
                 </a:solidFill>
@@ -8792,7 +8981,7 @@
               <a:t>Modeling</a:t>
             </a:r>
             <a:r>
-              <a:rPr lang="en-GB" sz="1800" dirty="0">
+              <a:rPr lang="en-GB" sz="1600" dirty="0">
                 <a:solidFill>
                   <a:srgbClr val="005FCE"/>
                 </a:solidFill>
@@ -8804,7 +8993,7 @@
               </a:rPr>
               <a:t> Using Simulink</a:t>
             </a:r>
-            <a:endParaRPr lang="en-ZA" sz="1800" dirty="0">
+            <a:endParaRPr lang="en-ZA" sz="1600" dirty="0">
               <a:effectLst/>
               <a:latin typeface="Helvetica" panose="020B0604020202020204" pitchFamily="34" charset="0"/>
               <a:ea typeface="Times New Roman" panose="02020603050405020304" pitchFamily="18" charset="0"/>
@@ -8820,7 +9009,7 @@
               <a:buChar char=""/>
             </a:pPr>
             <a:r>
-              <a:rPr lang="en-GB" sz="1800" dirty="0">
+              <a:rPr lang="en-GB" sz="1600" dirty="0">
                 <a:solidFill>
                   <a:srgbClr val="005FCE"/>
                 </a:solidFill>
@@ -8832,7 +9021,7 @@
               </a:rPr>
               <a:t>Deploying a Deep Learning-Based State-of-Charge (SoC) Estimation Algorithm to NXP S32K3 Microcontrollers</a:t>
             </a:r>
-            <a:endParaRPr lang="en-ZA" sz="1800" dirty="0">
+            <a:endParaRPr lang="en-ZA" sz="1600" dirty="0">
               <a:effectLst/>
               <a:latin typeface="Helvetica" panose="020B0604020202020204" pitchFamily="34" charset="0"/>
               <a:ea typeface="Times New Roman" panose="02020603050405020304" pitchFamily="18" charset="0"/>
@@ -9096,7 +9285,7 @@
               <a:buNone/>
             </a:pPr>
             <a:r>
-              <a:rPr lang="en-GB" sz="1500" dirty="0">
+              <a:rPr lang="en-GB" sz="1600" dirty="0">
                 <a:effectLst/>
                 <a:latin typeface="Helvetica" panose="020B0604020202020204" pitchFamily="34" charset="0"/>
                 <a:ea typeface="Times New Roman" panose="02020603050405020304" pitchFamily="18" charset="0"/>
@@ -9104,7 +9293,7 @@
               </a:rPr>
               <a:t>As an example, let us consider a bouncing ball example. You can access this by running the following code cell: </a:t>
             </a:r>
-            <a:endParaRPr lang="en-ZA" sz="1500" dirty="0">
+            <a:endParaRPr lang="en-ZA" sz="1600" dirty="0">
               <a:effectLst/>
               <a:latin typeface="Helvetica" panose="020B0604020202020204" pitchFamily="34" charset="0"/>
               <a:ea typeface="Times New Roman" panose="02020603050405020304" pitchFamily="18" charset="0"/>
@@ -9128,7 +9317,7 @@
               </a:tabLst>
             </a:pPr>
             <a:r>
-              <a:rPr lang="en-GB" sz="1500" dirty="0">
+              <a:rPr lang="en-GB" sz="1600" dirty="0">
                 <a:solidFill>
                   <a:srgbClr val="000000"/>
                 </a:solidFill>
@@ -9140,7 +9329,7 @@
               <a:t>	</a:t>
             </a:r>
             <a:r>
-              <a:rPr lang="en-GB" sz="1500" dirty="0" err="1">
+              <a:rPr lang="en-GB" sz="1600" dirty="0" err="1">
                 <a:solidFill>
                   <a:srgbClr val="000000"/>
                 </a:solidFill>
@@ -9152,7 +9341,7 @@
               <a:t>openExample</a:t>
             </a:r>
             <a:r>
-              <a:rPr lang="en-GB" sz="1500" dirty="0">
+              <a:rPr lang="en-GB" sz="1600" dirty="0">
                 <a:solidFill>
                   <a:srgbClr val="000000"/>
                 </a:solidFill>
@@ -9164,7 +9353,7 @@
               <a:t>(</a:t>
             </a:r>
             <a:r>
-              <a:rPr lang="en-GB" sz="1500" dirty="0">
+              <a:rPr lang="en-GB" sz="1600" dirty="0">
                 <a:solidFill>
                   <a:srgbClr val="A709F5"/>
                 </a:solidFill>
@@ -9176,7 +9365,7 @@
               <a:t>'</a:t>
             </a:r>
             <a:r>
-              <a:rPr lang="en-GB" sz="1500" dirty="0" err="1">
+              <a:rPr lang="en-GB" sz="1600" dirty="0" err="1">
                 <a:solidFill>
                   <a:srgbClr val="A709F5"/>
                 </a:solidFill>
@@ -9188,7 +9377,7 @@
               <a:t>simulink_general</a:t>
             </a:r>
             <a:r>
-              <a:rPr lang="en-GB" sz="1500" dirty="0">
+              <a:rPr lang="en-GB" sz="1600" dirty="0">
                 <a:solidFill>
                   <a:srgbClr val="A709F5"/>
                 </a:solidFill>
@@ -9200,7 +9389,7 @@
               <a:t>/</a:t>
             </a:r>
             <a:r>
-              <a:rPr lang="en-GB" sz="1500" dirty="0" err="1">
+              <a:rPr lang="en-GB" sz="1600" dirty="0" err="1">
                 <a:solidFill>
                   <a:srgbClr val="A709F5"/>
                 </a:solidFill>
@@ -9212,7 +9401,7 @@
               <a:t>sldemo_bounceExample</a:t>
             </a:r>
             <a:r>
-              <a:rPr lang="en-GB" sz="1500" dirty="0">
+              <a:rPr lang="en-GB" sz="1600" dirty="0">
                 <a:solidFill>
                   <a:srgbClr val="A709F5"/>
                 </a:solidFill>
@@ -9224,7 +9413,7 @@
               <a:t>’</a:t>
             </a:r>
             <a:r>
-              <a:rPr lang="en-GB" sz="1500" dirty="0">
+              <a:rPr lang="en-GB" sz="1600" dirty="0">
                 <a:solidFill>
                   <a:srgbClr val="000000"/>
                 </a:solidFill>
@@ -9235,7 +9424,7 @@
               </a:rPr>
               <a:t>)</a:t>
             </a:r>
-            <a:endParaRPr lang="en-ZA" sz="1500" dirty="0">
+            <a:endParaRPr lang="en-ZA" sz="1600" dirty="0">
               <a:solidFill>
                 <a:srgbClr val="000000"/>
               </a:solidFill>
@@ -9258,7 +9447,7 @@
               <a:buNone/>
             </a:pPr>
             <a:r>
-              <a:rPr lang="en-GB" sz="1500" dirty="0">
+              <a:rPr lang="en-GB" sz="1600" dirty="0">
                 <a:effectLst/>
                 <a:latin typeface="Helvetica" panose="020B0604020202020204" pitchFamily="34" charset="0"/>
                 <a:ea typeface="Times New Roman" panose="02020603050405020304" pitchFamily="18" charset="0"/>
@@ -9268,7 +9457,7 @@
             </a:r>
           </a:p>
           <a:p>
-            <a:endParaRPr lang="en-GB" sz="1500" dirty="0">
+            <a:endParaRPr lang="en-GB" sz="1600" dirty="0">
               <a:latin typeface="Helvetica" panose="020B0604020202020204" pitchFamily="34" charset="0"/>
               <a:ea typeface="Times New Roman" panose="02020603050405020304" pitchFamily="18" charset="0"/>
               <a:cs typeface="Times New Roman" panose="02020603050405020304" pitchFamily="18" charset="0"/>
@@ -9278,7 +9467,7 @@
             <a:pPr marL="0" indent="0">
               <a:buNone/>
             </a:pPr>
-            <a:endParaRPr lang="en-GB" sz="1500" dirty="0">
+            <a:endParaRPr lang="en-GB" sz="1600" dirty="0">
               <a:effectLst/>
               <a:latin typeface="Helvetica" panose="020B0604020202020204" pitchFamily="34" charset="0"/>
               <a:ea typeface="Times New Roman" panose="02020603050405020304" pitchFamily="18" charset="0"/>
@@ -9289,7 +9478,7 @@
             <a:pPr marL="0" indent="0">
               <a:buNone/>
             </a:pPr>
-            <a:endParaRPr lang="en-GB" sz="1500" dirty="0">
+            <a:endParaRPr lang="en-GB" sz="1600" dirty="0">
               <a:effectLst/>
               <a:latin typeface="Helvetica" panose="020B0604020202020204" pitchFamily="34" charset="0"/>
               <a:ea typeface="Times New Roman" panose="02020603050405020304" pitchFamily="18" charset="0"/>
@@ -9300,7 +9489,7 @@
             <a:pPr marL="0" indent="0">
               <a:buNone/>
             </a:pPr>
-            <a:endParaRPr lang="en-GB" sz="1500" dirty="0">
+            <a:endParaRPr lang="en-GB" sz="1600" dirty="0">
               <a:latin typeface="Helvetica" panose="020B0604020202020204" pitchFamily="34" charset="0"/>
               <a:ea typeface="Times New Roman" panose="02020603050405020304" pitchFamily="18" charset="0"/>
               <a:cs typeface="Times New Roman" panose="02020603050405020304" pitchFamily="18" charset="0"/>
@@ -9310,7 +9499,7 @@
             <a:pPr marL="0" indent="0">
               <a:buNone/>
             </a:pPr>
-            <a:endParaRPr lang="en-GB" sz="1500" dirty="0">
+            <a:endParaRPr lang="en-GB" sz="1600" dirty="0">
               <a:effectLst/>
               <a:latin typeface="Helvetica" panose="020B0604020202020204" pitchFamily="34" charset="0"/>
               <a:ea typeface="Times New Roman" panose="02020603050405020304" pitchFamily="18" charset="0"/>
@@ -9321,7 +9510,7 @@
             <a:pPr marL="0" indent="0">
               <a:buNone/>
             </a:pPr>
-            <a:endParaRPr lang="en-GB" sz="1500" dirty="0">
+            <a:endParaRPr lang="en-GB" sz="1600" dirty="0">
               <a:latin typeface="Helvetica" panose="020B0604020202020204" pitchFamily="34" charset="0"/>
               <a:ea typeface="Times New Roman" panose="02020603050405020304" pitchFamily="18" charset="0"/>
               <a:cs typeface="Times New Roman" panose="02020603050405020304" pitchFamily="18" charset="0"/>
@@ -9331,8 +9520,7 @@
             <a:pPr marL="0" indent="0">
               <a:buNone/>
             </a:pPr>
-            <a:endParaRPr lang="en-GB" sz="1500" dirty="0">
-              <a:effectLst/>
+            <a:endParaRPr lang="en-GB" sz="4000" dirty="0">
               <a:latin typeface="Helvetica" panose="020B0604020202020204" pitchFamily="34" charset="0"/>
               <a:ea typeface="Times New Roman" panose="02020603050405020304" pitchFamily="18" charset="0"/>
               <a:cs typeface="Times New Roman" panose="02020603050405020304" pitchFamily="18" charset="0"/>
@@ -9342,29 +9530,8 @@
             <a:pPr marL="0" indent="0">
               <a:buNone/>
             </a:pPr>
-            <a:endParaRPr lang="en-GB" sz="1500" dirty="0">
-              <a:latin typeface="Helvetica" panose="020B0604020202020204" pitchFamily="34" charset="0"/>
-              <a:ea typeface="Times New Roman" panose="02020603050405020304" pitchFamily="18" charset="0"/>
-              <a:cs typeface="Times New Roman" panose="02020603050405020304" pitchFamily="18" charset="0"/>
-            </a:endParaRPr>
-          </a:p>
-          <a:p>
-            <a:pPr marL="0" indent="0">
-              <a:buNone/>
-            </a:pPr>
-            <a:endParaRPr lang="en-GB" sz="1500" dirty="0">
-              <a:effectLst/>
-              <a:latin typeface="Helvetica" panose="020B0604020202020204" pitchFamily="34" charset="0"/>
-              <a:ea typeface="Times New Roman" panose="02020603050405020304" pitchFamily="18" charset="0"/>
-              <a:cs typeface="Times New Roman" panose="02020603050405020304" pitchFamily="18" charset="0"/>
-            </a:endParaRPr>
-          </a:p>
-          <a:p>
-            <a:pPr marL="0" indent="0">
-              <a:buNone/>
-            </a:pPr>
-            <a:r>
-              <a:rPr lang="en-GB" sz="1500" dirty="0">
+            <a:r>
+              <a:rPr lang="en-GB" sz="1600" dirty="0">
                 <a:effectLst/>
                 <a:latin typeface="Helvetica" panose="020B0604020202020204" pitchFamily="34" charset="0"/>
                 <a:ea typeface="Times New Roman" panose="02020603050405020304" pitchFamily="18" charset="0"/>
@@ -9372,7 +9539,7 @@
               </a:rPr>
               <a:t>The model itself was built on the equations of motion given some initial conditions. This type of example could have been done in MATLAB too, but this approach was to show you how easy and intuitive the design of a solution can be executed in the Simulink environment.</a:t>
             </a:r>
-            <a:endParaRPr lang="en-ZA" sz="1500" dirty="0">
+            <a:endParaRPr lang="en-ZA" sz="1600" dirty="0">
               <a:effectLst/>
               <a:latin typeface="Helvetica" panose="020B0604020202020204" pitchFamily="34" charset="0"/>
               <a:ea typeface="Times New Roman" panose="02020603050405020304" pitchFamily="18" charset="0"/>
@@ -9499,8 +9666,8 @@
         </p:blipFill>
         <p:spPr>
           <a:xfrm>
-            <a:off x="2188763" y="2593017"/>
-            <a:ext cx="4766474" cy="2988000"/>
+            <a:off x="2340153" y="2675723"/>
+            <a:ext cx="4479339" cy="2808000"/>
           </a:xfrm>
           <a:prstGeom prst="rect">
             <a:avLst/>
@@ -9672,7 +9839,7 @@
               <a:buNone/>
             </a:pPr>
             <a:r>
-              <a:rPr lang="en-GB" sz="1500" dirty="0">
+              <a:rPr lang="en-GB" sz="1600" dirty="0">
                 <a:effectLst/>
                 <a:latin typeface="Helvetica" panose="020B0604020202020204" pitchFamily="34" charset="0"/>
                 <a:ea typeface="Times New Roman" panose="02020603050405020304" pitchFamily="18" charset="0"/>
@@ -9680,7 +9847,7 @@
               </a:rPr>
               <a:t>Click on the Run button, and viewer window will pop up showing the position and velocity of the ball at different points in time in the simulation.</a:t>
             </a:r>
-            <a:endParaRPr lang="en-ZA" sz="1500" dirty="0">
+            <a:endParaRPr lang="en-ZA" sz="1600" dirty="0">
               <a:effectLst/>
               <a:latin typeface="Helvetica" panose="020B0604020202020204" pitchFamily="34" charset="0"/>
               <a:ea typeface="Times New Roman" panose="02020603050405020304" pitchFamily="18" charset="0"/>
@@ -9980,7 +10147,7 @@
               <a:buNone/>
             </a:pPr>
             <a:r>
-              <a:rPr lang="en-GB" sz="1500" dirty="0">
+              <a:rPr lang="en-GB" sz="1600" dirty="0">
                 <a:effectLst/>
                 <a:latin typeface="Helvetica" panose="020B0604020202020204" pitchFamily="34" charset="0"/>
                 <a:ea typeface="Times New Roman" panose="02020603050405020304" pitchFamily="18" charset="0"/>
@@ -9988,7 +10155,7 @@
               </a:rPr>
               <a:t>This week in part 3, we learnt about: </a:t>
             </a:r>
-            <a:endParaRPr lang="en-ZA" sz="1500" dirty="0">
+            <a:endParaRPr lang="en-ZA" sz="1600" dirty="0">
               <a:effectLst/>
               <a:latin typeface="Helvetica" panose="020B0604020202020204" pitchFamily="34" charset="0"/>
               <a:ea typeface="Times New Roman" panose="02020603050405020304" pitchFamily="18" charset="0"/>
@@ -10007,7 +10174,7 @@
               </a:tabLst>
             </a:pPr>
             <a:r>
-              <a:rPr lang="en-GB" sz="1500" dirty="0">
+              <a:rPr lang="en-GB" sz="1600" dirty="0">
                 <a:effectLst/>
                 <a:latin typeface="Helvetica" panose="020B0604020202020204" pitchFamily="34" charset="0"/>
                 <a:ea typeface="Times New Roman" panose="02020603050405020304" pitchFamily="18" charset="0"/>
@@ -10028,7 +10195,7 @@
               </a:tabLst>
             </a:pPr>
             <a:r>
-              <a:rPr lang="en-GB" sz="1500" dirty="0">
+              <a:rPr lang="en-GB" sz="1600" dirty="0">
                 <a:effectLst/>
                 <a:latin typeface="Helvetica" panose="020B0604020202020204" pitchFamily="34" charset="0"/>
                 <a:ea typeface="Times New Roman" panose="02020603050405020304" pitchFamily="18" charset="0"/>
@@ -10036,7 +10203,7 @@
               </a:rPr>
               <a:t>MATLAB and Python </a:t>
             </a:r>
-            <a:endParaRPr lang="en-ZA" sz="1500" dirty="0">
+            <a:endParaRPr lang="en-ZA" sz="1600" dirty="0">
               <a:effectLst/>
               <a:latin typeface="Helvetica" panose="020B0604020202020204" pitchFamily="34" charset="0"/>
               <a:ea typeface="Times New Roman" panose="02020603050405020304" pitchFamily="18" charset="0"/>
@@ -10057,7 +10224,7 @@
               <a:buNone/>
             </a:pPr>
             <a:r>
-              <a:rPr lang="en-GB" sz="1500" dirty="0">
+              <a:rPr lang="en-GB" sz="1600" dirty="0">
                 <a:effectLst/>
                 <a:latin typeface="Helvetica" panose="020B0604020202020204" pitchFamily="34" charset="0"/>
                 <a:ea typeface="Times New Roman" panose="02020603050405020304" pitchFamily="18" charset="0"/>
@@ -10065,7 +10232,7 @@
               </a:rPr>
               <a:t>In the next part of this week's content, we will be demonstrating Beyond Introduction to Programming, covering the following sub-topics: </a:t>
             </a:r>
-            <a:endParaRPr lang="en-ZA" sz="1500" dirty="0">
+            <a:endParaRPr lang="en-ZA" sz="1600" dirty="0">
               <a:effectLst/>
               <a:latin typeface="Helvetica" panose="020B0604020202020204" pitchFamily="34" charset="0"/>
               <a:ea typeface="Times New Roman" panose="02020603050405020304" pitchFamily="18" charset="0"/>
@@ -10081,7 +10248,7 @@
               <a:buChar char=""/>
             </a:pPr>
             <a:r>
-              <a:rPr lang="en-GB" sz="1500" dirty="0">
+              <a:rPr lang="en-GB" sz="1600" dirty="0">
                 <a:effectLst/>
                 <a:latin typeface="Helvetica" panose="020B0604020202020204" pitchFamily="34" charset="0"/>
                 <a:ea typeface="Times New Roman" panose="02020603050405020304" pitchFamily="18" charset="0"/>
@@ -10099,7 +10266,7 @@
               <a:buChar char=""/>
             </a:pPr>
             <a:r>
-              <a:rPr lang="en-GB" sz="1500" dirty="0">
+              <a:rPr lang="en-GB" sz="1600" dirty="0">
                 <a:effectLst/>
                 <a:latin typeface="Helvetica" panose="020B0604020202020204" pitchFamily="34" charset="0"/>
                 <a:ea typeface="Times New Roman" panose="02020603050405020304" pitchFamily="18" charset="0"/>
@@ -10117,7 +10284,7 @@
               <a:buChar char=""/>
             </a:pPr>
             <a:r>
-              <a:rPr lang="en-GB" sz="1500" dirty="0">
+              <a:rPr lang="en-GB" sz="1600" dirty="0">
                 <a:effectLst/>
                 <a:latin typeface="Helvetica" panose="020B0604020202020204" pitchFamily="34" charset="0"/>
                 <a:ea typeface="Times New Roman" panose="02020603050405020304" pitchFamily="18" charset="0"/>
@@ -10125,7 +10292,7 @@
               </a:rPr>
               <a:t>Simulink</a:t>
             </a:r>
-            <a:endParaRPr lang="en-ZA" sz="1500" dirty="0">
+            <a:endParaRPr lang="en-ZA" sz="1600" dirty="0">
               <a:effectLst/>
               <a:latin typeface="Helvetica" panose="020B0604020202020204" pitchFamily="34" charset="0"/>
               <a:ea typeface="Times New Roman" panose="02020603050405020304" pitchFamily="18" charset="0"/>
@@ -11058,7 +11225,7 @@
         </p:spPr>
         <p:txBody>
           <a:bodyPr>
-            <a:normAutofit fontScale="85000" lnSpcReduction="20000"/>
+            <a:normAutofit/>
           </a:bodyPr>
           <a:lstStyle/>
           <a:p>
@@ -11287,150 +11454,6 @@
               <a:t>Documentation: Simulation of a bouncing ball</a:t>
             </a:r>
             <a:endParaRPr lang="en-GB" sz="1800" b="1" i="1" dirty="0">
-              <a:effectLst/>
-              <a:latin typeface="Helvetica" panose="020B0604020202020204" pitchFamily="34" charset="0"/>
-              <a:ea typeface="Times New Roman" panose="02020603050405020304" pitchFamily="18" charset="0"/>
-              <a:cs typeface="Times New Roman" panose="02020603050405020304" pitchFamily="18" charset="0"/>
-            </a:endParaRPr>
-          </a:p>
-          <a:p>
-            <a:pPr marL="0" indent="0">
-              <a:lnSpc>
-                <a:spcPct val="107000"/>
-              </a:lnSpc>
-              <a:spcBef>
-                <a:spcPts val="1050"/>
-              </a:spcBef>
-              <a:spcAft>
-                <a:spcPts val="1050"/>
-              </a:spcAft>
-              <a:buNone/>
-            </a:pPr>
-            <a:endParaRPr lang="en-GB" sz="1800" b="1" i="1" dirty="0">
-              <a:latin typeface="Helvetica" panose="020B0604020202020204" pitchFamily="34" charset="0"/>
-              <a:ea typeface="Times New Roman" panose="02020603050405020304" pitchFamily="18" charset="0"/>
-              <a:cs typeface="Times New Roman" panose="02020603050405020304" pitchFamily="18" charset="0"/>
-            </a:endParaRPr>
-          </a:p>
-          <a:p>
-            <a:pPr marL="0" indent="0">
-              <a:lnSpc>
-                <a:spcPct val="107000"/>
-              </a:lnSpc>
-              <a:spcBef>
-                <a:spcPts val="1050"/>
-              </a:spcBef>
-              <a:spcAft>
-                <a:spcPts val="1050"/>
-              </a:spcAft>
-              <a:buNone/>
-            </a:pPr>
-            <a:endParaRPr lang="en-GB" sz="1800" b="1" i="1" dirty="0">
-              <a:latin typeface="Helvetica" panose="020B0604020202020204" pitchFamily="34" charset="0"/>
-              <a:ea typeface="Times New Roman" panose="02020603050405020304" pitchFamily="18" charset="0"/>
-              <a:cs typeface="Times New Roman" panose="02020603050405020304" pitchFamily="18" charset="0"/>
-            </a:endParaRPr>
-          </a:p>
-          <a:p>
-            <a:pPr marL="0" indent="0">
-              <a:lnSpc>
-                <a:spcPct val="107000"/>
-              </a:lnSpc>
-              <a:spcBef>
-                <a:spcPts val="1050"/>
-              </a:spcBef>
-              <a:spcAft>
-                <a:spcPts val="1050"/>
-              </a:spcAft>
-              <a:buNone/>
-            </a:pPr>
-            <a:endParaRPr lang="en-GB" sz="1800" b="1" i="1" dirty="0">
-              <a:effectLst/>
-              <a:latin typeface="Helvetica" panose="020B0604020202020204" pitchFamily="34" charset="0"/>
-              <a:ea typeface="Times New Roman" panose="02020603050405020304" pitchFamily="18" charset="0"/>
-              <a:cs typeface="Times New Roman" panose="02020603050405020304" pitchFamily="18" charset="0"/>
-            </a:endParaRPr>
-          </a:p>
-          <a:p>
-            <a:pPr marL="0" indent="0">
-              <a:lnSpc>
-                <a:spcPct val="107000"/>
-              </a:lnSpc>
-              <a:spcBef>
-                <a:spcPts val="1050"/>
-              </a:spcBef>
-              <a:spcAft>
-                <a:spcPts val="1050"/>
-              </a:spcAft>
-              <a:buNone/>
-            </a:pPr>
-            <a:endParaRPr lang="en-GB" sz="1800" b="1" i="1" dirty="0">
-              <a:latin typeface="Helvetica" panose="020B0604020202020204" pitchFamily="34" charset="0"/>
-              <a:ea typeface="Times New Roman" panose="02020603050405020304" pitchFamily="18" charset="0"/>
-              <a:cs typeface="Times New Roman" panose="02020603050405020304" pitchFamily="18" charset="0"/>
-            </a:endParaRPr>
-          </a:p>
-          <a:p>
-            <a:pPr marL="0" indent="0">
-              <a:lnSpc>
-                <a:spcPct val="107000"/>
-              </a:lnSpc>
-              <a:spcBef>
-                <a:spcPts val="1050"/>
-              </a:spcBef>
-              <a:spcAft>
-                <a:spcPts val="1050"/>
-              </a:spcAft>
-              <a:buNone/>
-            </a:pPr>
-            <a:endParaRPr lang="en-GB" sz="1800" b="1" i="1" dirty="0">
-              <a:effectLst/>
-              <a:latin typeface="Helvetica" panose="020B0604020202020204" pitchFamily="34" charset="0"/>
-              <a:ea typeface="Times New Roman" panose="02020603050405020304" pitchFamily="18" charset="0"/>
-              <a:cs typeface="Times New Roman" panose="02020603050405020304" pitchFamily="18" charset="0"/>
-            </a:endParaRPr>
-          </a:p>
-          <a:p>
-            <a:pPr marL="0" indent="0">
-              <a:lnSpc>
-                <a:spcPct val="107000"/>
-              </a:lnSpc>
-              <a:spcBef>
-                <a:spcPts val="1050"/>
-              </a:spcBef>
-              <a:spcAft>
-                <a:spcPts val="1050"/>
-              </a:spcAft>
-              <a:buNone/>
-            </a:pPr>
-            <a:r>
-              <a:rPr lang="en-GB" sz="1800" b="1" i="1" dirty="0">
-                <a:effectLst/>
-                <a:latin typeface="Helvetica" panose="020B0604020202020204" pitchFamily="34" charset="0"/>
-                <a:ea typeface="Times New Roman" panose="02020603050405020304" pitchFamily="18" charset="0"/>
-                <a:cs typeface="Times New Roman" panose="02020603050405020304" pitchFamily="18" charset="0"/>
-              </a:rPr>
-              <a:t>Copyright 2022 The MathWorks, Inc. &amp; Opti-</a:t>
-            </a:r>
-            <a:r>
-              <a:rPr lang="en-GB" sz="1800" b="1" i="1" dirty="0" err="1">
-                <a:effectLst/>
-                <a:latin typeface="Helvetica" panose="020B0604020202020204" pitchFamily="34" charset="0"/>
-                <a:ea typeface="Times New Roman" panose="02020603050405020304" pitchFamily="18" charset="0"/>
-                <a:cs typeface="Times New Roman" panose="02020603050405020304" pitchFamily="18" charset="0"/>
-              </a:rPr>
-              <a:t>Num</a:t>
-            </a:r>
-            <a:r>
-              <a:rPr lang="en-GB" sz="1800" b="1" i="1" dirty="0">
-                <a:effectLst/>
-                <a:latin typeface="Helvetica" panose="020B0604020202020204" pitchFamily="34" charset="0"/>
-                <a:ea typeface="Times New Roman" panose="02020603050405020304" pitchFamily="18" charset="0"/>
-                <a:cs typeface="Times New Roman" panose="02020603050405020304" pitchFamily="18" charset="0"/>
-              </a:rPr>
-              <a:t> Solutions (Pty) Ltd. </a:t>
-            </a:r>
-            <a:endParaRPr lang="en-ZA" sz="1800" dirty="0">
               <a:effectLst/>
               <a:latin typeface="Helvetica" panose="020B0604020202020204" pitchFamily="34" charset="0"/>
               <a:ea typeface="Times New Roman" panose="02020603050405020304" pitchFamily="18" charset="0"/>
@@ -11716,34 +11739,184 @@
               <a:buNone/>
             </a:pPr>
             <a:r>
-              <a:rPr lang="en-ZA" sz="1600">
-                <a:effectLst/>
-                <a:latin typeface="Helvetica" panose="020B0604020202020204" pitchFamily="34" charset="0"/>
-                <a:ea typeface="Times New Roman" panose="02020603050405020304" pitchFamily="18" charset="0"/>
-                <a:cs typeface="Times New Roman" panose="02020603050405020304" pitchFamily="18" charset="0"/>
-                <a:hlinkClick r:id="rId2"/>
-              </a:rPr>
-              <a:t>Week_6_Part_3_Beyond_Introduction_to_Programming_Solution.</a:t>
-            </a:r>
-            <a:r>
               <a:rPr lang="en-ZA" sz="1600" dirty="0">
                 <a:effectLst/>
                 <a:latin typeface="Helvetica" panose="020B0604020202020204" pitchFamily="34" charset="0"/>
                 <a:ea typeface="Times New Roman" panose="02020603050405020304" pitchFamily="18" charset="0"/>
                 <a:cs typeface="Times New Roman" panose="02020603050405020304" pitchFamily="18" charset="0"/>
-                <a:hlinkClick r:id="rId2"/>
-              </a:rPr>
-              <a:t>mlx</a:t>
-            </a:r>
-            <a:endParaRPr kumimoji="0" lang="en-ZA" altLang="en-US" sz="1600" b="0" i="0" u="none" strike="noStrike" cap="none" normalizeH="0" baseline="0" dirty="0">
-              <a:ln>
-                <a:noFill/>
-              </a:ln>
-              <a:solidFill>
-                <a:schemeClr val="tx1"/>
-              </a:solidFill>
+                <a:hlinkClick r:id="rId2" action="ppaction://hlinkfile"/>
+              </a:rPr>
+              <a:t>Week_6_Part_3_Beyond_Introduction_to_Programming_Solution.mlx</a:t>
+            </a:r>
+            <a:endParaRPr lang="en-ZA" sz="1600" dirty="0">
               <a:effectLst/>
-              <a:latin typeface="Arial" panose="020B0604020202020204" pitchFamily="34" charset="0"/>
+              <a:latin typeface="Helvetica" panose="020B0604020202020204" pitchFamily="34" charset="0"/>
+              <a:ea typeface="Times New Roman" panose="02020603050405020304" pitchFamily="18" charset="0"/>
+              <a:cs typeface="Times New Roman" panose="02020603050405020304" pitchFamily="18" charset="0"/>
+            </a:endParaRPr>
+          </a:p>
+          <a:p>
+            <a:pPr marL="0" indent="0">
+              <a:lnSpc>
+                <a:spcPct val="107000"/>
+              </a:lnSpc>
+              <a:spcBef>
+                <a:spcPts val="1050"/>
+              </a:spcBef>
+              <a:spcAft>
+                <a:spcPts val="1050"/>
+              </a:spcAft>
+              <a:buNone/>
+            </a:pPr>
+            <a:endParaRPr lang="en-GB" sz="1600" b="1" i="1" dirty="0">
+              <a:latin typeface="Helvetica" panose="020B0604020202020204" pitchFamily="34" charset="0"/>
+              <a:ea typeface="Times New Roman" panose="02020603050405020304" pitchFamily="18" charset="0"/>
+              <a:cs typeface="Times New Roman" panose="02020603050405020304" pitchFamily="18" charset="0"/>
+            </a:endParaRPr>
+          </a:p>
+          <a:p>
+            <a:pPr marL="0" indent="0">
+              <a:lnSpc>
+                <a:spcPct val="107000"/>
+              </a:lnSpc>
+              <a:spcBef>
+                <a:spcPts val="1050"/>
+              </a:spcBef>
+              <a:spcAft>
+                <a:spcPts val="1050"/>
+              </a:spcAft>
+              <a:buNone/>
+            </a:pPr>
+            <a:endParaRPr lang="en-GB" sz="1600" b="1" i="1" dirty="0">
+              <a:latin typeface="Helvetica" panose="020B0604020202020204" pitchFamily="34" charset="0"/>
+              <a:ea typeface="Times New Roman" panose="02020603050405020304" pitchFamily="18" charset="0"/>
+              <a:cs typeface="Times New Roman" panose="02020603050405020304" pitchFamily="18" charset="0"/>
+            </a:endParaRPr>
+          </a:p>
+          <a:p>
+            <a:pPr marL="0" indent="0">
+              <a:lnSpc>
+                <a:spcPct val="107000"/>
+              </a:lnSpc>
+              <a:spcBef>
+                <a:spcPts val="1050"/>
+              </a:spcBef>
+              <a:spcAft>
+                <a:spcPts val="1050"/>
+              </a:spcAft>
+              <a:buNone/>
+            </a:pPr>
+            <a:endParaRPr lang="en-GB" sz="1600" b="1" i="1" dirty="0">
+              <a:effectLst/>
+              <a:latin typeface="Helvetica" panose="020B0604020202020204" pitchFamily="34" charset="0"/>
+              <a:ea typeface="Times New Roman" panose="02020603050405020304" pitchFamily="18" charset="0"/>
+              <a:cs typeface="Times New Roman" panose="02020603050405020304" pitchFamily="18" charset="0"/>
+            </a:endParaRPr>
+          </a:p>
+          <a:p>
+            <a:pPr marL="0" indent="0">
+              <a:lnSpc>
+                <a:spcPct val="107000"/>
+              </a:lnSpc>
+              <a:spcBef>
+                <a:spcPts val="1050"/>
+              </a:spcBef>
+              <a:spcAft>
+                <a:spcPts val="1050"/>
+              </a:spcAft>
+              <a:buNone/>
+            </a:pPr>
+            <a:endParaRPr lang="en-GB" sz="1600" b="1" i="1" dirty="0">
+              <a:latin typeface="Helvetica" panose="020B0604020202020204" pitchFamily="34" charset="0"/>
+              <a:ea typeface="Times New Roman" panose="02020603050405020304" pitchFamily="18" charset="0"/>
+              <a:cs typeface="Times New Roman" panose="02020603050405020304" pitchFamily="18" charset="0"/>
+            </a:endParaRPr>
+          </a:p>
+          <a:p>
+            <a:pPr marL="0" indent="0">
+              <a:lnSpc>
+                <a:spcPct val="107000"/>
+              </a:lnSpc>
+              <a:spcBef>
+                <a:spcPts val="1050"/>
+              </a:spcBef>
+              <a:spcAft>
+                <a:spcPts val="1050"/>
+              </a:spcAft>
+              <a:buNone/>
+            </a:pPr>
+            <a:endParaRPr lang="en-GB" sz="1600" b="1" i="1">
+              <a:effectLst/>
+              <a:latin typeface="Helvetica" panose="020B0604020202020204" pitchFamily="34" charset="0"/>
+              <a:ea typeface="Times New Roman" panose="02020603050405020304" pitchFamily="18" charset="0"/>
+              <a:cs typeface="Times New Roman" panose="02020603050405020304" pitchFamily="18" charset="0"/>
+            </a:endParaRPr>
+          </a:p>
+          <a:p>
+            <a:pPr marL="0" indent="0">
+              <a:lnSpc>
+                <a:spcPct val="107000"/>
+              </a:lnSpc>
+              <a:spcBef>
+                <a:spcPts val="1050"/>
+              </a:spcBef>
+              <a:spcAft>
+                <a:spcPts val="1050"/>
+              </a:spcAft>
+              <a:buNone/>
+            </a:pPr>
+            <a:endParaRPr lang="en-GB" sz="1600" b="1" i="1" dirty="0">
+              <a:effectLst/>
+              <a:latin typeface="Helvetica" panose="020B0604020202020204" pitchFamily="34" charset="0"/>
+              <a:ea typeface="Times New Roman" panose="02020603050405020304" pitchFamily="18" charset="0"/>
+              <a:cs typeface="Times New Roman" panose="02020603050405020304" pitchFamily="18" charset="0"/>
+            </a:endParaRPr>
+          </a:p>
+          <a:p>
+            <a:pPr marL="0" indent="0">
+              <a:lnSpc>
+                <a:spcPct val="107000"/>
+              </a:lnSpc>
+              <a:spcBef>
+                <a:spcPts val="1050"/>
+              </a:spcBef>
+              <a:spcAft>
+                <a:spcPts val="1050"/>
+              </a:spcAft>
+              <a:buNone/>
+            </a:pPr>
+            <a:r>
+              <a:rPr lang="en-GB" sz="1600" b="1" i="1" dirty="0">
+                <a:effectLst/>
+                <a:latin typeface="Helvetica" panose="020B0604020202020204" pitchFamily="34" charset="0"/>
+                <a:ea typeface="Times New Roman" panose="02020603050405020304" pitchFamily="18" charset="0"/>
+                <a:cs typeface="Times New Roman" panose="02020603050405020304" pitchFamily="18" charset="0"/>
+              </a:rPr>
+              <a:t>Copyright 2022 The MathWorks, Inc. &amp; Opti-</a:t>
+            </a:r>
+            <a:r>
+              <a:rPr lang="en-GB" sz="1600" b="1" i="1" dirty="0" err="1">
+                <a:effectLst/>
+                <a:latin typeface="Helvetica" panose="020B0604020202020204" pitchFamily="34" charset="0"/>
+                <a:ea typeface="Times New Roman" panose="02020603050405020304" pitchFamily="18" charset="0"/>
+                <a:cs typeface="Times New Roman" panose="02020603050405020304" pitchFamily="18" charset="0"/>
+              </a:rPr>
+              <a:t>Num</a:t>
+            </a:r>
+            <a:r>
+              <a:rPr lang="en-GB" sz="1600" b="1" i="1" dirty="0">
+                <a:effectLst/>
+                <a:latin typeface="Helvetica" panose="020B0604020202020204" pitchFamily="34" charset="0"/>
+                <a:ea typeface="Times New Roman" panose="02020603050405020304" pitchFamily="18" charset="0"/>
+                <a:cs typeface="Times New Roman" panose="02020603050405020304" pitchFamily="18" charset="0"/>
+              </a:rPr>
+              <a:t> Solutions (Pty) Ltd. </a:t>
+            </a:r>
+            <a:endParaRPr lang="en-ZA" sz="1600" dirty="0">
+              <a:effectLst/>
+              <a:latin typeface="Helvetica" panose="020B0604020202020204" pitchFamily="34" charset="0"/>
+              <a:ea typeface="Times New Roman" panose="02020603050405020304" pitchFamily="18" charset="0"/>
+              <a:cs typeface="Times New Roman" panose="02020603050405020304" pitchFamily="18" charset="0"/>
             </a:endParaRPr>
           </a:p>
         </p:txBody>
@@ -12003,7 +12176,7 @@
               <a:buNone/>
             </a:pPr>
             <a:r>
-              <a:rPr lang="en-GB" sz="1800" dirty="0">
+              <a:rPr lang="en-GB" sz="1600" dirty="0">
                 <a:effectLst/>
                 <a:latin typeface="Helvetica" panose="020B0604020202020204" pitchFamily="34" charset="0"/>
                 <a:ea typeface="Times New Roman" panose="02020603050405020304" pitchFamily="18" charset="0"/>
@@ -12011,7 +12184,7 @@
               </a:rPr>
               <a:t>This week in part 2, we learnt about: </a:t>
             </a:r>
-            <a:endParaRPr lang="en-ZA" sz="1800" dirty="0">
+            <a:endParaRPr lang="en-ZA" sz="1600" dirty="0">
               <a:effectLst/>
               <a:latin typeface="Helvetica" panose="020B0604020202020204" pitchFamily="34" charset="0"/>
               <a:ea typeface="Times New Roman" panose="02020603050405020304" pitchFamily="18" charset="0"/>
@@ -12030,7 +12203,7 @@
               </a:tabLst>
             </a:pPr>
             <a:r>
-              <a:rPr lang="en-ZA" sz="1800" dirty="0">
+              <a:rPr lang="en-ZA" sz="1600" dirty="0">
                 <a:effectLst/>
                 <a:latin typeface="Helvetica" panose="020B0604020202020204" pitchFamily="34" charset="0"/>
                 <a:ea typeface="Times New Roman" panose="02020603050405020304" pitchFamily="18" charset="0"/>
@@ -12051,7 +12224,7 @@
               </a:tabLst>
             </a:pPr>
             <a:r>
-              <a:rPr lang="en-ZA" sz="1800" dirty="0">
+              <a:rPr lang="en-ZA" sz="1600" dirty="0">
                 <a:effectLst/>
                 <a:latin typeface="Helvetica" panose="020B0604020202020204" pitchFamily="34" charset="0"/>
                 <a:ea typeface="Times New Roman" panose="02020603050405020304" pitchFamily="18" charset="0"/>
@@ -12074,7 +12247,7 @@
               <a:buNone/>
             </a:pPr>
             <a:r>
-              <a:rPr lang="en-GB" sz="1800" dirty="0">
+              <a:rPr lang="en-GB" sz="1600" dirty="0">
                 <a:effectLst/>
                 <a:latin typeface="Helvetica" panose="020B0604020202020204" pitchFamily="34" charset="0"/>
                 <a:ea typeface="Times New Roman" panose="02020603050405020304" pitchFamily="18" charset="0"/>
@@ -12082,7 +12255,7 @@
               </a:rPr>
               <a:t>In the next part of this week's content, we will be demonstrating Beyond Introduction to Programming, covering the following sub-topics:</a:t>
             </a:r>
-            <a:endParaRPr lang="en-ZA" sz="1800" dirty="0">
+            <a:endParaRPr lang="en-ZA" sz="1600" dirty="0">
               <a:effectLst/>
               <a:latin typeface="Helvetica" panose="020B0604020202020204" pitchFamily="34" charset="0"/>
               <a:ea typeface="Times New Roman" panose="02020603050405020304" pitchFamily="18" charset="0"/>
@@ -12098,7 +12271,7 @@
               <a:buChar char=""/>
             </a:pPr>
             <a:r>
-              <a:rPr lang="en-ZA" sz="1800" dirty="0">
+              <a:rPr lang="en-ZA" sz="1600" dirty="0">
                 <a:effectLst/>
                 <a:latin typeface="Helvetica" panose="020B0604020202020204" pitchFamily="34" charset="0"/>
                 <a:ea typeface="Times New Roman" panose="02020603050405020304" pitchFamily="18" charset="0"/>
@@ -12116,7 +12289,7 @@
               <a:buChar char=""/>
             </a:pPr>
             <a:r>
-              <a:rPr lang="en-ZA" sz="1800" dirty="0">
+              <a:rPr lang="en-ZA" sz="1600" dirty="0">
                 <a:effectLst/>
                 <a:latin typeface="Helvetica" panose="020B0604020202020204" pitchFamily="34" charset="0"/>
                 <a:ea typeface="Times New Roman" panose="02020603050405020304" pitchFamily="18" charset="0"/>
@@ -12134,7 +12307,7 @@
               <a:buChar char=""/>
             </a:pPr>
             <a:r>
-              <a:rPr lang="en-ZA" sz="1800" dirty="0" err="1">
+              <a:rPr lang="en-ZA" sz="1600" dirty="0" err="1">
                 <a:effectLst/>
                 <a:latin typeface="Helvetica" panose="020B0604020202020204" pitchFamily="34" charset="0"/>
                 <a:ea typeface="Times New Roman" panose="02020603050405020304" pitchFamily="18" charset="0"/>
@@ -12143,7 +12316,7 @@
               <a:t>SimulinkMATLAB</a:t>
             </a:r>
             <a:r>
-              <a:rPr lang="en-ZA" sz="1800" dirty="0">
+              <a:rPr lang="en-ZA" sz="1600" dirty="0">
                 <a:effectLst/>
                 <a:latin typeface="Helvetica" panose="020B0604020202020204" pitchFamily="34" charset="0"/>
                 <a:ea typeface="Times New Roman" panose="02020603050405020304" pitchFamily="18" charset="0"/>
@@ -12409,7 +12582,7 @@
               <a:buNone/>
             </a:pPr>
             <a:r>
-              <a:rPr lang="en-GB" sz="1800" dirty="0">
+              <a:rPr lang="en-GB" sz="1600" dirty="0">
                 <a:effectLst/>
                 <a:latin typeface="Helvetica" panose="020B0604020202020204" pitchFamily="34" charset="0"/>
                 <a:ea typeface="Times New Roman" panose="02020603050405020304" pitchFamily="18" charset="0"/>
@@ -12417,7 +12590,7 @@
               </a:rPr>
               <a:t>In this course, we only scrapped the surface of the programming you will likely encounter in the future. It was built with the intention to supply you with a good starting point, and to show you that you too can be programmer. This last section is dedicated to introducing you three other approaches to programming that you may encounter some time in your future.</a:t>
             </a:r>
-            <a:endParaRPr lang="en-ZA" sz="1800" dirty="0">
+            <a:endParaRPr lang="en-ZA" sz="1600" dirty="0">
               <a:effectLst/>
               <a:latin typeface="Helvetica" panose="020B0604020202020204" pitchFamily="34" charset="0"/>
               <a:ea typeface="Times New Roman" panose="02020603050405020304" pitchFamily="18" charset="0"/>
@@ -12600,7 +12773,7 @@
         </p:nvSpPr>
         <p:spPr>
           <a:xfrm>
-            <a:off x="462013" y="4991996"/>
+            <a:off x="462013" y="4174871"/>
             <a:ext cx="8229600" cy="360000"/>
           </a:xfrm>
           <a:prstGeom prst="rect">
@@ -12658,7 +12831,7 @@
         </p:nvSpPr>
         <p:spPr>
           <a:xfrm>
-            <a:off x="462013" y="3629921"/>
+            <a:off x="462013" y="3172724"/>
             <a:ext cx="8229600" cy="360000"/>
           </a:xfrm>
           <a:prstGeom prst="rect">
@@ -12756,8 +12929,8 @@
           </a:p>
         </p:txBody>
       </p:sp>
-      <mc:AlternateContent xmlns:mc="http://schemas.openxmlformats.org/markup-compatibility/2006" xmlns:a14="http://schemas.microsoft.com/office/drawing/2010/main">
-        <mc:Choice Requires="a14">
+      <mc:AlternateContent xmlns:mc="http://schemas.openxmlformats.org/markup-compatibility/2006">
+        <mc:Choice xmlns:a14="http://schemas.microsoft.com/office/drawing/2010/main" Requires="a14">
           <p:sp>
             <p:nvSpPr>
               <p:cNvPr id="3" name="Content Placeholder 2">
@@ -12790,7 +12963,7 @@
                   <a:buNone/>
                 </a:pPr>
                 <a:r>
-                  <a:rPr lang="en-GB" sz="1800" dirty="0">
+                  <a:rPr lang="en-GB" sz="1600" dirty="0">
                     <a:effectLst/>
                     <a:latin typeface="Helvetica" panose="020B0604020202020204" pitchFamily="34" charset="0"/>
                     <a:ea typeface="Times New Roman" panose="02020603050405020304" pitchFamily="18" charset="0"/>
@@ -12799,7 +12972,7 @@
                   <a:t>The </a:t>
                 </a:r>
                 <a:r>
-                  <a:rPr lang="en-GB" sz="1800" dirty="0">
+                  <a:rPr lang="en-GB" sz="1600" dirty="0">
                     <a:solidFill>
                       <a:srgbClr val="005FCE"/>
                     </a:solidFill>
@@ -12812,7 +12985,7 @@
                   <a:t>Symbolic Math Toolbox™</a:t>
                 </a:r>
                 <a:r>
-                  <a:rPr lang="en-GB" sz="1800" dirty="0">
+                  <a:rPr lang="en-GB" sz="1600" dirty="0">
                     <a:effectLst/>
                     <a:latin typeface="Helvetica" panose="020B0604020202020204" pitchFamily="34" charset="0"/>
                     <a:ea typeface="Times New Roman" panose="02020603050405020304" pitchFamily="18" charset="0"/>
@@ -12821,7 +12994,7 @@
                   <a:t> has been designed to assist a user with algebraic computation (algorithms and software for manipulating mathematical expressions and other mathematical objects). For example, you can learn concepts from calculus and applied mathematics using this type of computation. Let us consider an example that shows introductory functions like </a:t>
                 </a:r>
                 <a:r>
-                  <a:rPr lang="en-GB" sz="1800" dirty="0" err="1">
+                  <a:rPr lang="en-GB" sz="1600" dirty="0" err="1">
                     <a:effectLst/>
                     <a:latin typeface="Consolas" panose="020B0609020204030204" pitchFamily="49" charset="0"/>
                     <a:ea typeface="Times New Roman" panose="02020603050405020304" pitchFamily="18" charset="0"/>
@@ -12830,7 +13003,7 @@
                   <a:t>fplot</a:t>
                 </a:r>
                 <a:r>
-                  <a:rPr lang="en-GB" sz="1800" dirty="0">
+                  <a:rPr lang="en-GB" sz="1600" dirty="0">
                     <a:effectLst/>
                     <a:latin typeface="Helvetica" panose="020B0604020202020204" pitchFamily="34" charset="0"/>
                     <a:ea typeface="Times New Roman" panose="02020603050405020304" pitchFamily="18" charset="0"/>
@@ -12839,7 +13012,7 @@
                   <a:t> and </a:t>
                 </a:r>
                 <a:r>
-                  <a:rPr lang="en-GB" sz="1800" dirty="0">
+                  <a:rPr lang="en-GB" sz="1600" dirty="0">
                     <a:effectLst/>
                     <a:latin typeface="Consolas" panose="020B0609020204030204" pitchFamily="49" charset="0"/>
                     <a:ea typeface="Times New Roman" panose="02020603050405020304" pitchFamily="18" charset="0"/>
@@ -12848,7 +13021,7 @@
                   <a:t>diff</a:t>
                 </a:r>
                 <a:r>
-                  <a:rPr lang="en-GB" sz="1800" dirty="0">
+                  <a:rPr lang="en-GB" sz="1600" dirty="0">
                     <a:effectLst/>
                     <a:latin typeface="Helvetica" panose="020B0604020202020204" pitchFamily="34" charset="0"/>
                     <a:ea typeface="Times New Roman" panose="02020603050405020304" pitchFamily="18" charset="0"/>
@@ -12861,7 +13034,7 @@
                 <a:pPr marL="0" indent="0" algn="just">
                   <a:buNone/>
                 </a:pPr>
-                <a:endParaRPr lang="en-GB" sz="1800" dirty="0">
+                <a:endParaRPr lang="en-GB" sz="1600" dirty="0">
                   <a:effectLst/>
                   <a:latin typeface="Helvetica" panose="020B0604020202020204" pitchFamily="34" charset="0"/>
                   <a:ea typeface="Times New Roman" panose="02020603050405020304" pitchFamily="18" charset="0"/>
@@ -12873,7 +13046,7 @@
                   <a:buNone/>
                 </a:pPr>
                 <a:r>
-                  <a:rPr lang="en-GB" sz="1800" dirty="0">
+                  <a:rPr lang="en-GB" sz="1600" dirty="0">
                     <a:effectLst/>
                     <a:latin typeface="Helvetica" panose="020B0604020202020204" pitchFamily="34" charset="0"/>
                     <a:ea typeface="Times New Roman" panose="02020603050405020304" pitchFamily="18" charset="0"/>
@@ -12882,7 +13055,7 @@
                   <a:t>To manipulate a symbolic variable, create an object of type </a:t>
                 </a:r>
                 <a:r>
-                  <a:rPr lang="en-GB" sz="1800" dirty="0" err="1">
+                  <a:rPr lang="en-GB" sz="1600" dirty="0" err="1">
                     <a:effectLst/>
                     <a:latin typeface="Consolas" panose="020B0609020204030204" pitchFamily="49" charset="0"/>
                     <a:ea typeface="Times New Roman" panose="02020603050405020304" pitchFamily="18" charset="0"/>
@@ -12891,7 +13064,7 @@
                   <a:t>syms</a:t>
                 </a:r>
                 <a:r>
-                  <a:rPr lang="en-GB" sz="1800" dirty="0">
+                  <a:rPr lang="en-GB" sz="1600" dirty="0">
                     <a:effectLst/>
                     <a:latin typeface="Helvetica" panose="020B0604020202020204" pitchFamily="34" charset="0"/>
                     <a:ea typeface="Times New Roman" panose="02020603050405020304" pitchFamily="18" charset="0"/>
@@ -12908,7 +13081,7 @@
                   </a:tabLst>
                 </a:pPr>
                 <a:r>
-                  <a:rPr lang="en-GB" sz="1800" dirty="0">
+                  <a:rPr lang="en-GB" sz="1600" dirty="0">
                     <a:solidFill>
                       <a:srgbClr val="000000"/>
                     </a:solidFill>
@@ -12920,7 +13093,7 @@
                   <a:t>	</a:t>
                 </a:r>
                 <a:r>
-                  <a:rPr lang="en-GB" sz="1800" dirty="0" err="1">
+                  <a:rPr lang="en-GB" sz="1600" dirty="0" err="1">
                     <a:solidFill>
                       <a:srgbClr val="000000"/>
                     </a:solidFill>
@@ -12932,7 +13105,7 @@
                   <a:t>syms</a:t>
                 </a:r>
                 <a:r>
-                  <a:rPr lang="en-GB" sz="1800" dirty="0">
+                  <a:rPr lang="en-GB" sz="1600" dirty="0">
                     <a:solidFill>
                       <a:srgbClr val="000000"/>
                     </a:solidFill>
@@ -12944,7 +13117,7 @@
                   <a:t> </a:t>
                 </a:r>
                 <a:r>
-                  <a:rPr lang="en-GB" sz="1800" dirty="0">
+                  <a:rPr lang="en-GB" sz="1600" dirty="0">
                     <a:solidFill>
                       <a:srgbClr val="A709F5"/>
                     </a:solidFill>
@@ -12963,7 +13136,7 @@
                     <a:tab pos="266700" algn="l"/>
                   </a:tabLst>
                 </a:pPr>
-                <a:endParaRPr lang="en-ZA" sz="1800" dirty="0">
+                <a:endParaRPr lang="en-ZA" sz="1600" dirty="0">
                   <a:effectLst/>
                   <a:latin typeface="Consolas" panose="020B0609020204030204" pitchFamily="49" charset="0"/>
                   <a:ea typeface="Times New Roman" panose="02020603050405020304" pitchFamily="18" charset="0"/>
@@ -12975,7 +13148,7 @@
                   <a:buNone/>
                 </a:pPr>
                 <a:r>
-                  <a:rPr lang="en-GB" sz="1800" dirty="0">
+                  <a:rPr lang="en-GB" sz="1600" dirty="0">
                     <a:effectLst/>
                     <a:latin typeface="Helvetica" panose="020B0604020202020204" pitchFamily="34" charset="0"/>
                     <a:ea typeface="Times New Roman" panose="02020603050405020304" pitchFamily="18" charset="0"/>
@@ -12984,7 +13157,7 @@
                   <a:t>Once a symbolic variable is defined, you can build and visualize functions with </a:t>
                 </a:r>
                 <a:r>
-                  <a:rPr lang="en-GB" sz="1800" dirty="0" err="1">
+                  <a:rPr lang="en-GB" sz="1600" dirty="0" err="1">
                     <a:effectLst/>
                     <a:latin typeface="Consolas" panose="020B0609020204030204" pitchFamily="49" charset="0"/>
                     <a:ea typeface="Times New Roman" panose="02020603050405020304" pitchFamily="18" charset="0"/>
@@ -12993,7 +13166,7 @@
                   <a:t>fplot</a:t>
                 </a:r>
                 <a:r>
-                  <a:rPr lang="en-GB" sz="1800" dirty="0">
+                  <a:rPr lang="en-GB" sz="1600" dirty="0">
                     <a:effectLst/>
                     <a:latin typeface="Helvetica" panose="020B0604020202020204" pitchFamily="34" charset="0"/>
                     <a:ea typeface="Times New Roman" panose="02020603050405020304" pitchFamily="18" charset="0"/>
@@ -13010,7 +13183,7 @@
                   </a:tabLst>
                 </a:pPr>
                 <a:r>
-                  <a:rPr lang="en-GB" sz="1800" dirty="0">
+                  <a:rPr lang="en-GB" sz="1600" dirty="0">
                     <a:effectLst/>
                     <a:latin typeface="Helvetica" panose="020B0604020202020204" pitchFamily="34" charset="0"/>
                     <a:ea typeface="Times New Roman" panose="02020603050405020304" pitchFamily="18" charset="0"/>
@@ -13019,7 +13192,7 @@
                   <a:t>	</a:t>
                 </a:r>
                 <a:r>
-                  <a:rPr lang="en-GB" sz="1800" dirty="0">
+                  <a:rPr lang="en-GB" sz="1600" dirty="0">
                     <a:effectLst/>
                     <a:latin typeface="Consolas" panose="020B0609020204030204" pitchFamily="49" charset="0"/>
                     <a:ea typeface="Times New Roman" panose="02020603050405020304" pitchFamily="18" charset="0"/>
@@ -13032,7 +13205,7 @@
                 <a:pPr marL="0" indent="0" algn="just">
                   <a:buNone/>
                 </a:pPr>
-                <a:endParaRPr lang="en-GB" sz="1800" dirty="0">
+                <a:endParaRPr lang="en-GB" sz="1600" dirty="0">
                   <a:effectLst/>
                   <a:latin typeface="Helvetica" panose="020B0604020202020204" pitchFamily="34" charset="0"/>
                   <a:ea typeface="Times New Roman" panose="02020603050405020304" pitchFamily="18" charset="0"/>
@@ -13047,7 +13220,7 @@
                   </a:tabLst>
                 </a:pPr>
                 <a:r>
-                  <a:rPr lang="en-GB" sz="1800" dirty="0">
+                  <a:rPr lang="en-GB" sz="1600" dirty="0">
                     <a:solidFill>
                       <a:srgbClr val="404040"/>
                     </a:solidFill>
@@ -13059,7 +13232,7 @@
                   <a:t>	f(x) = </a:t>
                 </a:r>
                 <a:r>
-                  <a:rPr lang="en-GB" sz="1800" dirty="0">
+                  <a:rPr lang="en-GB" sz="1600" dirty="0">
                     <a:solidFill>
                       <a:srgbClr val="404040"/>
                     </a:solidFill>
@@ -13073,7 +13246,7 @@
                     <m:f>
                       <m:fPr>
                         <m:ctrlPr>
-                          <a:rPr lang="en-GB" sz="1800" i="1" dirty="0" smtClean="0">
+                          <a:rPr lang="en-GB" sz="1600" i="1" dirty="0" smtClean="0">
                             <a:solidFill>
                               <a:srgbClr val="404040"/>
                             </a:solidFill>
@@ -13085,7 +13258,7 @@
                       </m:fPr>
                       <m:num>
                         <m:r>
-                          <a:rPr lang="en-ZA" sz="1800" b="0" i="1" dirty="0" smtClean="0">
+                          <a:rPr lang="en-ZA" sz="1600" b="0" i="1" dirty="0" smtClean="0">
                             <a:solidFill>
                               <a:srgbClr val="404040"/>
                             </a:solidFill>
@@ -13098,7 +13271,7 @@
                       </m:num>
                       <m:den>
                         <m:r>
-                          <a:rPr lang="en-ZA" sz="1800" i="1" dirty="0">
+                          <a:rPr lang="en-ZA" sz="1600" i="1" dirty="0">
                             <a:solidFill>
                               <a:srgbClr val="404040"/>
                             </a:solidFill>
@@ -13110,7 +13283,7 @@
                         <m:func>
                           <m:funcPr>
                             <m:ctrlPr>
-                              <a:rPr lang="en-ZA" sz="1800" i="1" dirty="0">
+                              <a:rPr lang="en-ZA" sz="1600" i="1" dirty="0">
                                 <a:solidFill>
                                   <a:srgbClr val="404040"/>
                                 </a:solidFill>
@@ -13124,7 +13297,7 @@
                               <m:rPr>
                                 <m:sty m:val="p"/>
                               </m:rPr>
-                              <a:rPr lang="en-ZA" sz="1800" dirty="0">
+                              <a:rPr lang="en-ZA" sz="1600" dirty="0">
                                 <a:solidFill>
                                   <a:srgbClr val="404040"/>
                                 </a:solidFill>
@@ -13138,7 +13311,7 @@
                             <m:d>
                               <m:dPr>
                                 <m:ctrlPr>
-                                  <a:rPr lang="en-ZA" sz="1800" i="1" dirty="0">
+                                  <a:rPr lang="en-ZA" sz="1600" i="1" dirty="0">
                                     <a:solidFill>
                                       <a:srgbClr val="404040"/>
                                     </a:solidFill>
@@ -13149,7 +13322,7 @@
                               </m:dPr>
                               <m:e>
                                 <m:r>
-                                  <a:rPr lang="en-ZA" sz="1800" i="1" dirty="0">
+                                  <a:rPr lang="en-ZA" sz="1600" i="1" dirty="0">
                                     <a:solidFill>
                                       <a:srgbClr val="404040"/>
                                     </a:solidFill>
@@ -13161,7 +13334,7 @@
                               </m:e>
                             </m:d>
                             <m:r>
-                              <a:rPr lang="en-ZA" sz="1800" i="1" dirty="0">
+                              <a:rPr lang="en-ZA" sz="1600" i="1" dirty="0">
                                 <a:solidFill>
                                   <a:srgbClr val="404040"/>
                                 </a:solidFill>
@@ -13176,7 +13349,7 @@
                     </m:f>
                   </m:oMath>
                 </a14:m>
-                <a:endParaRPr lang="en-GB" sz="1800" dirty="0">
+                <a:endParaRPr lang="en-GB" sz="1600" dirty="0">
                   <a:solidFill>
                     <a:srgbClr val="404040"/>
                   </a:solidFill>
@@ -13189,7 +13362,7 @@
                 <a:pPr marL="0" indent="0" algn="just">
                   <a:buNone/>
                 </a:pPr>
-                <a:endParaRPr lang="en-GB" sz="1800" dirty="0">
+                <a:endParaRPr lang="en-GB" sz="1600" dirty="0">
                   <a:latin typeface="Helvetica" panose="020B0604020202020204" pitchFamily="34" charset="0"/>
                   <a:ea typeface="Times New Roman" panose="02020603050405020304" pitchFamily="18" charset="0"/>
                   <a:cs typeface="Times New Roman" panose="02020603050405020304" pitchFamily="18" charset="0"/>
@@ -13198,7 +13371,7 @@
             </p:txBody>
           </p:sp>
         </mc:Choice>
-        <mc:Fallback xmlns="">
+        <mc:Fallback>
           <p:sp>
             <p:nvSpPr>
               <p:cNvPr id="3" name="Content Placeholder 2">
@@ -13223,7 +13396,7 @@
               <a:blipFill>
                 <a:blip r:embed="rId3"/>
                 <a:stretch>
-                  <a:fillRect l="-593" t="-1073" r="-667"/>
+                  <a:fillRect l="-370" t="-834" r="-444"/>
                 </a:stretch>
               </a:blipFill>
             </p:spPr>
@@ -13416,7 +13589,7 @@
         </p:nvSpPr>
         <p:spPr>
           <a:xfrm>
-            <a:off x="462013" y="1277246"/>
+            <a:off x="462013" y="1248062"/>
             <a:ext cx="8229600" cy="360000"/>
           </a:xfrm>
           <a:prstGeom prst="rect">
@@ -13546,7 +13719,7 @@
               <a:buNone/>
             </a:pPr>
             <a:r>
-              <a:rPr lang="en-GB" sz="1800" dirty="0" err="1">
+              <a:rPr lang="en-GB" sz="1600" dirty="0" err="1">
                 <a:solidFill>
                   <a:srgbClr val="000000"/>
                 </a:solidFill>
@@ -13558,7 +13731,7 @@
               <a:t>fplot</a:t>
             </a:r>
             <a:r>
-              <a:rPr lang="en-GB" sz="1800" dirty="0">
+              <a:rPr lang="en-GB" sz="1600" dirty="0">
                 <a:solidFill>
                   <a:srgbClr val="000000"/>
                 </a:solidFill>
@@ -13569,7 +13742,7 @@
               </a:rPr>
               <a:t>(f)</a:t>
             </a:r>
-            <a:endParaRPr lang="en-ZA" sz="1800" dirty="0">
+            <a:endParaRPr lang="en-ZA" sz="1600" dirty="0">
               <a:effectLst/>
               <a:latin typeface="Consolas" panose="020B0609020204030204" pitchFamily="49" charset="0"/>
               <a:ea typeface="Times New Roman" panose="02020603050405020304" pitchFamily="18" charset="0"/>
@@ -13774,6 +13947,41 @@
           <a:chExt cx="0" cy="0"/>
         </a:xfrm>
       </p:grpSpPr>
+      <p:pic>
+        <p:nvPicPr>
+          <p:cNvPr id="12" name="Picture 11" descr="Chart, line chart&#10;&#10;Description automatically generated">
+            <a:extLst>
+              <a:ext uri="{FF2B5EF4-FFF2-40B4-BE49-F238E27FC236}">
+                <a16:creationId xmlns:a16="http://schemas.microsoft.com/office/drawing/2014/main" id="{CB370F1F-3B23-1769-3954-AE71247F1C02}"/>
+              </a:ext>
+            </a:extLst>
+          </p:cNvPr>
+          <p:cNvPicPr>
+            <a:picLocks noChangeAspect="1"/>
+          </p:cNvPicPr>
+          <p:nvPr/>
+        </p:nvPicPr>
+        <p:blipFill rotWithShape="1">
+          <a:blip r:embed="rId2">
+            <a:extLst>
+              <a:ext uri="{28A0092B-C50C-407E-A947-70E740481C1C}">
+                <a14:useLocalDpi xmlns:a14="http://schemas.microsoft.com/office/drawing/2010/main" val="0"/>
+              </a:ext>
+            </a:extLst>
+          </a:blip>
+          <a:srcRect b="5462"/>
+          <a:stretch/>
+        </p:blipFill>
+        <p:spPr>
+          <a:xfrm>
+            <a:off x="2510816" y="3464195"/>
+            <a:ext cx="4122367" cy="2926876"/>
+          </a:xfrm>
+          <a:prstGeom prst="rect">
+            <a:avLst/>
+          </a:prstGeom>
+        </p:spPr>
+      </p:pic>
       <p:sp>
         <p:nvSpPr>
           <p:cNvPr id="10" name="Rectangle 9">
@@ -13788,7 +13996,7 @@
         </p:nvSpPr>
         <p:spPr>
           <a:xfrm>
-            <a:off x="471538" y="2663031"/>
+            <a:off x="471538" y="2984047"/>
             <a:ext cx="8229600" cy="360000"/>
           </a:xfrm>
           <a:prstGeom prst="rect">
@@ -13846,7 +14054,7 @@
         </p:nvSpPr>
         <p:spPr>
           <a:xfrm>
-            <a:off x="462013" y="1562996"/>
+            <a:off x="462013" y="1806187"/>
             <a:ext cx="8229600" cy="360000"/>
           </a:xfrm>
           <a:prstGeom prst="rect">
@@ -13944,8 +14152,8 @@
           </a:p>
         </p:txBody>
       </p:sp>
-      <mc:AlternateContent xmlns:mc="http://schemas.openxmlformats.org/markup-compatibility/2006" xmlns:a14="http://schemas.microsoft.com/office/drawing/2010/main">
-        <mc:Choice Requires="a14">
+      <mc:AlternateContent xmlns:mc="http://schemas.openxmlformats.org/markup-compatibility/2006">
+        <mc:Choice xmlns:a14="http://schemas.microsoft.com/office/drawing/2010/main" Requires="a14">
           <p:sp>
             <p:nvSpPr>
               <p:cNvPr id="3" name="Content Placeholder 2">
@@ -13978,7 +14186,7 @@
                   <a:buNone/>
                 </a:pPr>
                 <a:r>
-                  <a:rPr lang="en-GB" sz="1500" dirty="0">
+                  <a:rPr lang="en-GB" sz="1600" dirty="0">
                     <a:effectLst/>
                     <a:latin typeface="Helvetica" panose="020B0604020202020204" pitchFamily="34" charset="0"/>
                     <a:ea typeface="Times New Roman" panose="02020603050405020304" pitchFamily="18" charset="0"/>
@@ -13987,7 +14195,7 @@
                   <a:t>Many functions can work with symbolic variables. For example, </a:t>
                 </a:r>
                 <a:r>
-                  <a:rPr lang="en-GB" sz="1500" dirty="0">
+                  <a:rPr lang="en-GB" sz="1600" dirty="0">
                     <a:effectLst/>
                     <a:latin typeface="Consolas" panose="020B0609020204030204" pitchFamily="49" charset="0"/>
                     <a:ea typeface="Times New Roman" panose="02020603050405020304" pitchFamily="18" charset="0"/>
@@ -13996,7 +14204,7 @@
                   <a:t>diff</a:t>
                 </a:r>
                 <a:r>
-                  <a:rPr lang="en-GB" sz="1500" dirty="0">
+                  <a:rPr lang="en-GB" sz="1600" dirty="0">
                     <a:effectLst/>
                     <a:latin typeface="Helvetica" panose="020B0604020202020204" pitchFamily="34" charset="0"/>
                     <a:ea typeface="Times New Roman" panose="02020603050405020304" pitchFamily="18" charset="0"/>
@@ -14004,7 +14212,7 @@
                   </a:rPr>
                   <a:t> differentiates a function.</a:t>
                 </a:r>
-                <a:endParaRPr lang="en-ZA" sz="1500" dirty="0">
+                <a:endParaRPr lang="en-ZA" sz="1600" dirty="0">
                   <a:latin typeface="Consolas" panose="020B0609020204030204" pitchFamily="49" charset="0"/>
                   <a:ea typeface="Times New Roman" panose="02020603050405020304" pitchFamily="18" charset="0"/>
                   <a:cs typeface="Times New Roman" panose="02020603050405020304" pitchFamily="18" charset="0"/>
@@ -14018,7 +14226,7 @@
                   </a:tabLst>
                 </a:pPr>
                 <a:r>
-                  <a:rPr lang="en-GB" sz="1500" dirty="0">
+                  <a:rPr lang="en-GB" sz="1600" dirty="0">
                     <a:solidFill>
                       <a:srgbClr val="000000"/>
                     </a:solidFill>
@@ -14038,7 +14246,7 @@
                   </a:tabLst>
                 </a:pPr>
                 <a:r>
-                  <a:rPr lang="en-GB" sz="1500" dirty="0">
+                  <a:rPr lang="en-GB" sz="1600" dirty="0">
                     <a:solidFill>
                       <a:srgbClr val="404040"/>
                     </a:solidFill>
@@ -14050,7 +14258,7 @@
                   <a:t>	f1(x) = </a:t>
                 </a:r>
                 <a:r>
-                  <a:rPr lang="en-GB" sz="1500" dirty="0">
+                  <a:rPr lang="en-GB" sz="1600" dirty="0">
                     <a:solidFill>
                       <a:srgbClr val="404040"/>
                     </a:solidFill>
@@ -14064,7 +14272,7 @@
                     <m:f>
                       <m:fPr>
                         <m:ctrlPr>
-                          <a:rPr lang="en-GB" sz="1500" i="1" dirty="0" smtClean="0">
+                          <a:rPr lang="en-GB" sz="1600" i="1" dirty="0" smtClean="0">
                             <a:solidFill>
                               <a:srgbClr val="404040"/>
                             </a:solidFill>
@@ -14076,7 +14284,7 @@
                       </m:fPr>
                       <m:num>
                         <m:r>
-                          <a:rPr lang="en-ZA" sz="1500" b="0" i="1" dirty="0" smtClean="0">
+                          <a:rPr lang="en-ZA" sz="1600" b="0" i="1" dirty="0" smtClean="0">
                             <a:solidFill>
                               <a:srgbClr val="404040"/>
                             </a:solidFill>
@@ -14089,7 +14297,7 @@
                         <m:func>
                           <m:funcPr>
                             <m:ctrlPr>
-                              <a:rPr lang="en-ZA" sz="1500" b="0" i="1" dirty="0" smtClean="0">
+                              <a:rPr lang="en-ZA" sz="1600" b="0" i="1" dirty="0" smtClean="0">
                                 <a:solidFill>
                                   <a:srgbClr val="404040"/>
                                 </a:solidFill>
@@ -14104,7 +14312,7 @@
                               <m:rPr>
                                 <m:sty m:val="p"/>
                               </m:rPr>
-                              <a:rPr lang="en-ZA" sz="1500" b="0" i="0" dirty="0" smtClean="0">
+                              <a:rPr lang="en-ZA" sz="1600" b="0" i="0" dirty="0" smtClean="0">
                                 <a:solidFill>
                                   <a:srgbClr val="404040"/>
                                 </a:solidFill>
@@ -14119,7 +14327,7 @@
                             <m:d>
                               <m:dPr>
                                 <m:ctrlPr>
-                                  <a:rPr lang="en-ZA" sz="1500" b="0" i="1" dirty="0" smtClean="0">
+                                  <a:rPr lang="en-ZA" sz="1600" b="0" i="1" dirty="0" smtClean="0">
                                     <a:solidFill>
                                       <a:srgbClr val="404040"/>
                                     </a:solidFill>
@@ -14131,7 +14339,7 @@
                               </m:dPr>
                               <m:e>
                                 <m:r>
-                                  <a:rPr lang="en-ZA" sz="1500" b="0" i="1" dirty="0" smtClean="0">
+                                  <a:rPr lang="en-ZA" sz="1600" b="0" i="1" dirty="0" smtClean="0">
                                     <a:solidFill>
                                       <a:srgbClr val="404040"/>
                                     </a:solidFill>
@@ -14150,7 +14358,7 @@
                         <m:sSup>
                           <m:sSupPr>
                             <m:ctrlPr>
-                              <a:rPr lang="en-GB" sz="1500" i="1" dirty="0" smtClean="0">
+                              <a:rPr lang="en-GB" sz="1600" i="1" dirty="0" smtClean="0">
                                 <a:solidFill>
                                   <a:srgbClr val="404040"/>
                                 </a:solidFill>
@@ -14164,7 +14372,7 @@
                             <m:d>
                               <m:dPr>
                                 <m:ctrlPr>
-                                  <a:rPr lang="en-GB" sz="1500" i="1" dirty="0">
+                                  <a:rPr lang="en-GB" sz="1600" i="1" dirty="0">
                                     <a:solidFill>
                                       <a:srgbClr val="404040"/>
                                     </a:solidFill>
@@ -14175,7 +14383,7 @@
                               </m:dPr>
                               <m:e>
                                 <m:r>
-                                  <a:rPr lang="en-ZA" sz="1500" i="1" dirty="0">
+                                  <a:rPr lang="en-ZA" sz="1600" i="1" dirty="0">
                                     <a:solidFill>
                                       <a:srgbClr val="404040"/>
                                     </a:solidFill>
@@ -14187,7 +14395,7 @@
                                 <m:func>
                                   <m:funcPr>
                                     <m:ctrlPr>
-                                      <a:rPr lang="en-ZA" sz="1500" i="1" dirty="0">
+                                      <a:rPr lang="en-ZA" sz="1600" i="1" dirty="0">
                                         <a:solidFill>
                                           <a:srgbClr val="404040"/>
                                         </a:solidFill>
@@ -14201,7 +14409,7 @@
                                       <m:rPr>
                                         <m:sty m:val="p"/>
                                       </m:rPr>
-                                      <a:rPr lang="en-ZA" sz="1500" dirty="0">
+                                      <a:rPr lang="en-ZA" sz="1600" dirty="0">
                                         <a:solidFill>
                                           <a:srgbClr val="404040"/>
                                         </a:solidFill>
@@ -14215,7 +14423,7 @@
                                     <m:d>
                                       <m:dPr>
                                         <m:ctrlPr>
-                                          <a:rPr lang="en-ZA" sz="1500" i="1" dirty="0">
+                                          <a:rPr lang="en-ZA" sz="1600" i="1" dirty="0">
                                             <a:solidFill>
                                               <a:srgbClr val="404040"/>
                                             </a:solidFill>
@@ -14226,7 +14434,7 @@
                                       </m:dPr>
                                       <m:e>
                                         <m:r>
-                                          <a:rPr lang="en-ZA" sz="1500" i="1" dirty="0">
+                                          <a:rPr lang="en-ZA" sz="1600" i="1" dirty="0">
                                             <a:solidFill>
                                               <a:srgbClr val="404040"/>
                                             </a:solidFill>
@@ -14238,7 +14446,7 @@
                                       </m:e>
                                     </m:d>
                                     <m:r>
-                                      <a:rPr lang="en-ZA" sz="1500" i="1" dirty="0">
+                                      <a:rPr lang="en-ZA" sz="1600" i="1" dirty="0">
                                         <a:solidFill>
                                           <a:srgbClr val="404040"/>
                                         </a:solidFill>
@@ -14254,7 +14462,7 @@
                           </m:e>
                           <m:sup>
                             <m:r>
-                              <a:rPr lang="en-ZA" sz="1500" b="0" i="1" dirty="0" smtClean="0">
+                              <a:rPr lang="en-ZA" sz="1600" b="0" i="1" dirty="0" smtClean="0">
                                 <a:solidFill>
                                   <a:srgbClr val="404040"/>
                                 </a:solidFill>
@@ -14270,7 +14478,7 @@
                     </m:f>
                   </m:oMath>
                 </a14:m>
-                <a:endParaRPr lang="en-ZA" sz="1500" dirty="0">
+                <a:endParaRPr lang="en-ZA" sz="1600" dirty="0">
                   <a:effectLst/>
                   <a:latin typeface="Helvetica" panose="020B0604020202020204" pitchFamily="34" charset="0"/>
                   <a:ea typeface="Times New Roman" panose="02020603050405020304" pitchFamily="18" charset="0"/>
@@ -14285,7 +14493,7 @@
                   </a:tabLst>
                 </a:pPr>
                 <a:r>
-                  <a:rPr lang="en-GB" sz="1500" dirty="0">
+                  <a:rPr lang="en-GB" sz="1600" dirty="0">
                     <a:effectLst/>
                     <a:latin typeface="Helvetica" panose="020B0604020202020204" pitchFamily="34" charset="0"/>
                     <a:ea typeface="Times New Roman" panose="02020603050405020304" pitchFamily="18" charset="0"/>
@@ -14302,7 +14510,7 @@
                   </a:tabLst>
                 </a:pPr>
                 <a:r>
-                  <a:rPr lang="en-GB" sz="1500" dirty="0">
+                  <a:rPr lang="en-GB" sz="1600" dirty="0">
                     <a:latin typeface="Helvetica" panose="020B0604020202020204" pitchFamily="34" charset="0"/>
                     <a:ea typeface="Times New Roman" panose="02020603050405020304" pitchFamily="18" charset="0"/>
                     <a:cs typeface="Times New Roman" panose="02020603050405020304" pitchFamily="18" charset="0"/>
@@ -14310,7 +14518,7 @@
                   <a:t>	</a:t>
                 </a:r>
                 <a:r>
-                  <a:rPr lang="en-GB" sz="1500" dirty="0" err="1">
+                  <a:rPr lang="en-GB" sz="1600" dirty="0" err="1">
                     <a:effectLst/>
                     <a:latin typeface="Consolas" panose="020B0609020204030204" pitchFamily="49" charset="0"/>
                     <a:ea typeface="Times New Roman" panose="02020603050405020304" pitchFamily="18" charset="0"/>
@@ -14319,7 +14527,7 @@
                   <a:t>fplot</a:t>
                 </a:r>
                 <a:r>
-                  <a:rPr lang="en-GB" sz="1500" dirty="0">
+                  <a:rPr lang="en-GB" sz="1600" dirty="0">
                     <a:effectLst/>
                     <a:latin typeface="Consolas" panose="020B0609020204030204" pitchFamily="49" charset="0"/>
                     <a:ea typeface="Times New Roman" panose="02020603050405020304" pitchFamily="18" charset="0"/>
@@ -14327,7 +14535,7 @@
                   </a:rPr>
                   <a:t>(f1)</a:t>
                 </a:r>
-                <a:endParaRPr lang="en-ZA" sz="1500" dirty="0">
+                <a:endParaRPr lang="en-ZA" sz="1600" dirty="0">
                   <a:effectLst/>
                   <a:latin typeface="Consolas" panose="020B0609020204030204" pitchFamily="49" charset="0"/>
                   <a:ea typeface="Times New Roman" panose="02020603050405020304" pitchFamily="18" charset="0"/>
@@ -14337,7 +14545,7 @@
             </p:txBody>
           </p:sp>
         </mc:Choice>
-        <mc:Fallback xmlns="">
+        <mc:Fallback>
           <p:sp>
             <p:nvSpPr>
               <p:cNvPr id="3" name="Content Placeholder 2">
@@ -14360,9 +14568,9 @@
                 <a:ext cx="8229600" cy="5112000"/>
               </a:xfrm>
               <a:blipFill>
-                <a:blip r:embed="rId2"/>
+                <a:blip r:embed="rId3"/>
                 <a:stretch>
-                  <a:fillRect l="-296" t="-715"/>
+                  <a:fillRect l="-370" t="-834" r="-444"/>
                 </a:stretch>
               </a:blipFill>
             </p:spPr>
@@ -14471,42 +14679,6 @@
           </a:p>
         </p:txBody>
       </p:sp>
-      <p:pic>
-        <p:nvPicPr>
-          <p:cNvPr id="12" name="Picture 11" descr="Chart, line chart&#10;&#10;Description automatically generated">
-            <a:extLst>
-              <a:ext uri="{FF2B5EF4-FFF2-40B4-BE49-F238E27FC236}">
-                <a16:creationId xmlns:a16="http://schemas.microsoft.com/office/drawing/2014/main" id="{CB370F1F-3B23-1769-3954-AE71247F1C02}"/>
-              </a:ext>
-            </a:extLst>
-          </p:cNvPr>
-          <p:cNvPicPr>
-            <a:picLocks noChangeAspect="1"/>
-          </p:cNvPicPr>
-          <p:nvPr/>
-        </p:nvPicPr>
-        <p:blipFill>
-          <a:blip r:embed="rId3">
-            <a:extLst>
-              <a:ext uri="{28A0092B-C50C-407E-A947-70E740481C1C}">
-                <a14:useLocalDpi xmlns:a14="http://schemas.microsoft.com/office/drawing/2010/main" val="0"/>
-              </a:ext>
-            </a:extLst>
-          </a:blip>
-          <a:stretch>
-            <a:fillRect/>
-          </a:stretch>
-        </p:blipFill>
-        <p:spPr>
-          <a:xfrm>
-            <a:off x="2510816" y="3328009"/>
-            <a:ext cx="4122367" cy="3096000"/>
-          </a:xfrm>
-          <a:prstGeom prst="rect">
-            <a:avLst/>
-          </a:prstGeom>
-        </p:spPr>
-      </p:pic>
       <p:pic>
         <p:nvPicPr>
           <p:cNvPr id="8" name="Graphic 7" descr="Chevron arrows with solid fill">
@@ -14663,7 +14835,7 @@
               <a:buNone/>
             </a:pPr>
             <a:r>
-              <a:rPr lang="en-GB" sz="1500" dirty="0">
+              <a:rPr lang="en-GB" sz="1600" dirty="0">
                 <a:effectLst/>
                 <a:latin typeface="Helvetica" panose="020B0604020202020204" pitchFamily="34" charset="0"/>
                 <a:ea typeface="Times New Roman" panose="02020603050405020304" pitchFamily="18" charset="0"/>
@@ -14672,7 +14844,7 @@
               <a:t>The above is just one example of how algebraic computation can be leveraged, so I encourage you to visit the </a:t>
             </a:r>
             <a:r>
-              <a:rPr lang="en-GB" sz="1500" dirty="0">
+              <a:rPr lang="en-GB" sz="1600" dirty="0">
                 <a:solidFill>
                   <a:srgbClr val="005FCE"/>
                 </a:solidFill>
@@ -14685,7 +14857,7 @@
               <a:t>Getting started with the Symbolic Math Toolbox</a:t>
             </a:r>
             <a:r>
-              <a:rPr lang="en-GB" sz="1500" dirty="0">
+              <a:rPr lang="en-GB" sz="1600" dirty="0">
                 <a:effectLst/>
                 <a:latin typeface="Helvetica" panose="020B0604020202020204" pitchFamily="34" charset="0"/>
                 <a:ea typeface="Times New Roman" panose="02020603050405020304" pitchFamily="18" charset="0"/>
@@ -14698,7 +14870,7 @@
             <a:pPr marL="0" indent="0" algn="just">
               <a:buNone/>
             </a:pPr>
-            <a:endParaRPr lang="en-ZA" sz="1500" dirty="0">
+            <a:endParaRPr lang="en-ZA" sz="1600" dirty="0">
               <a:latin typeface="Consolas" panose="020B0609020204030204" pitchFamily="49" charset="0"/>
               <a:ea typeface="Times New Roman" panose="02020603050405020304" pitchFamily="18" charset="0"/>
               <a:cs typeface="Times New Roman" panose="02020603050405020304" pitchFamily="18" charset="0"/>
@@ -14708,7 +14880,7 @@
             <a:pPr marL="0" indent="0" algn="just">
               <a:buNone/>
             </a:pPr>
-            <a:endParaRPr lang="en-ZA" sz="1500" dirty="0">
+            <a:endParaRPr lang="en-ZA" sz="1600" dirty="0">
               <a:effectLst/>
               <a:latin typeface="Consolas" panose="020B0609020204030204" pitchFamily="49" charset="0"/>
               <a:ea typeface="Times New Roman" panose="02020603050405020304" pitchFamily="18" charset="0"/>
@@ -14729,7 +14901,7 @@
               <a:buNone/>
             </a:pPr>
             <a:r>
-              <a:rPr lang="en-GB" sz="1500" dirty="0">
+              <a:rPr lang="en-GB" sz="1600" dirty="0">
                 <a:effectLst/>
                 <a:latin typeface="Helvetica" panose="020B0604020202020204" pitchFamily="34" charset="0"/>
                 <a:ea typeface="Times New Roman" panose="02020603050405020304" pitchFamily="18" charset="0"/>
@@ -14738,7 +14910,7 @@
               <a:t>         Now you try! Use the </a:t>
             </a:r>
             <a:r>
-              <a:rPr lang="en-GB" sz="1500" dirty="0" err="1">
+              <a:rPr lang="en-GB" sz="1600" dirty="0" err="1">
                 <a:effectLst/>
                 <a:latin typeface="Consolas" panose="020B0609020204030204" pitchFamily="49" charset="0"/>
                 <a:ea typeface="Times New Roman" panose="02020603050405020304" pitchFamily="18" charset="0"/>
@@ -14747,7 +14919,7 @@
               <a:t>fplot</a:t>
             </a:r>
             <a:r>
-              <a:rPr lang="en-GB" sz="1500" dirty="0">
+              <a:rPr lang="en-GB" sz="1600" dirty="0">
                 <a:effectLst/>
                 <a:latin typeface="Helvetica" panose="020B0604020202020204" pitchFamily="34" charset="0"/>
                 <a:ea typeface="Times New Roman" panose="02020603050405020304" pitchFamily="18" charset="0"/>
@@ -14756,7 +14928,7 @@
               <a:t> function to create a plot of </a:t>
             </a:r>
             <a:r>
-              <a:rPr lang="en-GB" sz="1500" dirty="0">
+              <a:rPr lang="en-GB" sz="1600" dirty="0">
                 <a:effectLst/>
                 <a:latin typeface="Consolas" panose="020B0609020204030204" pitchFamily="49" charset="0"/>
                 <a:ea typeface="Times New Roman" panose="02020603050405020304" pitchFamily="18" charset="0"/>
@@ -14765,7 +14937,7 @@
               <a:t>sin(x)</a:t>
             </a:r>
             <a:r>
-              <a:rPr lang="en-GB" sz="1500" dirty="0">
+              <a:rPr lang="en-GB" sz="1600" dirty="0">
                 <a:effectLst/>
                 <a:latin typeface="Helvetica" panose="020B0604020202020204" pitchFamily="34" charset="0"/>
                 <a:ea typeface="Times New Roman" panose="02020603050405020304" pitchFamily="18" charset="0"/>
@@ -14774,7 +14946,7 @@
               <a:t>, </a:t>
             </a:r>
             <a:r>
-              <a:rPr lang="en-GB" sz="1500" dirty="0">
+              <a:rPr lang="en-GB" sz="1600" dirty="0">
                 <a:effectLst/>
                 <a:latin typeface="Consolas" panose="020B0609020204030204" pitchFamily="49" charset="0"/>
                 <a:ea typeface="Times New Roman" panose="02020603050405020304" pitchFamily="18" charset="0"/>
@@ -14783,7 +14955,7 @@
               <a:t>cos(x)</a:t>
             </a:r>
             <a:r>
-              <a:rPr lang="en-GB" sz="1500" dirty="0">
+              <a:rPr lang="en-GB" sz="1600" dirty="0">
                 <a:effectLst/>
                 <a:latin typeface="Helvetica" panose="020B0604020202020204" pitchFamily="34" charset="0"/>
                 <a:ea typeface="Times New Roman" panose="02020603050405020304" pitchFamily="18" charset="0"/>
@@ -14792,7 +14964,7 @@
               <a:t>, and </a:t>
             </a:r>
             <a:r>
-              <a:rPr lang="en-GB" sz="1500" dirty="0">
+              <a:rPr lang="en-GB" sz="1600" dirty="0">
                 <a:effectLst/>
                 <a:latin typeface="Consolas" panose="020B0609020204030204" pitchFamily="49" charset="0"/>
                 <a:ea typeface="Times New Roman" panose="02020603050405020304" pitchFamily="18" charset="0"/>
@@ -14801,7 +14973,7 @@
               <a:t>tan(x)</a:t>
             </a:r>
             <a:r>
-              <a:rPr lang="en-GB" sz="1500" dirty="0">
+              <a:rPr lang="en-GB" sz="1600" dirty="0">
                 <a:effectLst/>
                 <a:latin typeface="Helvetica" panose="020B0604020202020204" pitchFamily="34" charset="0"/>
                 <a:ea typeface="Times New Roman" panose="02020603050405020304" pitchFamily="18" charset="0"/>
@@ -14809,7 +14981,7 @@
               </a:rPr>
               <a:t> on the same set of simultaneously. </a:t>
             </a:r>
-            <a:endParaRPr lang="en-ZA" sz="1500" dirty="0">
+            <a:endParaRPr lang="en-ZA" sz="1600" dirty="0">
               <a:effectLst/>
               <a:latin typeface="Helvetica" panose="020B0604020202020204" pitchFamily="34" charset="0"/>
               <a:ea typeface="Times New Roman" panose="02020603050405020304" pitchFamily="18" charset="0"/>
@@ -14820,7 +14992,7 @@
             <a:pPr marL="0" indent="0">
               <a:buNone/>
             </a:pPr>
-            <a:endParaRPr lang="en-GB" sz="1500" dirty="0">
+            <a:endParaRPr lang="en-GB" sz="1600" dirty="0">
               <a:effectLst/>
               <a:latin typeface="Helvetica" panose="020B0604020202020204" pitchFamily="34" charset="0"/>
               <a:ea typeface="Times New Roman" panose="02020603050405020304" pitchFamily="18" charset="0"/>
@@ -14832,16 +15004,16 @@
               <a:buNone/>
             </a:pPr>
             <a:r>
-              <a:rPr lang="en-GB" sz="1500" dirty="0">
-                <a:effectLst/>
-                <a:latin typeface="Helvetica" panose="020B0604020202020204" pitchFamily="34" charset="0"/>
-                <a:ea typeface="Times New Roman" panose="02020603050405020304" pitchFamily="18" charset="0"/>
-                <a:cs typeface="Times New Roman" panose="02020603050405020304" pitchFamily="18" charset="0"/>
-              </a:rPr>
-              <a:t>Hint: Combine the three trigonometric functions in an array, and remember to define </a:t>
-            </a:r>
-            <a:r>
-              <a:rPr lang="en-GB" sz="1500" dirty="0">
+              <a:rPr lang="en-GB" sz="1600" dirty="0">
+                <a:effectLst/>
+                <a:latin typeface="Helvetica" panose="020B0604020202020204" pitchFamily="34" charset="0"/>
+                <a:ea typeface="Times New Roman" panose="02020603050405020304" pitchFamily="18" charset="0"/>
+                <a:cs typeface="Times New Roman" panose="02020603050405020304" pitchFamily="18" charset="0"/>
+              </a:rPr>
+              <a:t>Hint: Combine the three trigonometric functions in an array and remember to define </a:t>
+            </a:r>
+            <a:r>
+              <a:rPr lang="en-GB" sz="1600" dirty="0">
                 <a:effectLst/>
                 <a:latin typeface="Consolas" panose="020B0609020204030204" pitchFamily="49" charset="0"/>
                 <a:ea typeface="Times New Roman" panose="02020603050405020304" pitchFamily="18" charset="0"/>
@@ -14850,7 +15022,7 @@
               <a:t>x</a:t>
             </a:r>
             <a:r>
-              <a:rPr lang="en-GB" sz="1500" dirty="0">
+              <a:rPr lang="en-GB" sz="1600" dirty="0">
                 <a:effectLst/>
                 <a:latin typeface="Helvetica" panose="020B0604020202020204" pitchFamily="34" charset="0"/>
                 <a:ea typeface="Times New Roman" panose="02020603050405020304" pitchFamily="18" charset="0"/>
@@ -14858,7 +15030,7 @@
               </a:rPr>
               <a:t> as a symbolic variable.</a:t>
             </a:r>
-            <a:endParaRPr lang="en-ZA" sz="1500" dirty="0">
+            <a:endParaRPr lang="en-ZA" sz="1600" dirty="0">
               <a:effectLst/>
               <a:latin typeface="Consolas" panose="020B0609020204030204" pitchFamily="49" charset="0"/>
               <a:ea typeface="Times New Roman" panose="02020603050405020304" pitchFamily="18" charset="0"/>
@@ -14979,7 +15151,7 @@
         </p:blipFill>
         <p:spPr>
           <a:xfrm>
-            <a:off x="465023" y="2384953"/>
+            <a:off x="465023" y="2472503"/>
             <a:ext cx="567000" cy="540000"/>
           </a:xfrm>
           <a:prstGeom prst="rect">
